--- a/Documentation - PL/ZTP Dokumentation.pptx
+++ b/Documentation - PL/ZTP Dokumentation.pptx
@@ -5575,14 +5575,20 @@
           <a:lstStyle/>
           <a:p>
             <a:r>
-              <a:rPr lang="pl-PL" b="1" cap="small" dirty="0"/>
+              <a:rPr lang="pl-PL" b="1" cap="small" dirty="0">
+                <a:latin typeface="Bahnschrift" panose="020B0502040204020203" pitchFamily="34" charset="0"/>
+              </a:rPr>
               <a:t>Wzorzec #10: </a:t>
             </a:r>
             <a:r>
-              <a:rPr lang="pl-PL" b="1" cap="small" dirty="0" err="1"/>
+              <a:rPr lang="pl-PL" b="1" cap="small" dirty="0" err="1">
+                <a:latin typeface="Bahnschrift" panose="020B0502040204020203" pitchFamily="34" charset="0"/>
+              </a:rPr>
               <a:t>Factory</a:t>
             </a:r>
-            <a:endParaRPr lang="pl-PL" dirty="0"/>
+            <a:endParaRPr lang="pl-PL" dirty="0">
+              <a:latin typeface="Bahnschrift" panose="020B0502040204020203" pitchFamily="34" charset="0"/>
+            </a:endParaRPr>
           </a:p>
         </p:txBody>
       </p:sp>

--- a/Documentation - PL/ZTP Dokumentation.pptx
+++ b/Documentation - PL/ZTP Dokumentation.pptx
@@ -11,22 +11,22 @@
     <p:sldId id="258" r:id="rId5"/>
     <p:sldId id="261" r:id="rId6"/>
     <p:sldId id="259" r:id="rId7"/>
-    <p:sldId id="260" r:id="rId8"/>
-    <p:sldId id="262" r:id="rId9"/>
-    <p:sldId id="263" r:id="rId10"/>
-    <p:sldId id="264" r:id="rId11"/>
-    <p:sldId id="273" r:id="rId12"/>
-    <p:sldId id="265" r:id="rId13"/>
-    <p:sldId id="274" r:id="rId14"/>
-    <p:sldId id="266" r:id="rId15"/>
-    <p:sldId id="275" r:id="rId16"/>
-    <p:sldId id="267" r:id="rId17"/>
-    <p:sldId id="276" r:id="rId18"/>
-    <p:sldId id="268" r:id="rId19"/>
-    <p:sldId id="269" r:id="rId20"/>
-    <p:sldId id="270" r:id="rId21"/>
-    <p:sldId id="277" r:id="rId22"/>
-    <p:sldId id="271" r:id="rId23"/>
+    <p:sldId id="266" r:id="rId8"/>
+    <p:sldId id="275" r:id="rId9"/>
+    <p:sldId id="271" r:id="rId10"/>
+    <p:sldId id="260" r:id="rId11"/>
+    <p:sldId id="265" r:id="rId12"/>
+    <p:sldId id="274" r:id="rId13"/>
+    <p:sldId id="263" r:id="rId14"/>
+    <p:sldId id="262" r:id="rId15"/>
+    <p:sldId id="264" r:id="rId16"/>
+    <p:sldId id="273" r:id="rId17"/>
+    <p:sldId id="267" r:id="rId18"/>
+    <p:sldId id="276" r:id="rId19"/>
+    <p:sldId id="268" r:id="rId20"/>
+    <p:sldId id="269" r:id="rId21"/>
+    <p:sldId id="270" r:id="rId22"/>
+    <p:sldId id="277" r:id="rId23"/>
   </p:sldIdLst>
   <p:sldSz cx="12192000" cy="6858000"/>
   <p:notesSz cx="6858000" cy="9144000"/>
@@ -275,7 +275,7 @@
           <a:p>
             <a:fld id="{4DA347E4-0187-41BC-AEA1-5113E9805BC9}" type="datetimeFigureOut">
               <a:rPr lang="pl-PL" smtClean="0"/>
-              <a:t>14.12.2018</a:t>
+              <a:t>2018-12-14</a:t>
             </a:fld>
             <a:endParaRPr lang="pl-PL"/>
           </a:p>
@@ -445,7 +445,7 @@
           <a:p>
             <a:fld id="{4DA347E4-0187-41BC-AEA1-5113E9805BC9}" type="datetimeFigureOut">
               <a:rPr lang="pl-PL" smtClean="0"/>
-              <a:t>14.12.2018</a:t>
+              <a:t>2018-12-14</a:t>
             </a:fld>
             <a:endParaRPr lang="pl-PL"/>
           </a:p>
@@ -625,7 +625,7 @@
           <a:p>
             <a:fld id="{4DA347E4-0187-41BC-AEA1-5113E9805BC9}" type="datetimeFigureOut">
               <a:rPr lang="pl-PL" smtClean="0"/>
-              <a:t>14.12.2018</a:t>
+              <a:t>2018-12-14</a:t>
             </a:fld>
             <a:endParaRPr lang="pl-PL"/>
           </a:p>
@@ -795,7 +795,7 @@
           <a:p>
             <a:fld id="{4DA347E4-0187-41BC-AEA1-5113E9805BC9}" type="datetimeFigureOut">
               <a:rPr lang="pl-PL" smtClean="0"/>
-              <a:t>14.12.2018</a:t>
+              <a:t>2018-12-14</a:t>
             </a:fld>
             <a:endParaRPr lang="pl-PL"/>
           </a:p>
@@ -1046,7 +1046,7 @@
           <a:p>
             <a:fld id="{4DA347E4-0187-41BC-AEA1-5113E9805BC9}" type="datetimeFigureOut">
               <a:rPr lang="pl-PL" smtClean="0"/>
-              <a:t>14.12.2018</a:t>
+              <a:t>2018-12-14</a:t>
             </a:fld>
             <a:endParaRPr lang="pl-PL"/>
           </a:p>
@@ -1278,7 +1278,7 @@
           <a:p>
             <a:fld id="{4DA347E4-0187-41BC-AEA1-5113E9805BC9}" type="datetimeFigureOut">
               <a:rPr lang="pl-PL" smtClean="0"/>
-              <a:t>14.12.2018</a:t>
+              <a:t>2018-12-14</a:t>
             </a:fld>
             <a:endParaRPr lang="pl-PL"/>
           </a:p>
@@ -1625,7 +1625,7 @@
           <a:p>
             <a:fld id="{4DA347E4-0187-41BC-AEA1-5113E9805BC9}" type="datetimeFigureOut">
               <a:rPr lang="pl-PL" smtClean="0"/>
-              <a:t>14.12.2018</a:t>
+              <a:t>2018-12-14</a:t>
             </a:fld>
             <a:endParaRPr lang="pl-PL"/>
           </a:p>
@@ -1743,7 +1743,7 @@
           <a:p>
             <a:fld id="{4DA347E4-0187-41BC-AEA1-5113E9805BC9}" type="datetimeFigureOut">
               <a:rPr lang="pl-PL" smtClean="0"/>
-              <a:t>14.12.2018</a:t>
+              <a:t>2018-12-14</a:t>
             </a:fld>
             <a:endParaRPr lang="pl-PL"/>
           </a:p>
@@ -1861,7 +1861,7 @@
           <a:p>
             <a:fld id="{4DA347E4-0187-41BC-AEA1-5113E9805BC9}" type="datetimeFigureOut">
               <a:rPr lang="pl-PL" smtClean="0"/>
-              <a:t>14.12.2018</a:t>
+              <a:t>2018-12-14</a:t>
             </a:fld>
             <a:endParaRPr lang="pl-PL"/>
           </a:p>
@@ -2145,7 +2145,7 @@
           <a:p>
             <a:fld id="{4DA347E4-0187-41BC-AEA1-5113E9805BC9}" type="datetimeFigureOut">
               <a:rPr lang="pl-PL" smtClean="0"/>
-              <a:t>14.12.2018</a:t>
+              <a:t>2018-12-14</a:t>
             </a:fld>
             <a:endParaRPr lang="pl-PL"/>
           </a:p>
@@ -2409,7 +2409,7 @@
           <a:p>
             <a:fld id="{4DA347E4-0187-41BC-AEA1-5113E9805BC9}" type="datetimeFigureOut">
               <a:rPr lang="pl-PL" smtClean="0"/>
-              <a:t>14.12.2018</a:t>
+              <a:t>2018-12-14</a:t>
             </a:fld>
             <a:endParaRPr lang="pl-PL"/>
           </a:p>
@@ -2623,7 +2623,7 @@
           <a:p>
             <a:fld id="{4DA347E4-0187-41BC-AEA1-5113E9805BC9}" type="datetimeFigureOut">
               <a:rPr lang="pl-PL" smtClean="0"/>
-              <a:t>14.12.2018</a:t>
+              <a:t>2018-12-14</a:t>
             </a:fld>
             <a:endParaRPr lang="pl-PL"/>
           </a:p>
@@ -3411,11 +3411,48 @@
               <a:rPr lang="pl-PL" b="1" cap="small" dirty="0">
                 <a:latin typeface="Bahnschrift" panose="020B0502040204020203" pitchFamily="34" charset="0"/>
               </a:rPr>
-              <a:t>Wzorzec #5: CQRS</a:t>
+              <a:t>Wzorzec #4 (strukturalny): Extension Object</a:t>
             </a:r>
             <a:endParaRPr lang="pl-PL" dirty="0">
               <a:latin typeface="Bahnschrift" panose="020B0502040204020203" pitchFamily="34" charset="0"/>
             </a:endParaRPr>
+          </a:p>
+        </p:txBody>
+      </p:sp>
+      <p:sp>
+        <p:nvSpPr>
+          <p:cNvPr id="5" name="Prostokąt 4">
+            <a:extLst>
+              <a:ext uri="{FF2B5EF4-FFF2-40B4-BE49-F238E27FC236}">
+                <a16:creationId xmlns:a16="http://schemas.microsoft.com/office/drawing/2014/main" id="{FA59FDEB-701A-4E49-890A-C3DF4098889A}"/>
+              </a:ext>
+            </a:extLst>
+          </p:cNvPr>
+          <p:cNvSpPr/>
+          <p:nvPr/>
+        </p:nvSpPr>
+        <p:spPr>
+          <a:xfrm>
+            <a:off x="5581650" y="1209675"/>
+            <a:ext cx="6153150" cy="2677656"/>
+          </a:xfrm>
+          <a:prstGeom prst="rect">
+            <a:avLst/>
+          </a:prstGeom>
+        </p:spPr>
+        <p:txBody>
+          <a:bodyPr wrap="square">
+            <a:spAutoFit/>
+          </a:bodyPr>
+          <a:lstStyle/>
+          <a:p>
+            <a:pPr algn="just"/>
+            <a:r>
+              <a:rPr lang="pl-PL" sz="2400" dirty="0">
+                <a:latin typeface="Bahnschrift" panose="020B0502040204020203" pitchFamily="34" charset="0"/>
+              </a:rPr>
+              <a:t>Wzorzec Extension Object został użyty w celu rozszerzenia istniejących klas, np. Object o dodatkowe funkcjonalności (metody). Zwykle klasa jest rozszerzana poprzez podklasę i dodawanie metod do klasy pochodnej. Obiekt rozszerzenia zapewnia rozszerzalność bez podklas.</a:t>
+            </a:r>
           </a:p>
         </p:txBody>
       </p:sp>
@@ -3424,7 +3461,7 @@
           <p:cNvPr id="3" name="Obraz 2">
             <a:extLst>
               <a:ext uri="{FF2B5EF4-FFF2-40B4-BE49-F238E27FC236}">
-                <a16:creationId xmlns:a16="http://schemas.microsoft.com/office/drawing/2014/main" id="{538D37FE-004D-4C98-94A1-ED1AD3A61B65}"/>
+                <a16:creationId xmlns:a16="http://schemas.microsoft.com/office/drawing/2014/main" id="{8D252544-D494-4B48-BD11-8D2DD006B4EF}"/>
               </a:ext>
             </a:extLst>
           </p:cNvPr>
@@ -3433,16 +3470,15 @@
           </p:cNvPicPr>
           <p:nvPr/>
         </p:nvPicPr>
-        <p:blipFill>
+        <p:blipFill rotWithShape="1">
           <a:blip r:embed="rId2"/>
-          <a:stretch>
-            <a:fillRect/>
-          </a:stretch>
+          <a:srcRect l="6915" t="6165" r="7312" b="6652"/>
+          <a:stretch/>
         </p:blipFill>
         <p:spPr>
           <a:xfrm>
-            <a:off x="563309" y="1066800"/>
-            <a:ext cx="11182160" cy="5791199"/>
+            <a:off x="240632" y="1209675"/>
+            <a:ext cx="4883818" cy="5481837"/>
           </a:xfrm>
           <a:prstGeom prst="rect">
             <a:avLst/>
@@ -3452,7 +3488,7 @@
     </p:spTree>
     <p:extLst>
       <p:ext uri="{BB962C8B-B14F-4D97-AF65-F5344CB8AC3E}">
-        <p14:creationId xmlns:p14="http://schemas.microsoft.com/office/powerpoint/2010/main" val="2989699819"/>
+        <p14:creationId xmlns:p14="http://schemas.microsoft.com/office/powerpoint/2010/main" val="325794987"/>
       </p:ext>
     </p:extLst>
   </p:cSld>
@@ -3519,7 +3555,13 @@
               <a:rPr lang="pl-PL" b="1" cap="small" dirty="0">
                 <a:latin typeface="Bahnschrift" panose="020B0502040204020203" pitchFamily="34" charset="0"/>
               </a:rPr>
-              <a:t>Wzorzec #5: CQRS</a:t>
+              <a:t>Wzorzec #5 (strukturalny):  </a:t>
+            </a:r>
+            <a:r>
+              <a:rPr lang="pl-PL" b="1" cap="small" dirty="0" err="1">
+                <a:latin typeface="Bahnschrift" panose="020B0502040204020203" pitchFamily="34" charset="0"/>
+              </a:rPr>
+              <a:t>Repository</a:t>
             </a:r>
             <a:endParaRPr lang="pl-PL" dirty="0">
               <a:latin typeface="Bahnschrift" panose="020B0502040204020203" pitchFamily="34" charset="0"/>
@@ -3529,10 +3571,10 @@
       </p:sp>
       <p:pic>
         <p:nvPicPr>
-          <p:cNvPr id="5" name="Grafika 4">
+          <p:cNvPr id="3" name="Obraz 2">
             <a:extLst>
               <a:ext uri="{FF2B5EF4-FFF2-40B4-BE49-F238E27FC236}">
-                <a16:creationId xmlns:a16="http://schemas.microsoft.com/office/drawing/2014/main" id="{8609ABC7-C23D-4F17-B2CE-19902028D389}"/>
+                <a16:creationId xmlns:a16="http://schemas.microsoft.com/office/drawing/2014/main" id="{30A5610A-9FCC-4609-BECD-E70A99CBBE21}"/>
               </a:ext>
             </a:extLst>
           </p:cNvPr>
@@ -3541,169 +3583,25 @@
           </p:cNvPicPr>
           <p:nvPr/>
         </p:nvPicPr>
-        <p:blipFill>
-          <a:blip r:embed="rId2">
-            <a:extLst>
-              <a:ext uri="{28A0092B-C50C-407E-A947-70E740481C1C}">
-                <a14:useLocalDpi xmlns:a14="http://schemas.microsoft.com/office/drawing/2010/main" val="0"/>
-              </a:ext>
-              <a:ext uri="{96DAC541-7B7A-43D3-8B79-37D633B846F1}">
-                <asvg:svgBlip xmlns:asvg="http://schemas.microsoft.com/office/drawing/2016/SVG/main" r:embed="rId3"/>
-              </a:ext>
-            </a:extLst>
-          </a:blip>
-          <a:stretch>
-            <a:fillRect/>
-          </a:stretch>
+        <p:blipFill rotWithShape="1">
+          <a:blip r:embed="rId2"/>
+          <a:srcRect l="2234" t="4077" r="2071" b="3804"/>
+          <a:stretch/>
         </p:blipFill>
         <p:spPr>
           <a:xfrm>
-            <a:off x="7852410" y="1097598"/>
-            <a:ext cx="4229100" cy="3019425"/>
+            <a:off x="940312" y="1152525"/>
+            <a:ext cx="10311376" cy="5591175"/>
           </a:xfrm>
           <a:prstGeom prst="rect">
             <a:avLst/>
           </a:prstGeom>
         </p:spPr>
       </p:pic>
-      <p:sp>
-        <p:nvSpPr>
-          <p:cNvPr id="6" name="Prostokąt 5">
-            <a:extLst>
-              <a:ext uri="{FF2B5EF4-FFF2-40B4-BE49-F238E27FC236}">
-                <a16:creationId xmlns:a16="http://schemas.microsoft.com/office/drawing/2014/main" id="{8480C365-3178-40BF-9DA2-FA50198884CF}"/>
-              </a:ext>
-            </a:extLst>
-          </p:cNvPr>
-          <p:cNvSpPr/>
-          <p:nvPr/>
-        </p:nvSpPr>
-        <p:spPr>
-          <a:xfrm>
-            <a:off x="240632" y="4600000"/>
-            <a:ext cx="11710736" cy="1938992"/>
-          </a:xfrm>
-          <a:prstGeom prst="rect">
-            <a:avLst/>
-          </a:prstGeom>
-        </p:spPr>
-        <p:txBody>
-          <a:bodyPr wrap="square">
-            <a:spAutoFit/>
-          </a:bodyPr>
-          <a:lstStyle/>
-          <a:p>
-            <a:pPr algn="just"/>
-            <a:r>
-              <a:rPr lang="pl-PL" sz="2000" dirty="0">
-                <a:latin typeface="Bahnschrift" panose="020B0502040204020203" pitchFamily="34" charset="0"/>
-              </a:rPr>
-              <a:t>Podejście CQRS rozwiązuje wymienione wyżej problemy, rozdzielając odczyty i zapisy na osobne modele przy użyciu </a:t>
-            </a:r>
-            <a:r>
-              <a:rPr lang="pl-PL" sz="2000" b="1" dirty="0">
-                <a:latin typeface="Bahnschrift" panose="020B0502040204020203" pitchFamily="34" charset="0"/>
-              </a:rPr>
-              <a:t>poleceń</a:t>
-            </a:r>
-            <a:r>
-              <a:rPr lang="pl-PL" sz="2000" dirty="0">
-                <a:latin typeface="Bahnschrift" panose="020B0502040204020203" pitchFamily="34" charset="0"/>
-              </a:rPr>
-              <a:t> do aktualizacji danych i </a:t>
-            </a:r>
-            <a:r>
-              <a:rPr lang="pl-PL" sz="2000" b="1" dirty="0">
-                <a:latin typeface="Bahnschrift" panose="020B0502040204020203" pitchFamily="34" charset="0"/>
-              </a:rPr>
-              <a:t>zapytań</a:t>
-            </a:r>
-            <a:r>
-              <a:rPr lang="pl-PL" sz="2000" dirty="0">
-                <a:latin typeface="Bahnschrift" panose="020B0502040204020203" pitchFamily="34" charset="0"/>
-              </a:rPr>
-              <a:t> do odczytu danych.</a:t>
-            </a:r>
-          </a:p>
-          <a:p>
-            <a:pPr marL="449263" indent="-266700" algn="just">
-              <a:buFont typeface="Wingdings" panose="05000000000000000000" pitchFamily="2" charset="2"/>
-              <a:buChar char="v"/>
-            </a:pPr>
-            <a:r>
-              <a:rPr lang="pl-PL" sz="2000" dirty="0">
-                <a:latin typeface="Bahnschrift" panose="020B0502040204020203" pitchFamily="34" charset="0"/>
-              </a:rPr>
-              <a:t>Polecenia będą oparte na zadaniach, a nie skoncentrowane na danych. Dzięki temu będą one być umieszczane w kolejce do przetworzenia asynchronicznego, a nie przetwarzane synchronicznie.</a:t>
-            </a:r>
-          </a:p>
-          <a:p>
-            <a:pPr marL="449263" indent="-266700" algn="just">
-              <a:buFont typeface="Wingdings" panose="05000000000000000000" pitchFamily="2" charset="2"/>
-              <a:buChar char="v"/>
-            </a:pPr>
-            <a:r>
-              <a:rPr lang="pl-PL" sz="2000" dirty="0">
-                <a:latin typeface="Bahnschrift" panose="020B0502040204020203" pitchFamily="34" charset="0"/>
-              </a:rPr>
-              <a:t>Zapytania nigdy nie modyfikują bazy danych. Zapytanie zwraca obiekt DTO, który nie hermetyzuje żadnej wiedzy domeny.</a:t>
-            </a:r>
-          </a:p>
-        </p:txBody>
-      </p:sp>
-      <p:sp>
-        <p:nvSpPr>
-          <p:cNvPr id="3" name="Prostokąt 2">
-            <a:extLst>
-              <a:ext uri="{FF2B5EF4-FFF2-40B4-BE49-F238E27FC236}">
-                <a16:creationId xmlns:a16="http://schemas.microsoft.com/office/drawing/2014/main" id="{020D8AA6-D3CB-4B83-BCB6-25284A2C6F0B}"/>
-              </a:ext>
-            </a:extLst>
-          </p:cNvPr>
-          <p:cNvSpPr/>
-          <p:nvPr/>
-        </p:nvSpPr>
-        <p:spPr>
-          <a:xfrm>
-            <a:off x="240632" y="1097598"/>
-            <a:ext cx="7287928" cy="2862322"/>
-          </a:xfrm>
-          <a:prstGeom prst="rect">
-            <a:avLst/>
-          </a:prstGeom>
-        </p:spPr>
-        <p:txBody>
-          <a:bodyPr wrap="square">
-            <a:spAutoFit/>
-          </a:bodyPr>
-          <a:lstStyle/>
-          <a:p>
-            <a:pPr algn="just"/>
-            <a:r>
-              <a:rPr lang="pl-PL" sz="2000" dirty="0">
-                <a:latin typeface="Bahnschrift" panose="020B0502040204020203" pitchFamily="34" charset="0"/>
-              </a:rPr>
-              <a:t>W tradycyjnych </a:t>
-            </a:r>
-            <a:r>
-              <a:rPr lang="pl-PL" sz="2000" dirty="0" err="1">
-                <a:latin typeface="Bahnschrift" panose="020B0502040204020203" pitchFamily="34" charset="0"/>
-              </a:rPr>
-              <a:t>architekturach</a:t>
-            </a:r>
-            <a:r>
-              <a:rPr lang="pl-PL" sz="2000" dirty="0">
-                <a:latin typeface="Bahnschrift" panose="020B0502040204020203" pitchFamily="34" charset="0"/>
-              </a:rPr>
-              <a:t> ten sam model danych jest używany do wysyłania zapytań do bazy danych i aktualizowania jej. Jest to proste i dobrze się sprawdza w przypadku podstawowych operacji CRUD. Jednak w naszej aplikacji, która jest bardziej złożona metoda została uznana za niewygodną i nieczytelną. Wówczas, mapowanie obiektu stało by się skomplikowane. Po stronie zapisu model może wdrażać złożoną walidację i logikę biznesową. W efekcie można uzyskać zbyt skomplikowany model, który wykonuje zbyt dużo działań.</a:t>
-            </a:r>
-          </a:p>
-        </p:txBody>
-      </p:sp>
     </p:spTree>
     <p:extLst>
       <p:ext uri="{BB962C8B-B14F-4D97-AF65-F5344CB8AC3E}">
-        <p14:creationId xmlns:p14="http://schemas.microsoft.com/office/powerpoint/2010/main" val="3581810003"/>
+        <p14:creationId xmlns:p14="http://schemas.microsoft.com/office/powerpoint/2010/main" val="982989132"/>
       </p:ext>
     </p:extLst>
   </p:cSld>
@@ -3770,7 +3668,7 @@
               <a:rPr lang="pl-PL" b="1" cap="small" dirty="0">
                 <a:latin typeface="Bahnschrift" panose="020B0502040204020203" pitchFamily="34" charset="0"/>
               </a:rPr>
-              <a:t>Wzorzec #6: </a:t>
+              <a:t>Wzorzec #5 (strukturalny): </a:t>
             </a:r>
             <a:r>
               <a:rPr lang="pl-PL" b="1" cap="small" dirty="0" err="1">
@@ -3784,40 +3682,178 @@
           </a:p>
         </p:txBody>
       </p:sp>
-      <p:pic>
-        <p:nvPicPr>
-          <p:cNvPr id="4" name="Obraz 3">
+      <p:sp>
+        <p:nvSpPr>
+          <p:cNvPr id="7" name="Rectangle 3">
             <a:extLst>
               <a:ext uri="{FF2B5EF4-FFF2-40B4-BE49-F238E27FC236}">
-                <a16:creationId xmlns:a16="http://schemas.microsoft.com/office/drawing/2014/main" id="{8A034012-912E-42DE-85E6-05B87F5E6C09}"/>
+                <a16:creationId xmlns:a16="http://schemas.microsoft.com/office/drawing/2014/main" id="{94B8614E-C510-46B5-B5BE-AF3FFEC4F864}"/>
               </a:ext>
             </a:extLst>
           </p:cNvPr>
-          <p:cNvPicPr>
-            <a:picLocks noChangeAspect="1"/>
-          </p:cNvPicPr>
+          <p:cNvSpPr>
+            <a:spLocks noChangeArrowheads="1"/>
+          </p:cNvSpPr>
           <p:nvPr/>
-        </p:nvPicPr>
-        <p:blipFill>
-          <a:blip r:embed="rId2"/>
-          <a:stretch>
-            <a:fillRect/>
-          </a:stretch>
-        </p:blipFill>
-        <p:spPr>
-          <a:xfrm>
-            <a:off x="1020127" y="988195"/>
-            <a:ext cx="10303193" cy="5869805"/>
+        </p:nvSpPr>
+        <p:spPr bwMode="auto">
+          <a:xfrm>
+            <a:off x="240632" y="1335505"/>
+            <a:ext cx="11605928" cy="3046988"/>
           </a:xfrm>
           <a:prstGeom prst="rect">
             <a:avLst/>
           </a:prstGeom>
-        </p:spPr>
-      </p:pic>
+          <a:noFill/>
+          <a:ln>
+            <a:noFill/>
+          </a:ln>
+          <a:effectLst/>
+          <a:extLst>
+            <a:ext uri="{909E8E84-426E-40DD-AFC4-6F175D3DCCD1}">
+              <a14:hiddenFill xmlns:a14="http://schemas.microsoft.com/office/drawing/2010/main">
+                <a:solidFill>
+                  <a:schemeClr val="accent1"/>
+                </a:solidFill>
+              </a14:hiddenFill>
+            </a:ext>
+            <a:ext uri="{91240B29-F687-4F45-9708-019B960494DF}">
+              <a14:hiddenLine xmlns:a14="http://schemas.microsoft.com/office/drawing/2010/main" w="9525">
+                <a:solidFill>
+                  <a:schemeClr val="tx1"/>
+                </a:solidFill>
+                <a:miter lim="800000"/>
+                <a:headEnd/>
+                <a:tailEnd/>
+              </a14:hiddenLine>
+            </a:ext>
+            <a:ext uri="{AF507438-7753-43E0-B8FC-AC1667EBCBE1}">
+              <a14:hiddenEffects xmlns:a14="http://schemas.microsoft.com/office/drawing/2010/main">
+                <a:effectLst>
+                  <a:outerShdw dist="35921" dir="2700000" algn="ctr" rotWithShape="0">
+                    <a:schemeClr val="bg2"/>
+                  </a:outerShdw>
+                </a:effectLst>
+              </a14:hiddenEffects>
+            </a:ext>
+          </a:extLst>
+        </p:spPr>
+        <p:txBody>
+          <a:bodyPr vert="horz" wrap="square" lIns="91440" tIns="45720" rIns="91440" bIns="45720" numCol="1" anchor="ctr" anchorCtr="0" compatLnSpc="1">
+            <a:prstTxWarp prst="textNoShape">
+              <a:avLst/>
+            </a:prstTxWarp>
+            <a:spAutoFit/>
+          </a:bodyPr>
+          <a:lstStyle/>
+          <a:p>
+            <a:pPr marL="0" marR="0" lvl="0" indent="0" algn="just" defTabSz="914400" rtl="0" eaLnBrk="0" fontAlgn="base" latinLnBrk="0" hangingPunct="0">
+              <a:lnSpc>
+                <a:spcPct val="100000"/>
+              </a:lnSpc>
+              <a:spcBef>
+                <a:spcPct val="0"/>
+              </a:spcBef>
+              <a:spcAft>
+                <a:spcPct val="0"/>
+              </a:spcAft>
+              <a:buClrTx/>
+              <a:buSzTx/>
+              <a:buFontTx/>
+              <a:buNone/>
+              <a:tabLst/>
+            </a:pPr>
+            <a:r>
+              <a:rPr kumimoji="0" lang="pl-PL" altLang="pl-PL" sz="2400" b="0" i="0" u="none" strike="noStrike" cap="none" normalizeH="0" baseline="0" dirty="0">
+                <a:ln>
+                  <a:noFill/>
+                </a:ln>
+                <a:solidFill>
+                  <a:schemeClr val="tx1"/>
+                </a:solidFill>
+                <a:effectLst/>
+                <a:latin typeface="Bahnschrift" panose="020B0502040204020203" pitchFamily="34" charset="0"/>
+              </a:rPr>
+              <a:t>Repozytoria to klasy lub komponenty, które zawierając </a:t>
+            </a:r>
+            <a:r>
+              <a:rPr lang="pl-PL" altLang="pl-PL" sz="2400" dirty="0">
+                <a:latin typeface="Bahnschrift" panose="020B0502040204020203" pitchFamily="34" charset="0"/>
+              </a:rPr>
+              <a:t>będą </a:t>
+            </a:r>
+            <a:r>
+              <a:rPr kumimoji="0" lang="pl-PL" altLang="pl-PL" sz="2400" b="0" i="0" u="none" strike="noStrike" cap="none" normalizeH="0" baseline="0" dirty="0">
+                <a:ln>
+                  <a:noFill/>
+                </a:ln>
+                <a:solidFill>
+                  <a:schemeClr val="tx1"/>
+                </a:solidFill>
+                <a:effectLst/>
+                <a:latin typeface="Bahnschrift" panose="020B0502040204020203" pitchFamily="34" charset="0"/>
+              </a:rPr>
+              <a:t>logikę wymaganą do uzyskania dostępu do źródeł danych. Scentralizują wspólną funkcjonalność dostępu do danych, zapewniając lepszą </a:t>
+            </a:r>
+            <a:r>
+              <a:rPr kumimoji="0" lang="pl-PL" altLang="pl-PL" sz="2400" b="0" i="0" u="none" strike="noStrike" cap="none" normalizeH="0" baseline="0" dirty="0" err="1">
+                <a:ln>
+                  <a:noFill/>
+                </a:ln>
+                <a:solidFill>
+                  <a:schemeClr val="tx1"/>
+                </a:solidFill>
+                <a:effectLst/>
+                <a:latin typeface="Bahnschrift" panose="020B0502040204020203" pitchFamily="34" charset="0"/>
+              </a:rPr>
+              <a:t>konserwowalność</a:t>
+            </a:r>
+            <a:r>
+              <a:rPr kumimoji="0" lang="pl-PL" altLang="pl-PL" sz="2400" b="0" i="0" u="none" strike="noStrike" cap="none" normalizeH="0" baseline="0" dirty="0">
+                <a:ln>
+                  <a:noFill/>
+                </a:ln>
+                <a:solidFill>
+                  <a:schemeClr val="tx1"/>
+                </a:solidFill>
+                <a:effectLst/>
+                <a:latin typeface="Bahnschrift" panose="020B0502040204020203" pitchFamily="34" charset="0"/>
+              </a:rPr>
+              <a:t> i oddzielenie infrastruktury lub technologii wykorzystywanej do uzyskiwania dostępu do baz danych z warstwy modelu domeny. Z uwagi na zastosowanie Mapowania Obiektowego Relacji (ORM), jakim jest </a:t>
+            </a:r>
+            <a:r>
+              <a:rPr kumimoji="0" lang="pl-PL" altLang="pl-PL" sz="2400" b="0" i="0" u="none" strike="noStrike" cap="none" normalizeH="0" baseline="0" dirty="0" err="1">
+                <a:ln>
+                  <a:noFill/>
+                </a:ln>
+                <a:solidFill>
+                  <a:schemeClr val="tx1"/>
+                </a:solidFill>
+                <a:effectLst/>
+                <a:latin typeface="Bahnschrift" panose="020B0502040204020203" pitchFamily="34" charset="0"/>
+              </a:rPr>
+              <a:t>Entity</a:t>
+            </a:r>
+            <a:r>
+              <a:rPr kumimoji="0" lang="pl-PL" altLang="pl-PL" sz="2400" b="0" i="0" u="none" strike="noStrike" cap="none" normalizeH="0" baseline="0" dirty="0">
+                <a:ln>
+                  <a:noFill/>
+                </a:ln>
+                <a:solidFill>
+                  <a:schemeClr val="tx1"/>
+                </a:solidFill>
+                <a:effectLst/>
+                <a:latin typeface="Bahnschrift" panose="020B0502040204020203" pitchFamily="34" charset="0"/>
+              </a:rPr>
+              <a:t> Framework, kod, który musi zostać zaimplementowany, jest uproszczony, dzięki LINQ i silnemu pisaniu. Pozwala to skoncentrować się na logice trwałości danych, a nie na dostępie do danych.  </a:t>
+            </a:r>
+          </a:p>
+        </p:txBody>
+      </p:sp>
     </p:spTree>
     <p:extLst>
       <p:ext uri="{BB962C8B-B14F-4D97-AF65-F5344CB8AC3E}">
-        <p14:creationId xmlns:p14="http://schemas.microsoft.com/office/powerpoint/2010/main" val="982989132"/>
+        <p14:creationId xmlns:p14="http://schemas.microsoft.com/office/powerpoint/2010/main" val="3224280032"/>
       </p:ext>
     </p:extLst>
   </p:cSld>
@@ -3884,13 +3920,31 @@
               <a:rPr lang="pl-PL" b="1" cap="small" dirty="0">
                 <a:latin typeface="Bahnschrift" panose="020B0502040204020203" pitchFamily="34" charset="0"/>
               </a:rPr>
-              <a:t>Wzorzec #6: </a:t>
+              <a:t>Wzorzec #6 (strukturalny): </a:t>
             </a:r>
             <a:r>
               <a:rPr lang="pl-PL" b="1" cap="small" dirty="0" err="1">
                 <a:latin typeface="Bahnschrift" panose="020B0502040204020203" pitchFamily="34" charset="0"/>
               </a:rPr>
-              <a:t>Repository</a:t>
+              <a:t>Private</a:t>
+            </a:r>
+            <a:r>
+              <a:rPr lang="pl-PL" b="1" cap="small" dirty="0">
+                <a:latin typeface="Bahnschrift" panose="020B0502040204020203" pitchFamily="34" charset="0"/>
+              </a:rPr>
+              <a:t> </a:t>
+            </a:r>
+            <a:r>
+              <a:rPr lang="pl-PL" b="1" cap="small" dirty="0" err="1">
+                <a:latin typeface="Bahnschrift" panose="020B0502040204020203" pitchFamily="34" charset="0"/>
+              </a:rPr>
+              <a:t>class</a:t>
+            </a:r>
+            <a:r>
+              <a:rPr lang="pl-PL" b="1" cap="small" dirty="0">
+                <a:latin typeface="Bahnschrift" panose="020B0502040204020203" pitchFamily="34" charset="0"/>
+              </a:rPr>
+              <a:t> data</a:t>
             </a:r>
             <a:endParaRPr lang="pl-PL" dirty="0">
               <a:latin typeface="Bahnschrift" panose="020B0502040204020203" pitchFamily="34" charset="0"/>
@@ -3900,176 +3954,99 @@
       </p:sp>
       <p:sp>
         <p:nvSpPr>
-          <p:cNvPr id="7" name="Rectangle 3">
+          <p:cNvPr id="5" name="pole tekstowe 4">
             <a:extLst>
               <a:ext uri="{FF2B5EF4-FFF2-40B4-BE49-F238E27FC236}">
-                <a16:creationId xmlns:a16="http://schemas.microsoft.com/office/drawing/2014/main" id="{94B8614E-C510-46B5-B5BE-AF3FFEC4F864}"/>
+                <a16:creationId xmlns:a16="http://schemas.microsoft.com/office/drawing/2014/main" id="{69AC398E-6DE0-4251-B972-11A6AF22D280}"/>
               </a:ext>
             </a:extLst>
           </p:cNvPr>
-          <p:cNvSpPr>
-            <a:spLocks noChangeArrowheads="1"/>
-          </p:cNvSpPr>
+          <p:cNvSpPr txBox="1"/>
           <p:nvPr/>
         </p:nvSpPr>
-        <p:spPr bwMode="auto">
-          <a:xfrm>
-            <a:off x="240632" y="1335505"/>
-            <a:ext cx="11605928" cy="3046988"/>
+        <p:spPr>
+          <a:xfrm>
+            <a:off x="7086600" y="1120140"/>
+            <a:ext cx="4864768" cy="4708981"/>
           </a:xfrm>
           <a:prstGeom prst="rect">
             <a:avLst/>
           </a:prstGeom>
           <a:noFill/>
-          <a:ln>
-            <a:noFill/>
-          </a:ln>
-          <a:effectLst/>
-          <a:extLst>
-            <a:ext uri="{909E8E84-426E-40DD-AFC4-6F175D3DCCD1}">
-              <a14:hiddenFill xmlns:a14="http://schemas.microsoft.com/office/drawing/2010/main">
-                <a:solidFill>
-                  <a:schemeClr val="accent1"/>
-                </a:solidFill>
-              </a14:hiddenFill>
-            </a:ext>
-            <a:ext uri="{91240B29-F687-4F45-9708-019B960494DF}">
-              <a14:hiddenLine xmlns:a14="http://schemas.microsoft.com/office/drawing/2010/main" w="9525">
-                <a:solidFill>
-                  <a:schemeClr val="tx1"/>
-                </a:solidFill>
-                <a:miter lim="800000"/>
-                <a:headEnd/>
-                <a:tailEnd/>
-              </a14:hiddenLine>
-            </a:ext>
-            <a:ext uri="{AF507438-7753-43E0-B8FC-AC1667EBCBE1}">
-              <a14:hiddenEffects xmlns:a14="http://schemas.microsoft.com/office/drawing/2010/main">
-                <a:effectLst>
-                  <a:outerShdw dist="35921" dir="2700000" algn="ctr" rotWithShape="0">
-                    <a:schemeClr val="bg2"/>
-                  </a:outerShdw>
-                </a:effectLst>
-              </a14:hiddenEffects>
-            </a:ext>
-          </a:extLst>
-        </p:spPr>
-        <p:txBody>
-          <a:bodyPr vert="horz" wrap="square" lIns="91440" tIns="45720" rIns="91440" bIns="45720" numCol="1" anchor="ctr" anchorCtr="0" compatLnSpc="1">
-            <a:prstTxWarp prst="textNoShape">
-              <a:avLst/>
-            </a:prstTxWarp>
+        </p:spPr>
+        <p:txBody>
+          <a:bodyPr wrap="square" rtlCol="0">
             <a:spAutoFit/>
           </a:bodyPr>
           <a:lstStyle/>
           <a:p>
-            <a:pPr marL="0" marR="0" lvl="0" indent="0" algn="just" defTabSz="914400" rtl="0" eaLnBrk="0" fontAlgn="base" latinLnBrk="0" hangingPunct="0">
-              <a:lnSpc>
-                <a:spcPct val="100000"/>
-              </a:lnSpc>
-              <a:spcBef>
-                <a:spcPct val="0"/>
-              </a:spcBef>
-              <a:spcAft>
-                <a:spcPct val="0"/>
-              </a:spcAft>
-              <a:buClrTx/>
-              <a:buSzTx/>
-              <a:buFontTx/>
-              <a:buNone/>
-              <a:tabLst/>
-            </a:pPr>
-            <a:r>
-              <a:rPr kumimoji="0" lang="pl-PL" altLang="pl-PL" sz="2400" b="0" i="0" u="none" strike="noStrike" cap="none" normalizeH="0" baseline="0" dirty="0">
-                <a:ln>
-                  <a:noFill/>
-                </a:ln>
-                <a:solidFill>
-                  <a:schemeClr val="tx1"/>
-                </a:solidFill>
-                <a:effectLst/>
-                <a:latin typeface="Bahnschrift" panose="020B0502040204020203" pitchFamily="34" charset="0"/>
-              </a:rPr>
-              <a:t>Repozytoria to klasy lub komponenty, które zawierając </a:t>
-            </a:r>
-            <a:r>
-              <a:rPr lang="pl-PL" altLang="pl-PL" sz="2400" dirty="0">
-                <a:latin typeface="Bahnschrift" panose="020B0502040204020203" pitchFamily="34" charset="0"/>
-              </a:rPr>
-              <a:t>będą </a:t>
-            </a:r>
-            <a:r>
-              <a:rPr kumimoji="0" lang="pl-PL" altLang="pl-PL" sz="2400" b="0" i="0" u="none" strike="noStrike" cap="none" normalizeH="0" baseline="0" dirty="0">
-                <a:ln>
-                  <a:noFill/>
-                </a:ln>
-                <a:solidFill>
-                  <a:schemeClr val="tx1"/>
-                </a:solidFill>
-                <a:effectLst/>
-                <a:latin typeface="Bahnschrift" panose="020B0502040204020203" pitchFamily="34" charset="0"/>
-              </a:rPr>
-              <a:t>logikę wymaganą do uzyskania dostępu do źródeł danych. Scentralizują wspólną funkcjonalność dostępu do danych, zapewniając lepszą </a:t>
-            </a:r>
-            <a:r>
-              <a:rPr kumimoji="0" lang="pl-PL" altLang="pl-PL" sz="2400" b="0" i="0" u="none" strike="noStrike" cap="none" normalizeH="0" baseline="0" dirty="0" err="1">
-                <a:ln>
-                  <a:noFill/>
-                </a:ln>
-                <a:solidFill>
-                  <a:schemeClr val="tx1"/>
-                </a:solidFill>
-                <a:effectLst/>
-                <a:latin typeface="Bahnschrift" panose="020B0502040204020203" pitchFamily="34" charset="0"/>
-              </a:rPr>
-              <a:t>konserwowalność</a:t>
-            </a:r>
-            <a:r>
-              <a:rPr kumimoji="0" lang="pl-PL" altLang="pl-PL" sz="2400" b="0" i="0" u="none" strike="noStrike" cap="none" normalizeH="0" baseline="0" dirty="0">
-                <a:ln>
-                  <a:noFill/>
-                </a:ln>
-                <a:solidFill>
-                  <a:schemeClr val="tx1"/>
-                </a:solidFill>
-                <a:effectLst/>
-                <a:latin typeface="Bahnschrift" panose="020B0502040204020203" pitchFamily="34" charset="0"/>
-              </a:rPr>
-              <a:t> i oddzielenie infrastruktury lub technologii wykorzystywanej do uzyskiwania dostępu do baz danych z warstwy modelu domeny. Z uwagi na zastosowanie Mapowania Obiektowego Relacji (ORM), jakim jest </a:t>
-            </a:r>
-            <a:r>
-              <a:rPr kumimoji="0" lang="pl-PL" altLang="pl-PL" sz="2400" b="0" i="0" u="none" strike="noStrike" cap="none" normalizeH="0" baseline="0" dirty="0" err="1">
-                <a:ln>
-                  <a:noFill/>
-                </a:ln>
-                <a:solidFill>
-                  <a:schemeClr val="tx1"/>
-                </a:solidFill>
-                <a:effectLst/>
-                <a:latin typeface="Bahnschrift" panose="020B0502040204020203" pitchFamily="34" charset="0"/>
-              </a:rPr>
-              <a:t>Entity</a:t>
-            </a:r>
-            <a:r>
-              <a:rPr kumimoji="0" lang="pl-PL" altLang="pl-PL" sz="2400" b="0" i="0" u="none" strike="noStrike" cap="none" normalizeH="0" baseline="0" dirty="0">
-                <a:ln>
-                  <a:noFill/>
-                </a:ln>
-                <a:solidFill>
-                  <a:schemeClr val="tx1"/>
-                </a:solidFill>
-                <a:effectLst/>
-                <a:latin typeface="Bahnschrift" panose="020B0502040204020203" pitchFamily="34" charset="0"/>
-              </a:rPr>
-              <a:t> Framework, kod, który musi zostać zaimplementowany, jest uproszczony, dzięki LINQ i silnemu pisaniu. Pozwala to skoncentrować się na logice trwałości danych, a nie na dostępie do danych. </a:t>
-            </a:r>
-          </a:p>
-        </p:txBody>
-      </p:sp>
+            <a:pPr algn="just"/>
+            <a:r>
+              <a:rPr lang="pl-PL" sz="2000" dirty="0">
+                <a:latin typeface="Bahnschrift" panose="020B0502040204020203" pitchFamily="34" charset="0"/>
+              </a:rPr>
+              <a:t>Wzorzec </a:t>
+            </a:r>
+            <a:r>
+              <a:rPr lang="pl-PL" sz="2000" dirty="0" err="1">
+                <a:latin typeface="Bahnschrift" panose="020B0502040204020203" pitchFamily="34" charset="0"/>
+              </a:rPr>
+              <a:t>Private</a:t>
+            </a:r>
+            <a:r>
+              <a:rPr lang="pl-PL" sz="2000" dirty="0">
+                <a:latin typeface="Bahnschrift" panose="020B0502040204020203" pitchFamily="34" charset="0"/>
+              </a:rPr>
+              <a:t> </a:t>
+            </a:r>
+            <a:r>
+              <a:rPr lang="pl-PL" sz="2000" dirty="0" err="1">
+                <a:latin typeface="Bahnschrift" panose="020B0502040204020203" pitchFamily="34" charset="0"/>
+              </a:rPr>
+              <a:t>class</a:t>
+            </a:r>
+            <a:r>
+              <a:rPr lang="pl-PL" sz="2000" dirty="0">
+                <a:latin typeface="Bahnschrift" panose="020B0502040204020203" pitchFamily="34" charset="0"/>
+              </a:rPr>
+              <a:t> data rozwiązuje w projekcie problem jaki klasa może mieć, dotyczący ochrony stanu obiektu, w którym nie można zadeklarować finału. Działanie tego wzorca polega na usunięciu ekspozycji danych przez zabezpieczenie jej w klasie utrzymującej stan danych. W rezultacie oddzielamy dane od tych metod, które go używają, a tym samym tworzymy kolejną warstwę separacji od kontrolerów, którzy mają relacje danymi tworzonego obiektu. W skrócie, wzorzec umożliwi w kontrolerach inicjowanie danych należących do klas modeli.</a:t>
+            </a:r>
+          </a:p>
+        </p:txBody>
+      </p:sp>
+      <p:pic>
+        <p:nvPicPr>
+          <p:cNvPr id="6" name="Obraz 5">
+            <a:extLst>
+              <a:ext uri="{FF2B5EF4-FFF2-40B4-BE49-F238E27FC236}">
+                <a16:creationId xmlns:a16="http://schemas.microsoft.com/office/drawing/2014/main" id="{DF6A8E88-02E6-4D21-B253-D5D79447550D}"/>
+              </a:ext>
+            </a:extLst>
+          </p:cNvPr>
+          <p:cNvPicPr>
+            <a:picLocks noChangeAspect="1"/>
+          </p:cNvPicPr>
+          <p:nvPr/>
+        </p:nvPicPr>
+        <p:blipFill rotWithShape="1">
+          <a:blip r:embed="rId2"/>
+          <a:srcRect l="2738" t="3113" r="3000" b="3423"/>
+          <a:stretch/>
+        </p:blipFill>
+        <p:spPr>
+          <a:xfrm>
+            <a:off x="240632" y="1120140"/>
+            <a:ext cx="6702996" cy="5598160"/>
+          </a:xfrm>
+          <a:prstGeom prst="rect">
+            <a:avLst/>
+          </a:prstGeom>
+        </p:spPr>
+      </p:pic>
     </p:spTree>
     <p:extLst>
       <p:ext uri="{BB962C8B-B14F-4D97-AF65-F5344CB8AC3E}">
-        <p14:creationId xmlns:p14="http://schemas.microsoft.com/office/powerpoint/2010/main" val="3224280032"/>
+        <p14:creationId xmlns:p14="http://schemas.microsoft.com/office/powerpoint/2010/main" val="3889168317"/>
       </p:ext>
     </p:extLst>
   </p:cSld>
@@ -4136,25 +4113,19 @@
               <a:rPr lang="pl-PL" b="1" cap="small" dirty="0">
                 <a:latin typeface="Bahnschrift" panose="020B0502040204020203" pitchFamily="34" charset="0"/>
               </a:rPr>
-              <a:t>Wzorzec #7: </a:t>
+              <a:t>Wzorzec #7 (czynnościowy): </a:t>
             </a:r>
             <a:r>
               <a:rPr lang="pl-PL" b="1" cap="small" dirty="0" err="1">
                 <a:latin typeface="Bahnschrift" panose="020B0502040204020203" pitchFamily="34" charset="0"/>
               </a:rPr>
-              <a:t>Dependency</a:t>
+              <a:t>Null</a:t>
             </a:r>
             <a:r>
               <a:rPr lang="pl-PL" b="1" cap="small" dirty="0">
                 <a:latin typeface="Bahnschrift" panose="020B0502040204020203" pitchFamily="34" charset="0"/>
               </a:rPr>
-              <a:t> </a:t>
-            </a:r>
-            <a:r>
-              <a:rPr lang="pl-PL" b="1" cap="small" dirty="0" err="1">
-                <a:latin typeface="Bahnschrift" panose="020B0502040204020203" pitchFamily="34" charset="0"/>
-              </a:rPr>
-              <a:t>injection</a:t>
+              <a:t> Object</a:t>
             </a:r>
             <a:endParaRPr lang="pl-PL" dirty="0">
               <a:latin typeface="Bahnschrift" panose="020B0502040204020203" pitchFamily="34" charset="0"/>
@@ -4162,12 +4133,95 @@
           </a:p>
         </p:txBody>
       </p:sp>
+      <p:sp>
+        <p:nvSpPr>
+          <p:cNvPr id="5" name="pole tekstowe 4">
+            <a:extLst>
+              <a:ext uri="{FF2B5EF4-FFF2-40B4-BE49-F238E27FC236}">
+                <a16:creationId xmlns:a16="http://schemas.microsoft.com/office/drawing/2014/main" id="{D6E9AB14-AA6C-4AB6-913E-C93259215E9D}"/>
+              </a:ext>
+            </a:extLst>
+          </p:cNvPr>
+          <p:cNvSpPr txBox="1"/>
+          <p:nvPr/>
+        </p:nvSpPr>
+        <p:spPr>
+          <a:xfrm>
+            <a:off x="6683692" y="1242060"/>
+            <a:ext cx="5210176" cy="3477875"/>
+          </a:xfrm>
+          <a:prstGeom prst="rect">
+            <a:avLst/>
+          </a:prstGeom>
+          <a:noFill/>
+        </p:spPr>
+        <p:txBody>
+          <a:bodyPr wrap="square" rtlCol="0">
+            <a:spAutoFit/>
+          </a:bodyPr>
+          <a:lstStyle/>
+          <a:p>
+            <a:pPr algn="just"/>
+            <a:r>
+              <a:rPr lang="pl-PL" sz="2000" dirty="0" err="1">
+                <a:latin typeface="Bahnschrift" panose="020B0502040204020203" pitchFamily="34" charset="0"/>
+              </a:rPr>
+              <a:t>Null</a:t>
+            </a:r>
+            <a:r>
+              <a:rPr lang="pl-PL" sz="2000" dirty="0">
+                <a:latin typeface="Bahnschrift" panose="020B0502040204020203" pitchFamily="34" charset="0"/>
+              </a:rPr>
+              <a:t> Object (Pusty obiekt) to czynnościowy wzorzec projektowy, użyty w celu realizacji braku obiektu – </a:t>
+            </a:r>
+            <a:r>
+              <a:rPr lang="pl-PL" sz="2000" dirty="0" err="1">
+                <a:latin typeface="Bahnschrift" panose="020B0502040204020203" pitchFamily="34" charset="0"/>
+              </a:rPr>
+              <a:t>Zdjecia</a:t>
+            </a:r>
+            <a:r>
+              <a:rPr lang="pl-PL" sz="2000" dirty="0">
+                <a:latin typeface="Bahnschrift" panose="020B0502040204020203" pitchFamily="34" charset="0"/>
+              </a:rPr>
+              <a:t> poprzez dostarczenie alternatywy, która oferuje domyślnie działanie puste, czyli niewykonujące żadnych operacji.</a:t>
+            </a:r>
+          </a:p>
+          <a:p>
+            <a:pPr algn="just"/>
+            <a:endParaRPr lang="pl-PL" sz="2000" dirty="0">
+              <a:latin typeface="Bahnschrift" panose="020B0502040204020203" pitchFamily="34" charset="0"/>
+            </a:endParaRPr>
+          </a:p>
+          <a:p>
+            <a:pPr algn="just"/>
+            <a:r>
+              <a:rPr lang="pl-PL" sz="2000" dirty="0">
+                <a:latin typeface="Bahnschrift" panose="020B0502040204020203" pitchFamily="34" charset="0"/>
+              </a:rPr>
+              <a:t>Wzorzec pusty obiekt umożliwi uniknięcie sprawdzenia, czy wartość jest różna od </a:t>
+            </a:r>
+            <a:r>
+              <a:rPr lang="pl-PL" sz="2000" dirty="0" err="1">
+                <a:latin typeface="Bahnschrift" panose="020B0502040204020203" pitchFamily="34" charset="0"/>
+              </a:rPr>
+              <a:t>null</a:t>
+            </a:r>
+            <a:r>
+              <a:rPr lang="pl-PL" sz="2000" dirty="0">
+                <a:latin typeface="Bahnschrift" panose="020B0502040204020203" pitchFamily="34" charset="0"/>
+              </a:rPr>
+              <a:t> przy zachowaniu zasad pełnej obiektowości (polimorfizm, abstrakcja, enkapsulacja). </a:t>
+            </a:r>
+          </a:p>
+        </p:txBody>
+      </p:sp>
       <p:pic>
         <p:nvPicPr>
-          <p:cNvPr id="3" name="Obraz 2">
+          <p:cNvPr id="6" name="Obraz 5">
             <a:extLst>
               <a:ext uri="{FF2B5EF4-FFF2-40B4-BE49-F238E27FC236}">
-                <a16:creationId xmlns:a16="http://schemas.microsoft.com/office/drawing/2014/main" id="{38371317-AF11-46AE-9B1C-8CB0BF28D388}"/>
+                <a16:creationId xmlns:a16="http://schemas.microsoft.com/office/drawing/2014/main" id="{6ADCF9B0-36FC-45A3-8DCF-C5E1E3AF9900}"/>
               </a:ext>
             </a:extLst>
           </p:cNvPr>
@@ -4176,16 +4230,15 @@
           </p:cNvPicPr>
           <p:nvPr/>
         </p:nvPicPr>
-        <p:blipFill>
+        <p:blipFill rotWithShape="1">
           <a:blip r:embed="rId2"/>
-          <a:stretch>
-            <a:fillRect/>
-          </a:stretch>
+          <a:srcRect l="6503" t="9040" r="5831" b="9892"/>
+          <a:stretch/>
         </p:blipFill>
         <p:spPr>
           <a:xfrm>
-            <a:off x="1402790" y="1074595"/>
-            <a:ext cx="9059470" cy="5783405"/>
+            <a:off x="298131" y="1335504"/>
+            <a:ext cx="6079515" cy="3604795"/>
           </a:xfrm>
           <a:prstGeom prst="rect">
             <a:avLst/>
@@ -4195,7 +4248,7 @@
     </p:spTree>
     <p:extLst>
       <p:ext uri="{BB962C8B-B14F-4D97-AF65-F5344CB8AC3E}">
-        <p14:creationId xmlns:p14="http://schemas.microsoft.com/office/powerpoint/2010/main" val="1311134251"/>
+        <p14:creationId xmlns:p14="http://schemas.microsoft.com/office/powerpoint/2010/main" val="3914083711"/>
       </p:ext>
     </p:extLst>
   </p:cSld>
@@ -4262,25 +4315,7 @@
               <a:rPr lang="pl-PL" b="1" cap="small" dirty="0">
                 <a:latin typeface="Bahnschrift" panose="020B0502040204020203" pitchFamily="34" charset="0"/>
               </a:rPr>
-              <a:t>Wzorzec #7: </a:t>
-            </a:r>
-            <a:r>
-              <a:rPr lang="pl-PL" b="1" cap="small" dirty="0" err="1">
-                <a:latin typeface="Bahnschrift" panose="020B0502040204020203" pitchFamily="34" charset="0"/>
-              </a:rPr>
-              <a:t>Dependency</a:t>
-            </a:r>
-            <a:r>
-              <a:rPr lang="pl-PL" b="1" cap="small" dirty="0">
-                <a:latin typeface="Bahnschrift" panose="020B0502040204020203" pitchFamily="34" charset="0"/>
-              </a:rPr>
-              <a:t> </a:t>
-            </a:r>
-            <a:r>
-              <a:rPr lang="pl-PL" b="1" cap="small" dirty="0" err="1">
-                <a:latin typeface="Bahnschrift" panose="020B0502040204020203" pitchFamily="34" charset="0"/>
-              </a:rPr>
-              <a:t>injection</a:t>
+              <a:t>Wzorzec #8 (czynnościowy): CQRS</a:t>
             </a:r>
             <a:endParaRPr lang="pl-PL" dirty="0">
               <a:latin typeface="Bahnschrift" panose="020B0502040204020203" pitchFamily="34" charset="0"/>
@@ -4288,77 +4323,39 @@
           </a:p>
         </p:txBody>
       </p:sp>
-      <p:sp>
-        <p:nvSpPr>
-          <p:cNvPr id="4" name="Prostokąt 3">
+      <p:pic>
+        <p:nvPicPr>
+          <p:cNvPr id="4" name="Obraz 3">
             <a:extLst>
               <a:ext uri="{FF2B5EF4-FFF2-40B4-BE49-F238E27FC236}">
-                <a16:creationId xmlns:a16="http://schemas.microsoft.com/office/drawing/2014/main" id="{FFB7BC19-8ACE-4A6D-8E95-150B88586298}"/>
+                <a16:creationId xmlns:a16="http://schemas.microsoft.com/office/drawing/2014/main" id="{E6C442CC-0F43-41BD-8F1B-B480E21558BD}"/>
               </a:ext>
             </a:extLst>
           </p:cNvPr>
-          <p:cNvSpPr/>
+          <p:cNvPicPr>
+            <a:picLocks noChangeAspect="1"/>
+          </p:cNvPicPr>
           <p:nvPr/>
-        </p:nvSpPr>
-        <p:spPr>
-          <a:xfrm>
-            <a:off x="240632" y="1335505"/>
-            <a:ext cx="11710736" cy="3416320"/>
+        </p:nvPicPr>
+        <p:blipFill rotWithShape="1">
+          <a:blip r:embed="rId2"/>
+          <a:srcRect l="2456" t="5090" r="2808" b="5061"/>
+          <a:stretch/>
+        </p:blipFill>
+        <p:spPr>
+          <a:xfrm>
+            <a:off x="485271" y="1181100"/>
+            <a:ext cx="11221459" cy="5511800"/>
           </a:xfrm>
           <a:prstGeom prst="rect">
             <a:avLst/>
           </a:prstGeom>
         </p:spPr>
-        <p:txBody>
-          <a:bodyPr wrap="square">
-            <a:spAutoFit/>
-          </a:bodyPr>
-          <a:lstStyle/>
-          <a:p>
-            <a:pPr algn="just"/>
-            <a:r>
-              <a:rPr lang="pl-PL" sz="2400" dirty="0" err="1">
-                <a:latin typeface="Bahnschrift" panose="020B0502040204020203" pitchFamily="34" charset="0"/>
-              </a:rPr>
-              <a:t>Dependency</a:t>
-            </a:r>
-            <a:r>
-              <a:rPr lang="pl-PL" sz="2400" dirty="0">
-                <a:latin typeface="Bahnschrift" panose="020B0502040204020203" pitchFamily="34" charset="0"/>
-              </a:rPr>
-              <a:t> </a:t>
-            </a:r>
-            <a:r>
-              <a:rPr lang="pl-PL" sz="2400" dirty="0" err="1">
-                <a:latin typeface="Bahnschrift" panose="020B0502040204020203" pitchFamily="34" charset="0"/>
-              </a:rPr>
-              <a:t>Injection</a:t>
-            </a:r>
-            <a:r>
-              <a:rPr lang="pl-PL" sz="2400" dirty="0">
-                <a:latin typeface="Bahnschrift" panose="020B0502040204020203" pitchFamily="34" charset="0"/>
-              </a:rPr>
-              <a:t> (Wstrzykiwanie zależności) – wzorzec projektowy i wzorzec architektury oprogramowania zastosowany w projekcie w celu usunięcia bezpośrednich zależności pomiędzy komponentami na rzecz architektury typu plug-in. Polegać on będzie na przekazywaniu utworzonych instancji obiektów udostępniających swoje metody i właściwości obiektom, które z nich korzystają (np. jako parametry konstruktora). Wzorzec ten stanowi alternatywę do podejścia, gdzie obiekty tworzą instancję obiektów, z których korzystają np. we własnym konstruktorze. Dzięki takiemu podejściu kod tworzonej aplikacji opartej na </a:t>
-            </a:r>
-            <a:r>
-              <a:rPr lang="pl-PL" sz="2400" dirty="0" err="1">
-                <a:latin typeface="Bahnschrift" panose="020B0502040204020203" pitchFamily="34" charset="0"/>
-              </a:rPr>
-              <a:t>Entitiy</a:t>
-            </a:r>
-            <a:r>
-              <a:rPr lang="pl-PL" sz="2400" dirty="0">
-                <a:latin typeface="Bahnschrift" panose="020B0502040204020203" pitchFamily="34" charset="0"/>
-              </a:rPr>
-              <a:t> Framework będzie prostszy, bardziej zrozumiały i łatwiejszy do testowania. </a:t>
-            </a:r>
-          </a:p>
-        </p:txBody>
-      </p:sp>
+      </p:pic>
     </p:spTree>
     <p:extLst>
       <p:ext uri="{BB962C8B-B14F-4D97-AF65-F5344CB8AC3E}">
-        <p14:creationId xmlns:p14="http://schemas.microsoft.com/office/powerpoint/2010/main" val="343645575"/>
+        <p14:creationId xmlns:p14="http://schemas.microsoft.com/office/powerpoint/2010/main" val="2989699819"/>
       </p:ext>
     </p:extLst>
   </p:cSld>
@@ -4425,13 +4422,7 @@
               <a:rPr lang="pl-PL" b="1" cap="small" dirty="0">
                 <a:latin typeface="Bahnschrift" panose="020B0502040204020203" pitchFamily="34" charset="0"/>
               </a:rPr>
-              <a:t>Wzorzec #8: Unit of </a:t>
-            </a:r>
-            <a:r>
-              <a:rPr lang="pl-PL" b="1" cap="small" dirty="0" err="1">
-                <a:latin typeface="Bahnschrift" panose="020B0502040204020203" pitchFamily="34" charset="0"/>
-              </a:rPr>
-              <a:t>Work</a:t>
+              <a:t>Wzorzec #8 (czynnościowy): CQRS</a:t>
             </a:r>
             <a:endParaRPr lang="pl-PL" dirty="0">
               <a:latin typeface="Bahnschrift" panose="020B0502040204020203" pitchFamily="34" charset="0"/>
@@ -4441,10 +4432,10 @@
       </p:sp>
       <p:pic>
         <p:nvPicPr>
-          <p:cNvPr id="4" name="Obraz 3">
+          <p:cNvPr id="5" name="Grafika 4">
             <a:extLst>
               <a:ext uri="{FF2B5EF4-FFF2-40B4-BE49-F238E27FC236}">
-                <a16:creationId xmlns:a16="http://schemas.microsoft.com/office/drawing/2014/main" id="{2A35CF7D-880E-4206-A95D-85FC2873BA29}"/>
+                <a16:creationId xmlns:a16="http://schemas.microsoft.com/office/drawing/2014/main" id="{8609ABC7-C23D-4F17-B2CE-19902028D389}"/>
               </a:ext>
             </a:extLst>
           </p:cNvPr>
@@ -4454,25 +4445,168 @@
           <p:nvPr/>
         </p:nvPicPr>
         <p:blipFill>
-          <a:blip r:embed="rId2"/>
+          <a:blip r:embed="rId2">
+            <a:extLst>
+              <a:ext uri="{28A0092B-C50C-407E-A947-70E740481C1C}">
+                <a14:useLocalDpi xmlns:a14="http://schemas.microsoft.com/office/drawing/2010/main" val="0"/>
+              </a:ext>
+              <a:ext uri="{96DAC541-7B7A-43D3-8B79-37D633B846F1}">
+                <asvg:svgBlip xmlns:asvg="http://schemas.microsoft.com/office/drawing/2016/SVG/main" r:embed="rId3"/>
+              </a:ext>
+            </a:extLst>
+          </a:blip>
           <a:stretch>
             <a:fillRect/>
           </a:stretch>
         </p:blipFill>
         <p:spPr>
           <a:xfrm>
-            <a:off x="703078" y="1125437"/>
-            <a:ext cx="10785844" cy="5722620"/>
+            <a:off x="7852410" y="1097598"/>
+            <a:ext cx="4229100" cy="3019425"/>
           </a:xfrm>
           <a:prstGeom prst="rect">
             <a:avLst/>
           </a:prstGeom>
         </p:spPr>
       </p:pic>
+      <p:sp>
+        <p:nvSpPr>
+          <p:cNvPr id="6" name="Prostokąt 5">
+            <a:extLst>
+              <a:ext uri="{FF2B5EF4-FFF2-40B4-BE49-F238E27FC236}">
+                <a16:creationId xmlns:a16="http://schemas.microsoft.com/office/drawing/2014/main" id="{8480C365-3178-40BF-9DA2-FA50198884CF}"/>
+              </a:ext>
+            </a:extLst>
+          </p:cNvPr>
+          <p:cNvSpPr/>
+          <p:nvPr/>
+        </p:nvSpPr>
+        <p:spPr>
+          <a:xfrm>
+            <a:off x="240632" y="4600000"/>
+            <a:ext cx="11710736" cy="1938992"/>
+          </a:xfrm>
+          <a:prstGeom prst="rect">
+            <a:avLst/>
+          </a:prstGeom>
+        </p:spPr>
+        <p:txBody>
+          <a:bodyPr wrap="square">
+            <a:spAutoFit/>
+          </a:bodyPr>
+          <a:lstStyle/>
+          <a:p>
+            <a:pPr algn="just"/>
+            <a:r>
+              <a:rPr lang="pl-PL" sz="2000" dirty="0">
+                <a:latin typeface="Bahnschrift" panose="020B0502040204020203" pitchFamily="34" charset="0"/>
+              </a:rPr>
+              <a:t>Podejście CQRS rozwiązuje wymienione wyżej problemy, rozdzielając odczyty i zapisy na osobne modele przy użyciu </a:t>
+            </a:r>
+            <a:r>
+              <a:rPr lang="pl-PL" sz="2000" b="1" dirty="0">
+                <a:latin typeface="Bahnschrift" panose="020B0502040204020203" pitchFamily="34" charset="0"/>
+              </a:rPr>
+              <a:t>poleceń</a:t>
+            </a:r>
+            <a:r>
+              <a:rPr lang="pl-PL" sz="2000" dirty="0">
+                <a:latin typeface="Bahnschrift" panose="020B0502040204020203" pitchFamily="34" charset="0"/>
+              </a:rPr>
+              <a:t> do aktualizacji danych i </a:t>
+            </a:r>
+            <a:r>
+              <a:rPr lang="pl-PL" sz="2000" b="1" dirty="0">
+                <a:latin typeface="Bahnschrift" panose="020B0502040204020203" pitchFamily="34" charset="0"/>
+              </a:rPr>
+              <a:t>zapytań</a:t>
+            </a:r>
+            <a:r>
+              <a:rPr lang="pl-PL" sz="2000" dirty="0">
+                <a:latin typeface="Bahnschrift" panose="020B0502040204020203" pitchFamily="34" charset="0"/>
+              </a:rPr>
+              <a:t> do odczytu danych.</a:t>
+            </a:r>
+          </a:p>
+          <a:p>
+            <a:pPr marL="449263" indent="-266700" algn="just">
+              <a:buFont typeface="Wingdings" panose="05000000000000000000" pitchFamily="2" charset="2"/>
+              <a:buChar char="v"/>
+            </a:pPr>
+            <a:r>
+              <a:rPr lang="pl-PL" sz="2000" dirty="0">
+                <a:latin typeface="Bahnschrift" panose="020B0502040204020203" pitchFamily="34" charset="0"/>
+              </a:rPr>
+              <a:t>Polecenia będą oparte na zadaniach, a nie skoncentrowane na danych. Dzięki temu będą one być umieszczane w kolejce do przetworzenia asynchronicznego, a nie przetwarzane synchronicznie.</a:t>
+            </a:r>
+          </a:p>
+          <a:p>
+            <a:pPr marL="449263" indent="-266700" algn="just">
+              <a:buFont typeface="Wingdings" panose="05000000000000000000" pitchFamily="2" charset="2"/>
+              <a:buChar char="v"/>
+            </a:pPr>
+            <a:r>
+              <a:rPr lang="pl-PL" sz="2000" dirty="0">
+                <a:latin typeface="Bahnschrift" panose="020B0502040204020203" pitchFamily="34" charset="0"/>
+              </a:rPr>
+              <a:t>Zapytania nigdy nie modyfikują bazy danych. Zapytanie zwraca obiekt DTO, który nie hermetyzuje żadnej wiedzy domeny.</a:t>
+            </a:r>
+          </a:p>
+        </p:txBody>
+      </p:sp>
+      <p:sp>
+        <p:nvSpPr>
+          <p:cNvPr id="3" name="Prostokąt 2">
+            <a:extLst>
+              <a:ext uri="{FF2B5EF4-FFF2-40B4-BE49-F238E27FC236}">
+                <a16:creationId xmlns:a16="http://schemas.microsoft.com/office/drawing/2014/main" id="{020D8AA6-D3CB-4B83-BCB6-25284A2C6F0B}"/>
+              </a:ext>
+            </a:extLst>
+          </p:cNvPr>
+          <p:cNvSpPr/>
+          <p:nvPr/>
+        </p:nvSpPr>
+        <p:spPr>
+          <a:xfrm>
+            <a:off x="240632" y="1097598"/>
+            <a:ext cx="7287928" cy="2862322"/>
+          </a:xfrm>
+          <a:prstGeom prst="rect">
+            <a:avLst/>
+          </a:prstGeom>
+        </p:spPr>
+        <p:txBody>
+          <a:bodyPr wrap="square">
+            <a:spAutoFit/>
+          </a:bodyPr>
+          <a:lstStyle/>
+          <a:p>
+            <a:pPr algn="just"/>
+            <a:r>
+              <a:rPr lang="pl-PL" sz="2000" dirty="0">
+                <a:latin typeface="Bahnschrift" panose="020B0502040204020203" pitchFamily="34" charset="0"/>
+              </a:rPr>
+              <a:t>W tradycyjnych </a:t>
+            </a:r>
+            <a:r>
+              <a:rPr lang="pl-PL" sz="2000" dirty="0" err="1">
+                <a:latin typeface="Bahnschrift" panose="020B0502040204020203" pitchFamily="34" charset="0"/>
+              </a:rPr>
+              <a:t>architekturach</a:t>
+            </a:r>
+            <a:r>
+              <a:rPr lang="pl-PL" sz="2000" dirty="0">
+                <a:latin typeface="Bahnschrift" panose="020B0502040204020203" pitchFamily="34" charset="0"/>
+              </a:rPr>
+              <a:t> ten sam model danych jest używany do wysyłania zapytań do bazy danych i aktualizowania jej. Jest to proste i dobrze się sprawdza w przypadku podstawowych operacji CRUD. Jednak w naszej aplikacji, która jest bardziej złożona metoda została uznana za niewygodną i nieczytelną. Wówczas, mapowanie obiektu stało by się skomplikowane. Po stronie zapisu model może wdrażać złożoną walidację i logikę biznesową. W efekcie można uzyskać zbyt skomplikowany model, który wykonuje zbyt dużo działań.</a:t>
+            </a:r>
+          </a:p>
+        </p:txBody>
+      </p:sp>
     </p:spTree>
     <p:extLst>
       <p:ext uri="{BB962C8B-B14F-4D97-AF65-F5344CB8AC3E}">
-        <p14:creationId xmlns:p14="http://schemas.microsoft.com/office/powerpoint/2010/main" val="440926755"/>
+        <p14:creationId xmlns:p14="http://schemas.microsoft.com/office/powerpoint/2010/main" val="3581810003"/>
       </p:ext>
     </p:extLst>
   </p:cSld>
@@ -4539,7 +4673,7 @@
               <a:rPr lang="pl-PL" b="1" cap="small" dirty="0">
                 <a:latin typeface="Bahnschrift" panose="020B0502040204020203" pitchFamily="34" charset="0"/>
               </a:rPr>
-              <a:t>Wzorzec #8: Unit of </a:t>
+              <a:t>Wzorzec #9: Unit of </a:t>
             </a:r>
             <a:r>
               <a:rPr lang="pl-PL" b="1" cap="small" dirty="0" err="1">
@@ -4553,86 +4687,39 @@
           </a:p>
         </p:txBody>
       </p:sp>
-      <p:sp>
-        <p:nvSpPr>
-          <p:cNvPr id="3" name="Prostokąt 2">
+      <p:pic>
+        <p:nvPicPr>
+          <p:cNvPr id="3" name="Obraz 2">
             <a:extLst>
               <a:ext uri="{FF2B5EF4-FFF2-40B4-BE49-F238E27FC236}">
-                <a16:creationId xmlns:a16="http://schemas.microsoft.com/office/drawing/2014/main" id="{665BBD37-CF64-4B39-9716-1207D481A615}"/>
+                <a16:creationId xmlns:a16="http://schemas.microsoft.com/office/drawing/2014/main" id="{971FF24A-69A6-4741-A4B2-B441789C1CBB}"/>
               </a:ext>
             </a:extLst>
           </p:cNvPr>
-          <p:cNvSpPr/>
+          <p:cNvPicPr>
+            <a:picLocks noChangeAspect="1"/>
+          </p:cNvPicPr>
           <p:nvPr/>
-        </p:nvSpPr>
-        <p:spPr>
-          <a:xfrm>
-            <a:off x="240632" y="1108561"/>
-            <a:ext cx="11570368" cy="4154984"/>
+        </p:nvPicPr>
+        <p:blipFill rotWithShape="1">
+          <a:blip r:embed="rId2"/>
+          <a:srcRect l="2198" t="3646" r="2108" b="3829"/>
+          <a:stretch/>
+        </p:blipFill>
+        <p:spPr>
+          <a:xfrm>
+            <a:off x="614060" y="1125537"/>
+            <a:ext cx="10963880" cy="5608220"/>
           </a:xfrm>
           <a:prstGeom prst="rect">
             <a:avLst/>
           </a:prstGeom>
         </p:spPr>
-        <p:txBody>
-          <a:bodyPr wrap="square">
-            <a:spAutoFit/>
-          </a:bodyPr>
-          <a:lstStyle/>
-          <a:p>
-            <a:pPr algn="just"/>
-            <a:r>
-              <a:rPr lang="pl-PL" sz="2400" dirty="0">
-                <a:latin typeface="Bahnschrift" panose="020B0502040204020203" pitchFamily="34" charset="0"/>
-              </a:rPr>
-              <a:t>Unit of </a:t>
-            </a:r>
-            <a:r>
-              <a:rPr lang="pl-PL" sz="2400" dirty="0" err="1">
-                <a:latin typeface="Bahnschrift" panose="020B0502040204020203" pitchFamily="34" charset="0"/>
-              </a:rPr>
-              <a:t>Work</a:t>
-            </a:r>
-            <a:r>
-              <a:rPr lang="pl-PL" sz="2400" dirty="0">
-                <a:latin typeface="Bahnschrift" panose="020B0502040204020203" pitchFamily="34" charset="0"/>
-              </a:rPr>
-              <a:t> jest określana jako pojedyncza transakcja, która obejmuje wiele operacji wstawiania, aktualizowania lub usuwania. Mówiąc najprościej, oznacza to, że dla określonego działania użytkownika, takiego jak rejestracja na stronie internetowej, wszystkie operacje wstawiania, aktualizacji i usuwania są obsługiwane w ramach pojedynczej transakcji. Jest to bardziej wydajne niż obsługa wielu transakcji baz danych w sposób oparty na sieci.</a:t>
-            </a:r>
-          </a:p>
-          <a:p>
-            <a:pPr algn="just"/>
-            <a:endParaRPr lang="pl-PL" sz="2400" dirty="0">
-              <a:latin typeface="Bahnschrift" panose="020B0502040204020203" pitchFamily="34" charset="0"/>
-            </a:endParaRPr>
-          </a:p>
-          <a:p>
-            <a:pPr algn="just"/>
-            <a:r>
-              <a:rPr lang="pl-PL" sz="2400" dirty="0">
-                <a:latin typeface="Bahnschrift" panose="020B0502040204020203" pitchFamily="34" charset="0"/>
-              </a:rPr>
-              <a:t>Te wielokrotne operacje utrwalania wykonywane są później w pojedynczej akcji, gdy kod z warstwy aplikacji zarządza nimi wydając polecenia. Decyzja o wprowadzeniu zmian w pamięci do rzeczywistej bazy danych jest zwykle oparta na schemacie Unit of </a:t>
-            </a:r>
-            <a:r>
-              <a:rPr lang="pl-PL" sz="2400" dirty="0" err="1">
-                <a:latin typeface="Bahnschrift" panose="020B0502040204020203" pitchFamily="34" charset="0"/>
-              </a:rPr>
-              <a:t>Work</a:t>
-            </a:r>
-            <a:r>
-              <a:rPr lang="pl-PL" sz="2400" dirty="0">
-                <a:latin typeface="Bahnschrift" panose="020B0502040204020203" pitchFamily="34" charset="0"/>
-              </a:rPr>
-              <a:t>.</a:t>
-            </a:r>
-          </a:p>
-        </p:txBody>
-      </p:sp>
+      </p:pic>
     </p:spTree>
     <p:extLst>
       <p:ext uri="{BB962C8B-B14F-4D97-AF65-F5344CB8AC3E}">
-        <p14:creationId xmlns:p14="http://schemas.microsoft.com/office/powerpoint/2010/main" val="2828012458"/>
+        <p14:creationId xmlns:p14="http://schemas.microsoft.com/office/powerpoint/2010/main" val="440926755"/>
       </p:ext>
     </p:extLst>
   </p:cSld>
@@ -4699,7 +4786,13 @@
               <a:rPr lang="pl-PL" b="1" cap="small" dirty="0">
                 <a:latin typeface="Bahnschrift" panose="020B0502040204020203" pitchFamily="34" charset="0"/>
               </a:rPr>
-              <a:t>Wzorzec #9: MVP – diagram ogólny</a:t>
+              <a:t>Wzorzec #9: Unit of </a:t>
+            </a:r>
+            <a:r>
+              <a:rPr lang="pl-PL" b="1" cap="small" dirty="0" err="1">
+                <a:latin typeface="Bahnschrift" panose="020B0502040204020203" pitchFamily="34" charset="0"/>
+              </a:rPr>
+              <a:t>Work</a:t>
             </a:r>
             <a:endParaRPr lang="pl-PL" dirty="0">
               <a:latin typeface="Bahnschrift" panose="020B0502040204020203" pitchFamily="34" charset="0"/>
@@ -4707,40 +4800,86 @@
           </a:p>
         </p:txBody>
       </p:sp>
-      <p:pic>
-        <p:nvPicPr>
-          <p:cNvPr id="3" name="Obraz 2">
+      <p:sp>
+        <p:nvSpPr>
+          <p:cNvPr id="3" name="Prostokąt 2">
             <a:extLst>
               <a:ext uri="{FF2B5EF4-FFF2-40B4-BE49-F238E27FC236}">
-                <a16:creationId xmlns:a16="http://schemas.microsoft.com/office/drawing/2014/main" id="{1CBCBC75-F386-4CAF-A786-2C76AA9E2872}"/>
+                <a16:creationId xmlns:a16="http://schemas.microsoft.com/office/drawing/2014/main" id="{665BBD37-CF64-4B39-9716-1207D481A615}"/>
               </a:ext>
             </a:extLst>
           </p:cNvPr>
-          <p:cNvPicPr>
-            <a:picLocks noChangeAspect="1"/>
-          </p:cNvPicPr>
+          <p:cNvSpPr/>
           <p:nvPr/>
-        </p:nvPicPr>
-        <p:blipFill>
-          <a:blip r:embed="rId2"/>
-          <a:stretch>
-            <a:fillRect/>
-          </a:stretch>
-        </p:blipFill>
-        <p:spPr>
-          <a:xfrm>
-            <a:off x="0" y="1335506"/>
-            <a:ext cx="12192000" cy="5512552"/>
+        </p:nvSpPr>
+        <p:spPr>
+          <a:xfrm>
+            <a:off x="240632" y="1108561"/>
+            <a:ext cx="11570368" cy="4154984"/>
           </a:xfrm>
           <a:prstGeom prst="rect">
             <a:avLst/>
           </a:prstGeom>
         </p:spPr>
-      </p:pic>
+        <p:txBody>
+          <a:bodyPr wrap="square">
+            <a:spAutoFit/>
+          </a:bodyPr>
+          <a:lstStyle/>
+          <a:p>
+            <a:pPr algn="just"/>
+            <a:r>
+              <a:rPr lang="pl-PL" sz="2400" dirty="0">
+                <a:latin typeface="Bahnschrift" panose="020B0502040204020203" pitchFamily="34" charset="0"/>
+              </a:rPr>
+              <a:t>Unit of </a:t>
+            </a:r>
+            <a:r>
+              <a:rPr lang="pl-PL" sz="2400" dirty="0" err="1">
+                <a:latin typeface="Bahnschrift" panose="020B0502040204020203" pitchFamily="34" charset="0"/>
+              </a:rPr>
+              <a:t>Work</a:t>
+            </a:r>
+            <a:r>
+              <a:rPr lang="pl-PL" sz="2400" dirty="0">
+                <a:latin typeface="Bahnschrift" panose="020B0502040204020203" pitchFamily="34" charset="0"/>
+              </a:rPr>
+              <a:t> jest określana jako pojedyncza transakcja, która obejmuje wiele operacji wstawiania, aktualizowania lub usuwania. Mówiąc najprościej, oznacza to, że dla określonego działania użytkownika, takiego jak rejestracja na stronie internetowej, wszystkie operacje wstawiania, aktualizacji i usuwania są obsługiwane w ramach pojedynczej transakcji. Jest to bardziej wydajne niż obsługa wielu transakcji baz danych w sposób oparty na sieci.</a:t>
+            </a:r>
+          </a:p>
+          <a:p>
+            <a:pPr algn="just"/>
+            <a:endParaRPr lang="pl-PL" sz="2400" dirty="0">
+              <a:latin typeface="Bahnschrift" panose="020B0502040204020203" pitchFamily="34" charset="0"/>
+            </a:endParaRPr>
+          </a:p>
+          <a:p>
+            <a:pPr algn="just"/>
+            <a:r>
+              <a:rPr lang="pl-PL" sz="2400" dirty="0">
+                <a:latin typeface="Bahnschrift" panose="020B0502040204020203" pitchFamily="34" charset="0"/>
+              </a:rPr>
+              <a:t>Te wielokrotne operacje utrwalania wykonywane są później w pojedynczej akcji, gdy kod z warstwy aplikacji zarządza nimi wydając polecenia. Decyzja o wprowadzeniu zmian w pamięci do rzeczywistej bazy danych jest zwykle oparta na schemacie Unit of </a:t>
+            </a:r>
+            <a:r>
+              <a:rPr lang="pl-PL" sz="2400" dirty="0" err="1">
+                <a:latin typeface="Bahnschrift" panose="020B0502040204020203" pitchFamily="34" charset="0"/>
+              </a:rPr>
+              <a:t>Work</a:t>
+            </a:r>
+            <a:r>
+              <a:rPr lang="pl-PL" sz="2400" dirty="0">
+                <a:latin typeface="Bahnschrift" panose="020B0502040204020203" pitchFamily="34" charset="0"/>
+              </a:rPr>
+              <a:t>.</a:t>
+            </a:r>
+          </a:p>
+        </p:txBody>
+      </p:sp>
     </p:spTree>
     <p:extLst>
       <p:ext uri="{BB962C8B-B14F-4D97-AF65-F5344CB8AC3E}">
-        <p14:creationId xmlns:p14="http://schemas.microsoft.com/office/powerpoint/2010/main" val="2663047963"/>
+        <p14:creationId xmlns:p14="http://schemas.microsoft.com/office/powerpoint/2010/main" val="2828012458"/>
       </p:ext>
     </p:extLst>
   </p:cSld>
@@ -4807,7 +4946,7 @@
               <a:rPr lang="pl-PL" b="1" cap="small" dirty="0">
                 <a:latin typeface="Bahnschrift" panose="020B0502040204020203" pitchFamily="34" charset="0"/>
               </a:rPr>
-              <a:t>Wzorzec #9: MVP - Modele</a:t>
+              <a:t>Wzorzec #10 (architekturalny): MVP - struktura</a:t>
             </a:r>
             <a:endParaRPr lang="pl-PL" dirty="0">
               <a:latin typeface="Bahnschrift" panose="020B0502040204020203" pitchFamily="34" charset="0"/>
@@ -4817,10 +4956,10 @@
       </p:sp>
       <p:pic>
         <p:nvPicPr>
-          <p:cNvPr id="6" name="Obraz 5">
+          <p:cNvPr id="4" name="Obraz 3">
             <a:extLst>
               <a:ext uri="{FF2B5EF4-FFF2-40B4-BE49-F238E27FC236}">
-                <a16:creationId xmlns:a16="http://schemas.microsoft.com/office/drawing/2014/main" id="{E1EDB02B-B9AE-45F3-A0DB-D7EE9A8520F9}"/>
+                <a16:creationId xmlns:a16="http://schemas.microsoft.com/office/drawing/2014/main" id="{7E71650A-758B-49DA-B3E2-A6AFFD7D7F69}"/>
               </a:ext>
             </a:extLst>
           </p:cNvPr>
@@ -4829,16 +4968,15 @@
           </p:cNvPicPr>
           <p:nvPr/>
         </p:nvPicPr>
-        <p:blipFill>
+        <p:blipFill rotWithShape="1">
           <a:blip r:embed="rId2"/>
-          <a:stretch>
-            <a:fillRect/>
-          </a:stretch>
+          <a:srcRect l="2398" t="4720" r="2398" b="4753"/>
+          <a:stretch/>
         </p:blipFill>
         <p:spPr>
           <a:xfrm>
-            <a:off x="1720328" y="1126821"/>
-            <a:ext cx="8751344" cy="5731179"/>
+            <a:off x="637864" y="1152526"/>
+            <a:ext cx="10916272" cy="5524500"/>
           </a:xfrm>
           <a:prstGeom prst="rect">
             <a:avLst/>
@@ -4848,7 +4986,7 @@
     </p:spTree>
     <p:extLst>
       <p:ext uri="{BB962C8B-B14F-4D97-AF65-F5344CB8AC3E}">
-        <p14:creationId xmlns:p14="http://schemas.microsoft.com/office/powerpoint/2010/main" val="1991189706"/>
+        <p14:creationId xmlns:p14="http://schemas.microsoft.com/office/powerpoint/2010/main" val="2663047963"/>
       </p:ext>
     </p:extLst>
   </p:cSld>
@@ -5207,7 +5345,7 @@
               <a:rPr lang="pl-PL" b="1" cap="small" dirty="0">
                 <a:latin typeface="Bahnschrift" panose="020B0502040204020203" pitchFamily="34" charset="0"/>
               </a:rPr>
-              <a:t>Wzorzec #9: MVP – Przykładowy kontroler / prezenter Albumu</a:t>
+              <a:t>Wzorzec # 10 (architekturalny): MVP - Modele</a:t>
             </a:r>
             <a:endParaRPr lang="pl-PL" dirty="0">
               <a:latin typeface="Bahnschrift" panose="020B0502040204020203" pitchFamily="34" charset="0"/>
@@ -5217,10 +5355,10 @@
       </p:sp>
       <p:pic>
         <p:nvPicPr>
-          <p:cNvPr id="4" name="Obraz 3">
+          <p:cNvPr id="3" name="Obraz 2">
             <a:extLst>
               <a:ext uri="{FF2B5EF4-FFF2-40B4-BE49-F238E27FC236}">
-                <a16:creationId xmlns:a16="http://schemas.microsoft.com/office/drawing/2014/main" id="{03704D51-A1AF-48E1-9B88-05F547292EA8}"/>
+                <a16:creationId xmlns:a16="http://schemas.microsoft.com/office/drawing/2014/main" id="{D681C4E1-D51A-4900-BBE9-7752BAEE1F53}"/>
               </a:ext>
             </a:extLst>
           </p:cNvPr>
@@ -5231,13 +5369,13 @@
         </p:nvPicPr>
         <p:blipFill rotWithShape="1">
           <a:blip r:embed="rId2"/>
-          <a:srcRect t="2509" b="2486"/>
+          <a:srcRect l="2442" t="4022" r="2484" b="3312"/>
           <a:stretch/>
         </p:blipFill>
         <p:spPr>
           <a:xfrm>
-            <a:off x="0" y="1417320"/>
-            <a:ext cx="12192000" cy="5440680"/>
+            <a:off x="1619250" y="1107752"/>
+            <a:ext cx="8953500" cy="5695539"/>
           </a:xfrm>
           <a:prstGeom prst="rect">
             <a:avLst/>
@@ -5247,7 +5385,7 @@
     </p:spTree>
     <p:extLst>
       <p:ext uri="{BB962C8B-B14F-4D97-AF65-F5344CB8AC3E}">
-        <p14:creationId xmlns:p14="http://schemas.microsoft.com/office/powerpoint/2010/main" val="1358286065"/>
+        <p14:creationId xmlns:p14="http://schemas.microsoft.com/office/powerpoint/2010/main" val="1991189706"/>
       </p:ext>
     </p:extLst>
   </p:cSld>
@@ -5314,7 +5452,114 @@
               <a:rPr lang="pl-PL" b="1" cap="small" dirty="0">
                 <a:latin typeface="Bahnschrift" panose="020B0502040204020203" pitchFamily="34" charset="0"/>
               </a:rPr>
-              <a:t>Wzorzec #9: MVP</a:t>
+              <a:t>Wzorzec # 10 (architekturalny): MVP – Przykładowy kontroler / prezenter Albumu</a:t>
+            </a:r>
+            <a:endParaRPr lang="pl-PL" dirty="0">
+              <a:latin typeface="Bahnschrift" panose="020B0502040204020203" pitchFamily="34" charset="0"/>
+            </a:endParaRPr>
+          </a:p>
+        </p:txBody>
+      </p:sp>
+      <p:pic>
+        <p:nvPicPr>
+          <p:cNvPr id="3" name="Obraz 2">
+            <a:extLst>
+              <a:ext uri="{FF2B5EF4-FFF2-40B4-BE49-F238E27FC236}">
+                <a16:creationId xmlns:a16="http://schemas.microsoft.com/office/drawing/2014/main" id="{4C643980-6100-4363-AA52-96C5911ED2AE}"/>
+              </a:ext>
+            </a:extLst>
+          </p:cNvPr>
+          <p:cNvPicPr>
+            <a:picLocks noChangeAspect="1"/>
+          </p:cNvPicPr>
+          <p:nvPr/>
+        </p:nvPicPr>
+        <p:blipFill rotWithShape="1">
+          <a:blip r:embed="rId2"/>
+          <a:srcRect l="1898" t="4283" r="1979" b="3967"/>
+          <a:stretch/>
+        </p:blipFill>
+        <p:spPr>
+          <a:xfrm>
+            <a:off x="221738" y="1476375"/>
+            <a:ext cx="11748524" cy="5229225"/>
+          </a:xfrm>
+          <a:prstGeom prst="rect">
+            <a:avLst/>
+          </a:prstGeom>
+        </p:spPr>
+      </p:pic>
+    </p:spTree>
+    <p:extLst>
+      <p:ext uri="{BB962C8B-B14F-4D97-AF65-F5344CB8AC3E}">
+        <p14:creationId xmlns:p14="http://schemas.microsoft.com/office/powerpoint/2010/main" val="1358286065"/>
+      </p:ext>
+    </p:extLst>
+  </p:cSld>
+  <p:clrMapOvr>
+    <a:masterClrMapping/>
+  </p:clrMapOvr>
+</p:sld>
+</file>
+
+<file path=ppt/slides/slide22.xml><?xml version="1.0" encoding="utf-8"?>
+<p:sld xmlns:a="http://schemas.openxmlformats.org/drawingml/2006/main" xmlns:r="http://schemas.openxmlformats.org/officeDocument/2006/relationships" xmlns:p="http://schemas.openxmlformats.org/presentationml/2006/main">
+  <p:cSld>
+    <p:bg>
+      <p:bgPr>
+        <a:solidFill>
+          <a:schemeClr val="bg1">
+            <a:lumMod val="85000"/>
+          </a:schemeClr>
+        </a:solidFill>
+        <a:effectLst/>
+      </p:bgPr>
+    </p:bg>
+    <p:spTree>
+      <p:nvGrpSpPr>
+        <p:cNvPr id="1" name=""/>
+        <p:cNvGrpSpPr/>
+        <p:nvPr/>
+      </p:nvGrpSpPr>
+      <p:grpSpPr>
+        <a:xfrm>
+          <a:off x="0" y="0"/>
+          <a:ext cx="0" cy="0"/>
+          <a:chOff x="0" y="0"/>
+          <a:chExt cx="0" cy="0"/>
+        </a:xfrm>
+      </p:grpSpPr>
+      <p:sp>
+        <p:nvSpPr>
+          <p:cNvPr id="2" name="Tytuł 1">
+            <a:extLst>
+              <a:ext uri="{FF2B5EF4-FFF2-40B4-BE49-F238E27FC236}">
+                <a16:creationId xmlns:a16="http://schemas.microsoft.com/office/drawing/2014/main" id="{259D5117-EECA-4EB8-90C9-0050BF673144}"/>
+              </a:ext>
+            </a:extLst>
+          </p:cNvPr>
+          <p:cNvSpPr>
+            <a:spLocks noGrp="1"/>
+          </p:cNvSpPr>
+          <p:nvPr>
+            <p:ph type="title"/>
+          </p:nvPr>
+        </p:nvSpPr>
+        <p:spPr>
+          <a:xfrm>
+            <a:off x="240632" y="9943"/>
+            <a:ext cx="11951368" cy="1325562"/>
+          </a:xfrm>
+        </p:spPr>
+        <p:txBody>
+          <a:bodyPr/>
+          <a:lstStyle/>
+          <a:p>
+            <a:r>
+              <a:rPr lang="pl-PL" b="1" cap="small" dirty="0">
+                <a:latin typeface="Bahnschrift" panose="020B0502040204020203" pitchFamily="34" charset="0"/>
+              </a:rPr>
+              <a:t>Wzorzec #10 (architekturalny): MVP</a:t>
             </a:r>
             <a:endParaRPr lang="pl-PL" dirty="0">
               <a:latin typeface="Bahnschrift" panose="020B0502040204020203" pitchFamily="34" charset="0"/>
@@ -5360,7 +5605,7 @@
         </p:blipFill>
         <p:spPr>
           <a:xfrm>
-            <a:off x="5224363" y="274103"/>
+            <a:off x="5224363" y="1156812"/>
             <a:ext cx="6727005" cy="2814537"/>
           </a:xfrm>
           <a:prstGeom prst="rect">
@@ -5382,7 +5627,7 @@
         </p:nvSpPr>
         <p:spPr>
           <a:xfrm>
-            <a:off x="159352" y="1335505"/>
+            <a:off x="159352" y="2032357"/>
             <a:ext cx="4932894" cy="1938992"/>
           </a:xfrm>
           <a:prstGeom prst="rect">
@@ -5455,7 +5700,7 @@
         </p:nvSpPr>
         <p:spPr>
           <a:xfrm>
-            <a:off x="159352" y="3510280"/>
+            <a:off x="159352" y="4293919"/>
             <a:ext cx="11792016" cy="1938992"/>
           </a:xfrm>
           <a:prstGeom prst="rect">
@@ -5512,314 +5757,6 @@
     <p:extLst>
       <p:ext uri="{BB962C8B-B14F-4D97-AF65-F5344CB8AC3E}">
         <p14:creationId xmlns:p14="http://schemas.microsoft.com/office/powerpoint/2010/main" val="161928787"/>
-      </p:ext>
-    </p:extLst>
-  </p:cSld>
-  <p:clrMapOvr>
-    <a:masterClrMapping/>
-  </p:clrMapOvr>
-</p:sld>
-</file>
-
-<file path=ppt/slides/slide22.xml><?xml version="1.0" encoding="utf-8"?>
-<p:sld xmlns:a="http://schemas.openxmlformats.org/drawingml/2006/main" xmlns:r="http://schemas.openxmlformats.org/officeDocument/2006/relationships" xmlns:p="http://schemas.openxmlformats.org/presentationml/2006/main">
-  <p:cSld>
-    <p:bg>
-      <p:bgPr>
-        <a:solidFill>
-          <a:schemeClr val="bg1">
-            <a:lumMod val="85000"/>
-          </a:schemeClr>
-        </a:solidFill>
-        <a:effectLst/>
-      </p:bgPr>
-    </p:bg>
-    <p:spTree>
-      <p:nvGrpSpPr>
-        <p:cNvPr id="1" name=""/>
-        <p:cNvGrpSpPr/>
-        <p:nvPr/>
-      </p:nvGrpSpPr>
-      <p:grpSpPr>
-        <a:xfrm>
-          <a:off x="0" y="0"/>
-          <a:ext cx="0" cy="0"/>
-          <a:chOff x="0" y="0"/>
-          <a:chExt cx="0" cy="0"/>
-        </a:xfrm>
-      </p:grpSpPr>
-      <p:sp>
-        <p:nvSpPr>
-          <p:cNvPr id="2" name="Tytuł 1">
-            <a:extLst>
-              <a:ext uri="{FF2B5EF4-FFF2-40B4-BE49-F238E27FC236}">
-                <a16:creationId xmlns:a16="http://schemas.microsoft.com/office/drawing/2014/main" id="{259D5117-EECA-4EB8-90C9-0050BF673144}"/>
-              </a:ext>
-            </a:extLst>
-          </p:cNvPr>
-          <p:cNvSpPr>
-            <a:spLocks noGrp="1"/>
-          </p:cNvSpPr>
-          <p:nvPr>
-            <p:ph type="title"/>
-          </p:nvPr>
-        </p:nvSpPr>
-        <p:spPr>
-          <a:xfrm>
-            <a:off x="240632" y="9943"/>
-            <a:ext cx="11951368" cy="1325562"/>
-          </a:xfrm>
-        </p:spPr>
-        <p:txBody>
-          <a:bodyPr/>
-          <a:lstStyle/>
-          <a:p>
-            <a:r>
-              <a:rPr lang="pl-PL" b="1" cap="small" dirty="0">
-                <a:latin typeface="Bahnschrift" panose="020B0502040204020203" pitchFamily="34" charset="0"/>
-              </a:rPr>
-              <a:t>Wzorzec #10: </a:t>
-            </a:r>
-            <a:r>
-              <a:rPr lang="pl-PL" b="1" cap="small" dirty="0" err="1">
-                <a:latin typeface="Bahnschrift" panose="020B0502040204020203" pitchFamily="34" charset="0"/>
-              </a:rPr>
-              <a:t>Factory</a:t>
-            </a:r>
-            <a:endParaRPr lang="pl-PL" dirty="0">
-              <a:latin typeface="Bahnschrift" panose="020B0502040204020203" pitchFamily="34" charset="0"/>
-            </a:endParaRPr>
-          </a:p>
-        </p:txBody>
-      </p:sp>
-      <p:pic>
-        <p:nvPicPr>
-          <p:cNvPr id="3" name="Obraz 2">
-            <a:extLst>
-              <a:ext uri="{FF2B5EF4-FFF2-40B4-BE49-F238E27FC236}">
-                <a16:creationId xmlns:a16="http://schemas.microsoft.com/office/drawing/2014/main" id="{E4D826A7-838E-4489-A903-D1680E94B556}"/>
-              </a:ext>
-            </a:extLst>
-          </p:cNvPr>
-          <p:cNvPicPr>
-            <a:picLocks noChangeAspect="1"/>
-          </p:cNvPicPr>
-          <p:nvPr/>
-        </p:nvPicPr>
-        <p:blipFill>
-          <a:blip r:embed="rId2"/>
-          <a:stretch>
-            <a:fillRect/>
-          </a:stretch>
-        </p:blipFill>
-        <p:spPr>
-          <a:xfrm>
-            <a:off x="240632" y="1100137"/>
-            <a:ext cx="7086600" cy="3438525"/>
-          </a:xfrm>
-          <a:prstGeom prst="rect">
-            <a:avLst/>
-          </a:prstGeom>
-        </p:spPr>
-      </p:pic>
-      <p:sp>
-        <p:nvSpPr>
-          <p:cNvPr id="5" name="Prostokąt 4">
-            <a:extLst>
-              <a:ext uri="{FF2B5EF4-FFF2-40B4-BE49-F238E27FC236}">
-                <a16:creationId xmlns:a16="http://schemas.microsoft.com/office/drawing/2014/main" id="{E3FB34D0-A8BA-4600-AC41-5D24E655E3F7}"/>
-              </a:ext>
-            </a:extLst>
-          </p:cNvPr>
-          <p:cNvSpPr/>
-          <p:nvPr/>
-        </p:nvSpPr>
-        <p:spPr>
-          <a:xfrm>
-            <a:off x="7640320" y="1100137"/>
-            <a:ext cx="4311048" cy="3170099"/>
-          </a:xfrm>
-          <a:prstGeom prst="rect">
-            <a:avLst/>
-          </a:prstGeom>
-        </p:spPr>
-        <p:txBody>
-          <a:bodyPr wrap="square">
-            <a:spAutoFit/>
-          </a:bodyPr>
-          <a:lstStyle/>
-          <a:p>
-            <a:pPr algn="just"/>
-            <a:r>
-              <a:rPr lang="pl-PL" sz="2000" dirty="0">
-                <a:latin typeface="Bahnschrift" panose="020B0502040204020203" pitchFamily="34" charset="0"/>
-              </a:rPr>
-              <a:t>Niektóre polecenia </a:t>
-            </a:r>
-            <a:r>
-              <a:rPr lang="pl-PL" sz="2000" dirty="0" err="1">
-                <a:latin typeface="Bahnschrift" panose="020B0502040204020203" pitchFamily="34" charset="0"/>
-              </a:rPr>
-              <a:t>Entitiy</a:t>
-            </a:r>
-            <a:r>
-              <a:rPr lang="pl-PL" sz="2000" dirty="0">
-                <a:latin typeface="Bahnschrift" panose="020B0502040204020203" pitchFamily="34" charset="0"/>
-              </a:rPr>
-              <a:t> Framework </a:t>
-            </a:r>
-            <a:r>
-              <a:rPr lang="pl-PL" sz="2000" dirty="0" err="1">
-                <a:latin typeface="Bahnschrift" panose="020B0502040204020203" pitchFamily="34" charset="0"/>
-              </a:rPr>
-              <a:t>Core</a:t>
-            </a:r>
-            <a:r>
-              <a:rPr lang="pl-PL" sz="2000" dirty="0">
-                <a:latin typeface="Bahnschrift" panose="020B0502040204020203" pitchFamily="34" charset="0"/>
-              </a:rPr>
-              <a:t> Tools (na przykład migracje poleceń) wymagają pochodnej </a:t>
-            </a:r>
-            <a:r>
-              <a:rPr lang="pl-PL" sz="2000" dirty="0" err="1">
-                <a:latin typeface="Bahnschrift" panose="020B0502040204020203" pitchFamily="34" charset="0"/>
-              </a:rPr>
-              <a:t>DbContext</a:t>
-            </a:r>
-            <a:r>
-              <a:rPr lang="pl-PL" sz="2000" dirty="0">
-                <a:latin typeface="Bahnschrift" panose="020B0502040204020203" pitchFamily="34" charset="0"/>
-              </a:rPr>
-              <a:t> wystąpienia, które ma zostać utworzone w czasie projektowania, aby można było zbierać szczegółowe informacje o aplikacji typy jednostek i sposobu mapowania ich na schemat bazy danych. </a:t>
-            </a:r>
-          </a:p>
-        </p:txBody>
-      </p:sp>
-      <p:sp>
-        <p:nvSpPr>
-          <p:cNvPr id="7" name="Prostokąt 6">
-            <a:extLst>
-              <a:ext uri="{FF2B5EF4-FFF2-40B4-BE49-F238E27FC236}">
-                <a16:creationId xmlns:a16="http://schemas.microsoft.com/office/drawing/2014/main" id="{F7DB99D8-9FB8-4BFA-A41F-6EF7CE6DFDEA}"/>
-              </a:ext>
-            </a:extLst>
-          </p:cNvPr>
-          <p:cNvSpPr/>
-          <p:nvPr/>
-        </p:nvSpPr>
-        <p:spPr>
-          <a:xfrm>
-            <a:off x="240632" y="4788367"/>
-            <a:ext cx="11710736" cy="1015663"/>
-          </a:xfrm>
-          <a:prstGeom prst="rect">
-            <a:avLst/>
-          </a:prstGeom>
-        </p:spPr>
-        <p:txBody>
-          <a:bodyPr wrap="square">
-            <a:spAutoFit/>
-          </a:bodyPr>
-          <a:lstStyle/>
-          <a:p>
-            <a:pPr algn="just"/>
-            <a:r>
-              <a:rPr lang="pl-PL" sz="2000" dirty="0">
-                <a:latin typeface="Bahnschrift" panose="020B0502040204020203" pitchFamily="34" charset="0"/>
-              </a:rPr>
-              <a:t>Narzędzie EF </a:t>
-            </a:r>
-            <a:r>
-              <a:rPr lang="pl-PL" sz="2000" dirty="0" err="1">
-                <a:latin typeface="Bahnschrift" panose="020B0502040204020203" pitchFamily="34" charset="0"/>
-              </a:rPr>
-              <a:t>Core</a:t>
-            </a:r>
-            <a:r>
-              <a:rPr lang="pl-PL" sz="2000" dirty="0">
-                <a:latin typeface="Bahnschrift" panose="020B0502040204020203" pitchFamily="34" charset="0"/>
-              </a:rPr>
-              <a:t> Tools można poinformować o sposobie tworzenia usługi </a:t>
-            </a:r>
-            <a:r>
-              <a:rPr lang="pl-PL" sz="2000" dirty="0" err="1">
-                <a:latin typeface="Bahnschrift" panose="020B0502040204020203" pitchFamily="34" charset="0"/>
-              </a:rPr>
-              <a:t>DbContext</a:t>
-            </a:r>
-            <a:r>
-              <a:rPr lang="pl-PL" sz="2000" dirty="0">
-                <a:latin typeface="Bahnschrift" panose="020B0502040204020203" pitchFamily="34" charset="0"/>
-              </a:rPr>
-              <a:t> implementując interfejs </a:t>
-            </a:r>
-            <a:r>
-              <a:rPr lang="pl-PL" sz="2000" dirty="0" err="1">
-                <a:latin typeface="Bahnschrift" panose="020B0502040204020203" pitchFamily="34" charset="0"/>
-              </a:rPr>
-              <a:t>IDesignTimeDbContextFactory</a:t>
-            </a:r>
-            <a:r>
-              <a:rPr lang="pl-PL" sz="2000" dirty="0">
-                <a:latin typeface="Bahnschrift" panose="020B0502040204020203" pitchFamily="34" charset="0"/>
-              </a:rPr>
-              <a:t>&lt;</a:t>
-            </a:r>
-            <a:r>
-              <a:rPr lang="pl-PL" sz="2000" dirty="0" err="1">
-                <a:latin typeface="Bahnschrift" panose="020B0502040204020203" pitchFamily="34" charset="0"/>
-              </a:rPr>
-              <a:t>TContext</a:t>
-            </a:r>
-            <a:r>
-              <a:rPr lang="pl-PL" sz="2000" dirty="0">
-                <a:latin typeface="Bahnschrift" panose="020B0502040204020203" pitchFamily="34" charset="0"/>
-              </a:rPr>
-              <a:t>&gt;. </a:t>
-            </a:r>
-            <a:r>
-              <a:rPr lang="pl-PL" sz="2000" dirty="0" err="1">
-                <a:latin typeface="Bahnschrift" panose="020B0502040204020203" pitchFamily="34" charset="0"/>
-              </a:rPr>
-              <a:t>Podsumowująć</a:t>
-            </a:r>
-            <a:r>
-              <a:rPr lang="pl-PL" sz="2000" dirty="0">
-                <a:latin typeface="Bahnschrift" panose="020B0502040204020203" pitchFamily="34" charset="0"/>
-              </a:rPr>
-              <a:t> </a:t>
-            </a:r>
-            <a:r>
-              <a:rPr lang="pl-PL" sz="2000" dirty="0" err="1">
-                <a:latin typeface="Bahnschrift" panose="020B0502040204020203" pitchFamily="34" charset="0"/>
-              </a:rPr>
-              <a:t>wzorzez</a:t>
-            </a:r>
-            <a:r>
-              <a:rPr lang="pl-PL" sz="2000" dirty="0">
-                <a:latin typeface="Bahnschrift" panose="020B0502040204020203" pitchFamily="34" charset="0"/>
-              </a:rPr>
-              <a:t> </a:t>
-            </a:r>
-            <a:r>
-              <a:rPr lang="pl-PL" sz="2000" dirty="0" err="1">
-                <a:latin typeface="Bahnschrift" panose="020B0502040204020203" pitchFamily="34" charset="0"/>
-              </a:rPr>
-              <a:t>Factory</a:t>
-            </a:r>
-            <a:r>
-              <a:rPr lang="pl-PL" sz="2000" dirty="0">
-                <a:latin typeface="Bahnschrift" panose="020B0502040204020203" pitchFamily="34" charset="0"/>
-              </a:rPr>
-              <a:t> (Fabryki) użyty zostanie w celu realizacji połączenia z bazą podczas tworzenia migracji.</a:t>
-            </a:r>
-          </a:p>
-        </p:txBody>
-      </p:sp>
-    </p:spTree>
-    <p:extLst>
-      <p:ext uri="{BB962C8B-B14F-4D97-AF65-F5344CB8AC3E}">
-        <p14:creationId xmlns:p14="http://schemas.microsoft.com/office/powerpoint/2010/main" val="326406622"/>
       </p:ext>
     </p:extLst>
   </p:cSld>
@@ -5921,18 +5858,12 @@
         </p:blipFill>
         <p:spPr>
           <a:xfrm>
-            <a:off x="254551" y="1279621"/>
+            <a:off x="299949" y="1203613"/>
             <a:ext cx="5734525" cy="2885975"/>
           </a:xfrm>
           <a:prstGeom prst="rect">
             <a:avLst/>
           </a:prstGeom>
-          <a:ln>
-            <a:noFill/>
-          </a:ln>
-          <a:effectLst>
-            <a:softEdge rad="112500"/>
-          </a:effectLst>
         </p:spPr>
       </p:pic>
       <p:pic>
@@ -5963,15 +5894,12 @@
         </p:blipFill>
         <p:spPr>
           <a:xfrm>
-            <a:off x="3577909" y="4256599"/>
-            <a:ext cx="2377881" cy="2377881"/>
+            <a:off x="3597274" y="4257799"/>
+            <a:ext cx="2437200" cy="2437200"/>
           </a:xfrm>
           <a:prstGeom prst="rect">
             <a:avLst/>
           </a:prstGeom>
-          <a:effectLst>
-            <a:softEdge rad="63500"/>
-          </a:effectLst>
         </p:spPr>
       </p:pic>
       <p:pic>
@@ -6002,18 +5930,12 @@
         </p:blipFill>
         <p:spPr>
           <a:xfrm>
-            <a:off x="6202925" y="1279621"/>
-            <a:ext cx="5796000" cy="2901656"/>
+            <a:off x="6216845" y="1203613"/>
+            <a:ext cx="5767124" cy="2887200"/>
           </a:xfrm>
           <a:prstGeom prst="rect">
             <a:avLst/>
           </a:prstGeom>
-          <a:ln>
-            <a:noFill/>
-          </a:ln>
-          <a:effectLst>
-            <a:softEdge rad="112500"/>
-          </a:effectLst>
         </p:spPr>
       </p:pic>
       <p:pic>
@@ -6051,12 +5973,6 @@
           <a:prstGeom prst="rect">
             <a:avLst/>
           </a:prstGeom>
-          <a:ln>
-            <a:noFill/>
-          </a:ln>
-          <a:effectLst>
-            <a:softEdge rad="112500"/>
-          </a:effectLst>
           <a:extLst>
             <a:ext uri="{909E8E84-426E-40DD-AFC4-6F175D3DCCD1}">
               <a14:hiddenFill xmlns:a14="http://schemas.microsoft.com/office/drawing/2010/main">
@@ -6142,61 +6058,12 @@
           </a:p>
         </p:txBody>
       </p:sp>
-      <p:sp>
-        <p:nvSpPr>
-          <p:cNvPr id="9" name="Prostokąt 8">
+      <p:pic>
+        <p:nvPicPr>
+          <p:cNvPr id="4" name="Obraz 3" descr="Obraz zawierający monitor, ekran, telefon komórkowy, telefon&#10;&#10;Opis wygenerowany automatycznie">
             <a:extLst>
               <a:ext uri="{FF2B5EF4-FFF2-40B4-BE49-F238E27FC236}">
-                <a16:creationId xmlns:a16="http://schemas.microsoft.com/office/drawing/2014/main" id="{9E99AB34-FEAE-44CB-BC0D-276DA92DF6B6}"/>
-              </a:ext>
-            </a:extLst>
-          </p:cNvPr>
-          <p:cNvSpPr/>
-          <p:nvPr/>
-        </p:nvSpPr>
-        <p:spPr>
-          <a:xfrm>
-            <a:off x="2804160" y="1036320"/>
-            <a:ext cx="5852160" cy="5821680"/>
-          </a:xfrm>
-          <a:prstGeom prst="rect">
-            <a:avLst/>
-          </a:prstGeom>
-          <a:solidFill>
-            <a:srgbClr val="1B1B1C"/>
-          </a:solidFill>
-        </p:spPr>
-        <p:style>
-          <a:lnRef idx="2">
-            <a:schemeClr val="accent1">
-              <a:shade val="50000"/>
-            </a:schemeClr>
-          </a:lnRef>
-          <a:fillRef idx="1">
-            <a:schemeClr val="accent1"/>
-          </a:fillRef>
-          <a:effectRef idx="0">
-            <a:schemeClr val="accent1"/>
-          </a:effectRef>
-          <a:fontRef idx="minor">
-            <a:schemeClr val="lt1"/>
-          </a:fontRef>
-        </p:style>
-        <p:txBody>
-          <a:bodyPr rtlCol="0" anchor="ctr"/>
-          <a:lstStyle/>
-          <a:p>
-            <a:pPr algn="ctr"/>
-            <a:endParaRPr lang="pl-PL"/>
-          </a:p>
-        </p:txBody>
-      </p:sp>
-      <p:pic>
-        <p:nvPicPr>
-          <p:cNvPr id="7" name="Obraz 6">
-            <a:extLst>
-              <a:ext uri="{FF2B5EF4-FFF2-40B4-BE49-F238E27FC236}">
-                <a16:creationId xmlns:a16="http://schemas.microsoft.com/office/drawing/2014/main" id="{28C5CB69-4E2C-41FE-B7BC-232BC9AC789C}"/>
+                <a16:creationId xmlns:a16="http://schemas.microsoft.com/office/drawing/2014/main" id="{81BDD5D7-71B3-45ED-AE73-F971669C3880}"/>
               </a:ext>
             </a:extLst>
           </p:cNvPr>
@@ -6205,44 +6072,22 @@
           </p:cNvPicPr>
           <p:nvPr/>
         </p:nvPicPr>
-        <p:blipFill rotWithShape="1">
-          <a:blip r:embed="rId2"/>
-          <a:srcRect t="341" r="3629" b="50510"/>
-          <a:stretch/>
-        </p:blipFill>
-        <p:spPr>
-          <a:xfrm>
-            <a:off x="3159518" y="1153512"/>
-            <a:ext cx="2039741" cy="5500653"/>
-          </a:xfrm>
-          <a:prstGeom prst="rect">
-            <a:avLst/>
-          </a:prstGeom>
-        </p:spPr>
-      </p:pic>
-      <p:pic>
-        <p:nvPicPr>
-          <p:cNvPr id="8" name="Obraz 7">
+        <p:blipFill>
+          <a:blip r:embed="rId2">
             <a:extLst>
-              <a:ext uri="{FF2B5EF4-FFF2-40B4-BE49-F238E27FC236}">
-                <a16:creationId xmlns:a16="http://schemas.microsoft.com/office/drawing/2014/main" id="{C2616D54-9DD2-469E-BC18-80E0C061AA72}"/>
+              <a:ext uri="{28A0092B-C50C-407E-A947-70E740481C1C}">
+                <a14:useLocalDpi xmlns:a14="http://schemas.microsoft.com/office/drawing/2010/main" val="0"/>
               </a:ext>
             </a:extLst>
-          </p:cNvPr>
-          <p:cNvPicPr>
-            <a:picLocks noChangeAspect="1"/>
-          </p:cNvPicPr>
-          <p:nvPr/>
-        </p:nvPicPr>
-        <p:blipFill rotWithShape="1">
-          <a:blip r:embed="rId2"/>
-          <a:srcRect t="49361" r="3629" b="468"/>
-          <a:stretch/>
+          </a:blip>
+          <a:stretch>
+            <a:fillRect/>
+          </a:stretch>
         </p:blipFill>
         <p:spPr>
           <a:xfrm>
-            <a:off x="5907919" y="1113507"/>
-            <a:ext cx="2039741" cy="5614953"/>
+            <a:off x="3321558" y="1090040"/>
+            <a:ext cx="5548885" cy="5548885"/>
           </a:xfrm>
           <a:prstGeom prst="rect">
             <a:avLst/>
@@ -6329,10 +6174,10 @@
       </p:sp>
       <p:pic>
         <p:nvPicPr>
-          <p:cNvPr id="6" name="Obraz 5">
+          <p:cNvPr id="4" name="Obraz 3" descr="Obraz zawierający zrzut ekranu, monitor, ściana, ekran&#10;&#10;Opis wygenerowany automatycznie">
             <a:extLst>
               <a:ext uri="{FF2B5EF4-FFF2-40B4-BE49-F238E27FC236}">
-                <a16:creationId xmlns:a16="http://schemas.microsoft.com/office/drawing/2014/main" id="{4DB82628-A2FB-46E9-9851-91E926392CF9}"/>
+                <a16:creationId xmlns:a16="http://schemas.microsoft.com/office/drawing/2014/main" id="{F514D15D-812E-40E6-89FE-AD48CE329E18}"/>
               </a:ext>
             </a:extLst>
           </p:cNvPr>
@@ -6342,15 +6187,21 @@
           <p:nvPr/>
         </p:nvPicPr>
         <p:blipFill>
-          <a:blip r:embed="rId2"/>
+          <a:blip r:embed="rId2">
+            <a:extLst>
+              <a:ext uri="{28A0092B-C50C-407E-A947-70E740481C1C}">
+                <a14:useLocalDpi xmlns:a14="http://schemas.microsoft.com/office/drawing/2010/main" val="0"/>
+              </a:ext>
+            </a:extLst>
+          </a:blip>
           <a:stretch>
             <a:fillRect/>
           </a:stretch>
         </p:blipFill>
         <p:spPr>
           <a:xfrm>
-            <a:off x="240632" y="1195387"/>
-            <a:ext cx="11761503" cy="5046793"/>
+            <a:off x="0" y="1197357"/>
+            <a:ext cx="12192000" cy="5149086"/>
           </a:xfrm>
           <a:prstGeom prst="rect">
             <a:avLst/>
@@ -6435,12 +6286,91 @@
           </a:p>
         </p:txBody>
       </p:sp>
+      <p:sp>
+        <p:nvSpPr>
+          <p:cNvPr id="8" name="pole tekstowe 7">
+            <a:extLst>
+              <a:ext uri="{FF2B5EF4-FFF2-40B4-BE49-F238E27FC236}">
+                <a16:creationId xmlns:a16="http://schemas.microsoft.com/office/drawing/2014/main" id="{355319DE-DCEE-4374-A641-7A4E079D7E2E}"/>
+              </a:ext>
+            </a:extLst>
+          </p:cNvPr>
+          <p:cNvSpPr txBox="1"/>
+          <p:nvPr/>
+        </p:nvSpPr>
+        <p:spPr>
+          <a:xfrm>
+            <a:off x="8705850" y="1249680"/>
+            <a:ext cx="3554385" cy="3170099"/>
+          </a:xfrm>
+          <a:prstGeom prst="rect">
+            <a:avLst/>
+          </a:prstGeom>
+          <a:noFill/>
+        </p:spPr>
+        <p:txBody>
+          <a:bodyPr wrap="square" rtlCol="0">
+            <a:spAutoFit/>
+          </a:bodyPr>
+          <a:lstStyle/>
+          <a:p>
+            <a:r>
+              <a:rPr lang="pl-PL" sz="2000" b="1" dirty="0">
+                <a:latin typeface="Bahnschrift" panose="020B0502040204020203" pitchFamily="34" charset="0"/>
+              </a:rPr>
+              <a:t>Singleton</a:t>
+            </a:r>
+            <a:r>
+              <a:rPr lang="pl-PL" sz="2000" dirty="0">
+                <a:latin typeface="Bahnschrift" panose="020B0502040204020203" pitchFamily="34" charset="0"/>
+              </a:rPr>
+              <a:t> – kreacyjny wzorzec projektowy, użyty w celu jest ograniczenia możliwości tworzenia obiektów klasy </a:t>
+            </a:r>
+            <a:r>
+              <a:rPr lang="pl-PL" sz="2000" dirty="0" err="1">
+                <a:latin typeface="Bahnschrift" panose="020B0502040204020203" pitchFamily="34" charset="0"/>
+              </a:rPr>
+              <a:t>NLogLogger</a:t>
+            </a:r>
+            <a:r>
+              <a:rPr lang="pl-PL" sz="2000" dirty="0">
+                <a:latin typeface="Bahnschrift" panose="020B0502040204020203" pitchFamily="34" charset="0"/>
+              </a:rPr>
+              <a:t> do jednej instancji. </a:t>
+            </a:r>
+            <a:r>
+              <a:rPr lang="pl-PL" sz="2000" dirty="0" err="1">
+                <a:latin typeface="Bahnschrift" panose="020B0502040204020203" pitchFamily="34" charset="0"/>
+              </a:rPr>
+              <a:t>NLogLogger</a:t>
+            </a:r>
+            <a:r>
+              <a:rPr lang="pl-PL" sz="2000" dirty="0">
+                <a:latin typeface="Bahnschrift" panose="020B0502040204020203" pitchFamily="34" charset="0"/>
+              </a:rPr>
+              <a:t> jest klasą służąco do rejestrowania w bazie </a:t>
+            </a:r>
+            <a:r>
+              <a:rPr lang="pl-PL" sz="2000" dirty="0" err="1">
+                <a:latin typeface="Bahnschrift" panose="020B0502040204020203" pitchFamily="34" charset="0"/>
+              </a:rPr>
+              <a:t>zachowań</a:t>
+            </a:r>
+            <a:r>
+              <a:rPr lang="pl-PL" sz="2000" dirty="0">
+                <a:latin typeface="Bahnschrift" panose="020B0502040204020203" pitchFamily="34" charset="0"/>
+              </a:rPr>
+              <a:t>, operacji i ich rezultatów.</a:t>
+            </a:r>
+          </a:p>
+        </p:txBody>
+      </p:sp>
       <p:pic>
         <p:nvPicPr>
-          <p:cNvPr id="7" name="Obraz 6">
+          <p:cNvPr id="3" name="Obraz 2">
             <a:extLst>
               <a:ext uri="{FF2B5EF4-FFF2-40B4-BE49-F238E27FC236}">
-                <a16:creationId xmlns:a16="http://schemas.microsoft.com/office/drawing/2014/main" id="{8761FBCB-EC77-4FB6-9F8D-B54C7F74870A}"/>
+                <a16:creationId xmlns:a16="http://schemas.microsoft.com/office/drawing/2014/main" id="{32260D84-6F0F-4590-9B81-90E2E37FC987}"/>
               </a:ext>
             </a:extLst>
           </p:cNvPr>
@@ -6451,98 +6381,19 @@
         </p:nvPicPr>
         <p:blipFill rotWithShape="1">
           <a:blip r:embed="rId2"/>
-          <a:srcRect l="1897" r="1359"/>
+          <a:srcRect l="3311" t="5333" r="3302" b="5190"/>
           <a:stretch/>
         </p:blipFill>
         <p:spPr>
           <a:xfrm>
-            <a:off x="0" y="1112520"/>
-            <a:ext cx="9204960" cy="5333462"/>
+            <a:off x="240632" y="1335505"/>
+            <a:ext cx="8258176" cy="4762501"/>
           </a:xfrm>
           <a:prstGeom prst="rect">
             <a:avLst/>
           </a:prstGeom>
         </p:spPr>
       </p:pic>
-      <p:sp>
-        <p:nvSpPr>
-          <p:cNvPr id="8" name="pole tekstowe 7">
-            <a:extLst>
-              <a:ext uri="{FF2B5EF4-FFF2-40B4-BE49-F238E27FC236}">
-                <a16:creationId xmlns:a16="http://schemas.microsoft.com/office/drawing/2014/main" id="{355319DE-DCEE-4374-A641-7A4E079D7E2E}"/>
-              </a:ext>
-            </a:extLst>
-          </p:cNvPr>
-          <p:cNvSpPr txBox="1"/>
-          <p:nvPr/>
-        </p:nvSpPr>
-        <p:spPr>
-          <a:xfrm>
-            <a:off x="9204960" y="1249680"/>
-            <a:ext cx="3055275" cy="3477875"/>
-          </a:xfrm>
-          <a:prstGeom prst="rect">
-            <a:avLst/>
-          </a:prstGeom>
-          <a:noFill/>
-        </p:spPr>
-        <p:txBody>
-          <a:bodyPr wrap="square" rtlCol="0">
-            <a:spAutoFit/>
-          </a:bodyPr>
-          <a:lstStyle/>
-          <a:p>
-            <a:r>
-              <a:rPr lang="pl-PL" sz="2000" b="1" dirty="0">
-                <a:latin typeface="Bahnschrift" panose="020B0502040204020203" pitchFamily="34" charset="0"/>
-              </a:rPr>
-              <a:t>Singleton</a:t>
-            </a:r>
-            <a:r>
-              <a:rPr lang="pl-PL" sz="2000" dirty="0">
-                <a:latin typeface="Bahnschrift" panose="020B0502040204020203" pitchFamily="34" charset="0"/>
-              </a:rPr>
-              <a:t> – kreacyjny wzorzec projektowy, użyty w celu jest ograniczenia możliwości tworzenia obiektów klasy </a:t>
-            </a:r>
-            <a:r>
-              <a:rPr lang="pl-PL" sz="2000" dirty="0" err="1">
-                <a:latin typeface="Bahnschrift" panose="020B0502040204020203" pitchFamily="34" charset="0"/>
-              </a:rPr>
-              <a:t>NLogLogger</a:t>
-            </a:r>
-            <a:r>
-              <a:rPr lang="pl-PL" sz="2000" dirty="0">
-                <a:latin typeface="Bahnschrift" panose="020B0502040204020203" pitchFamily="34" charset="0"/>
-              </a:rPr>
-              <a:t> do jednej instancji. </a:t>
-            </a:r>
-            <a:r>
-              <a:rPr lang="pl-PL" sz="2000" dirty="0" err="1">
-                <a:latin typeface="Bahnschrift" panose="020B0502040204020203" pitchFamily="34" charset="0"/>
-              </a:rPr>
-              <a:t>NLogLogger</a:t>
-            </a:r>
-            <a:r>
-              <a:rPr lang="pl-PL" sz="2000" dirty="0">
-                <a:latin typeface="Bahnschrift" panose="020B0502040204020203" pitchFamily="34" charset="0"/>
-              </a:rPr>
-              <a:t> jest klasą służąco do rejestrowania w bazie </a:t>
-            </a:r>
-            <a:r>
-              <a:rPr lang="pl-PL" sz="2000" dirty="0" err="1">
-                <a:latin typeface="Bahnschrift" panose="020B0502040204020203" pitchFamily="34" charset="0"/>
-              </a:rPr>
-              <a:t>zachowań</a:t>
-            </a:r>
-            <a:r>
-              <a:rPr lang="pl-PL" sz="2000" dirty="0">
-                <a:latin typeface="Bahnschrift" panose="020B0502040204020203" pitchFamily="34" charset="0"/>
-              </a:rPr>
-              <a:t>, operacji i ich rezultatów.</a:t>
-            </a:r>
-          </a:p>
-        </p:txBody>
-      </p:sp>
     </p:spTree>
     <p:extLst>
       <p:ext uri="{BB962C8B-B14F-4D97-AF65-F5344CB8AC3E}">
@@ -6613,7 +6464,25 @@
               <a:rPr lang="pl-PL" b="1" cap="small" dirty="0">
                 <a:latin typeface="Bahnschrift" panose="020B0502040204020203" pitchFamily="34" charset="0"/>
               </a:rPr>
-              <a:t>Wzorzec #2 (strukturalny): Extension Object</a:t>
+              <a:t>Wzorzec #2 (kreacyjny): </a:t>
+            </a:r>
+            <a:r>
+              <a:rPr lang="pl-PL" b="1" cap="small" dirty="0" err="1">
+                <a:latin typeface="Bahnschrift" panose="020B0502040204020203" pitchFamily="34" charset="0"/>
+              </a:rPr>
+              <a:t>Dependency</a:t>
+            </a:r>
+            <a:r>
+              <a:rPr lang="pl-PL" b="1" cap="small" dirty="0">
+                <a:latin typeface="Bahnschrift" panose="020B0502040204020203" pitchFamily="34" charset="0"/>
+              </a:rPr>
+              <a:t> </a:t>
+            </a:r>
+            <a:r>
+              <a:rPr lang="pl-PL" b="1" cap="small" dirty="0" err="1">
+                <a:latin typeface="Bahnschrift" panose="020B0502040204020203" pitchFamily="34" charset="0"/>
+              </a:rPr>
+              <a:t>injection</a:t>
             </a:r>
             <a:endParaRPr lang="pl-PL" dirty="0">
               <a:latin typeface="Bahnschrift" panose="020B0502040204020203" pitchFamily="34" charset="0"/>
@@ -6626,7 +6495,7 @@
           <p:cNvPr id="4" name="Obraz 3">
             <a:extLst>
               <a:ext uri="{FF2B5EF4-FFF2-40B4-BE49-F238E27FC236}">
-                <a16:creationId xmlns:a16="http://schemas.microsoft.com/office/drawing/2014/main" id="{5365C23E-DEE5-4077-B0B9-4BAA6F9AA935}"/>
+                <a16:creationId xmlns:a16="http://schemas.microsoft.com/office/drawing/2014/main" id="{E0EC74C7-69D4-43AD-BAAB-42181BE75338}"/>
               </a:ext>
             </a:extLst>
           </p:cNvPr>
@@ -6635,63 +6504,25 @@
           </p:cNvPicPr>
           <p:nvPr/>
         </p:nvPicPr>
-        <p:blipFill>
+        <p:blipFill rotWithShape="1">
           <a:blip r:embed="rId2"/>
-          <a:stretch>
-            <a:fillRect/>
-          </a:stretch>
+          <a:srcRect l="2550" t="4675" r="2485" b="4166"/>
+          <a:stretch/>
         </p:blipFill>
         <p:spPr>
           <a:xfrm>
-            <a:off x="240632" y="1031557"/>
-            <a:ext cx="5174648" cy="5714276"/>
+            <a:off x="676955" y="1162050"/>
+            <a:ext cx="10838091" cy="5572126"/>
           </a:xfrm>
           <a:prstGeom prst="rect">
             <a:avLst/>
           </a:prstGeom>
         </p:spPr>
       </p:pic>
-      <p:sp>
-        <p:nvSpPr>
-          <p:cNvPr id="5" name="Prostokąt 4">
-            <a:extLst>
-              <a:ext uri="{FF2B5EF4-FFF2-40B4-BE49-F238E27FC236}">
-                <a16:creationId xmlns:a16="http://schemas.microsoft.com/office/drawing/2014/main" id="{FA59FDEB-701A-4E49-890A-C3DF4098889A}"/>
-              </a:ext>
-            </a:extLst>
-          </p:cNvPr>
-          <p:cNvSpPr/>
-          <p:nvPr/>
-        </p:nvSpPr>
-        <p:spPr>
-          <a:xfrm>
-            <a:off x="5501640" y="1137702"/>
-            <a:ext cx="6096000" cy="2677656"/>
-          </a:xfrm>
-          <a:prstGeom prst="rect">
-            <a:avLst/>
-          </a:prstGeom>
-        </p:spPr>
-        <p:txBody>
-          <a:bodyPr>
-            <a:spAutoFit/>
-          </a:bodyPr>
-          <a:lstStyle/>
-          <a:p>
-            <a:pPr algn="just"/>
-            <a:r>
-              <a:rPr lang="pl-PL" sz="2400" dirty="0">
-                <a:latin typeface="Bahnschrift" panose="020B0502040204020203" pitchFamily="34" charset="0"/>
-              </a:rPr>
-              <a:t>Wzorzec Extension Object został użyty w celu rozszerzenia istniejących klas, np. Object o dodatkowe funkcjonalności (metody). Zwykle klasa jest rozszerzana poprzez podklasę i dodawanie metod do klasy pochodnej. Obiekt rozszerzenia zapewnia rozszerzalność bez podklas.</a:t>
-            </a:r>
-          </a:p>
-        </p:txBody>
-      </p:sp>
     </p:spTree>
     <p:extLst>
       <p:ext uri="{BB962C8B-B14F-4D97-AF65-F5344CB8AC3E}">
-        <p14:creationId xmlns:p14="http://schemas.microsoft.com/office/powerpoint/2010/main" val="325794987"/>
+        <p14:creationId xmlns:p14="http://schemas.microsoft.com/office/powerpoint/2010/main" val="1311134251"/>
       </p:ext>
     </p:extLst>
   </p:cSld>
@@ -6758,19 +6589,25 @@
               <a:rPr lang="pl-PL" b="1" cap="small" dirty="0">
                 <a:latin typeface="Bahnschrift" panose="020B0502040204020203" pitchFamily="34" charset="0"/>
               </a:rPr>
-              <a:t>Wzorzec #3 (czynnościowy): </a:t>
+              <a:t>Wzorzec #2 (kreacyjny): </a:t>
             </a:r>
             <a:r>
               <a:rPr lang="pl-PL" b="1" cap="small" dirty="0" err="1">
                 <a:latin typeface="Bahnschrift" panose="020B0502040204020203" pitchFamily="34" charset="0"/>
               </a:rPr>
-              <a:t>Null</a:t>
+              <a:t>Dependency</a:t>
             </a:r>
             <a:r>
               <a:rPr lang="pl-PL" b="1" cap="small" dirty="0">
                 <a:latin typeface="Bahnschrift" panose="020B0502040204020203" pitchFamily="34" charset="0"/>
               </a:rPr>
-              <a:t> Object</a:t>
+              <a:t> </a:t>
+            </a:r>
+            <a:r>
+              <a:rPr lang="pl-PL" b="1" cap="small" dirty="0" err="1">
+                <a:latin typeface="Bahnschrift" panose="020B0502040204020203" pitchFamily="34" charset="0"/>
+              </a:rPr>
+              <a:t>injection</a:t>
             </a:r>
             <a:endParaRPr lang="pl-PL" dirty="0">
               <a:latin typeface="Bahnschrift" panose="020B0502040204020203" pitchFamily="34" charset="0"/>
@@ -6778,115 +6615,69 @@
           </a:p>
         </p:txBody>
       </p:sp>
-      <p:pic>
-        <p:nvPicPr>
-          <p:cNvPr id="3" name="Obraz 2">
+      <p:sp>
+        <p:nvSpPr>
+          <p:cNvPr id="4" name="Prostokąt 3">
             <a:extLst>
               <a:ext uri="{FF2B5EF4-FFF2-40B4-BE49-F238E27FC236}">
-                <a16:creationId xmlns:a16="http://schemas.microsoft.com/office/drawing/2014/main" id="{F8B570E6-6692-4B9D-8FB6-DEA5614EBF6F}"/>
+                <a16:creationId xmlns:a16="http://schemas.microsoft.com/office/drawing/2014/main" id="{FFB7BC19-8ACE-4A6D-8E95-150B88586298}"/>
               </a:ext>
             </a:extLst>
           </p:cNvPr>
-          <p:cNvPicPr>
-            <a:picLocks noChangeAspect="1"/>
-          </p:cNvPicPr>
+          <p:cNvSpPr/>
           <p:nvPr/>
-        </p:nvPicPr>
-        <p:blipFill>
-          <a:blip r:embed="rId2"/>
-          <a:stretch>
-            <a:fillRect/>
-          </a:stretch>
-        </p:blipFill>
-        <p:spPr>
-          <a:xfrm>
-            <a:off x="298132" y="1153477"/>
-            <a:ext cx="6103555" cy="4028123"/>
+        </p:nvSpPr>
+        <p:spPr>
+          <a:xfrm>
+            <a:off x="240632" y="1335505"/>
+            <a:ext cx="11710736" cy="3416320"/>
           </a:xfrm>
           <a:prstGeom prst="rect">
             <a:avLst/>
           </a:prstGeom>
         </p:spPr>
-      </p:pic>
-      <p:sp>
-        <p:nvSpPr>
-          <p:cNvPr id="5" name="pole tekstowe 4">
-            <a:extLst>
-              <a:ext uri="{FF2B5EF4-FFF2-40B4-BE49-F238E27FC236}">
-                <a16:creationId xmlns:a16="http://schemas.microsoft.com/office/drawing/2014/main" id="{D6E9AB14-AA6C-4AB6-913E-C93259215E9D}"/>
-              </a:ext>
-            </a:extLst>
-          </p:cNvPr>
-          <p:cNvSpPr txBox="1"/>
-          <p:nvPr/>
-        </p:nvSpPr>
-        <p:spPr>
-          <a:xfrm>
-            <a:off x="6683692" y="1242060"/>
-            <a:ext cx="5210176" cy="3477875"/>
-          </a:xfrm>
-          <a:prstGeom prst="rect">
-            <a:avLst/>
-          </a:prstGeom>
-          <a:noFill/>
-        </p:spPr>
-        <p:txBody>
-          <a:bodyPr wrap="square" rtlCol="0">
+        <p:txBody>
+          <a:bodyPr wrap="square">
             <a:spAutoFit/>
           </a:bodyPr>
           <a:lstStyle/>
           <a:p>
             <a:pPr algn="just"/>
             <a:r>
-              <a:rPr lang="pl-PL" sz="2000" dirty="0" err="1">
-                <a:latin typeface="Bahnschrift" panose="020B0502040204020203" pitchFamily="34" charset="0"/>
-              </a:rPr>
-              <a:t>Null</a:t>
-            </a:r>
-            <a:r>
-              <a:rPr lang="pl-PL" sz="2000" dirty="0">
-                <a:latin typeface="Bahnschrift" panose="020B0502040204020203" pitchFamily="34" charset="0"/>
-              </a:rPr>
-              <a:t> Object (Pusty obiekt) to czynnościowy wzorzec projektowy, użyty w celu realizacji braku obiektu – </a:t>
-            </a:r>
-            <a:r>
-              <a:rPr lang="pl-PL" sz="2000" dirty="0" err="1">
-                <a:latin typeface="Bahnschrift" panose="020B0502040204020203" pitchFamily="34" charset="0"/>
-              </a:rPr>
-              <a:t>Zdjecia</a:t>
-            </a:r>
-            <a:r>
-              <a:rPr lang="pl-PL" sz="2000" dirty="0">
-                <a:latin typeface="Bahnschrift" panose="020B0502040204020203" pitchFamily="34" charset="0"/>
-              </a:rPr>
-              <a:t> poprzez dostarczenie alternatywy, która oferuje domyślnie działanie puste, czyli niewykonujące żadnych operacji.</a:t>
-            </a:r>
-          </a:p>
-          <a:p>
-            <a:pPr algn="just"/>
-            <a:endParaRPr lang="pl-PL" sz="2000" dirty="0">
-              <a:latin typeface="Bahnschrift" panose="020B0502040204020203" pitchFamily="34" charset="0"/>
-            </a:endParaRPr>
-          </a:p>
-          <a:p>
-            <a:pPr algn="just"/>
-            <a:r>
-              <a:rPr lang="pl-PL" sz="2000" dirty="0">
-                <a:latin typeface="Bahnschrift" panose="020B0502040204020203" pitchFamily="34" charset="0"/>
-              </a:rPr>
-              <a:t>Wzorzec pusty obiekt umożliwi uniknięcie sprawdzenia, czy wartość jest różna od </a:t>
-            </a:r>
-            <a:r>
-              <a:rPr lang="pl-PL" sz="2000" dirty="0" err="1">
-                <a:latin typeface="Bahnschrift" panose="020B0502040204020203" pitchFamily="34" charset="0"/>
-              </a:rPr>
-              <a:t>null</a:t>
-            </a:r>
-            <a:r>
-              <a:rPr lang="pl-PL" sz="2000" dirty="0">
-                <a:latin typeface="Bahnschrift" panose="020B0502040204020203" pitchFamily="34" charset="0"/>
-              </a:rPr>
-              <a:t> przy zachowaniu zasad pełnej obiektowości (polimorfizm, abstrakcja, enkapsulacja). </a:t>
+              <a:rPr lang="pl-PL" sz="2400" dirty="0" err="1">
+                <a:latin typeface="Bahnschrift" panose="020B0502040204020203" pitchFamily="34" charset="0"/>
+              </a:rPr>
+              <a:t>Dependency</a:t>
+            </a:r>
+            <a:r>
+              <a:rPr lang="pl-PL" sz="2400" dirty="0">
+                <a:latin typeface="Bahnschrift" panose="020B0502040204020203" pitchFamily="34" charset="0"/>
+              </a:rPr>
+              <a:t> </a:t>
+            </a:r>
+            <a:r>
+              <a:rPr lang="pl-PL" sz="2400" dirty="0" err="1">
+                <a:latin typeface="Bahnschrift" panose="020B0502040204020203" pitchFamily="34" charset="0"/>
+              </a:rPr>
+              <a:t>Injection</a:t>
+            </a:r>
+            <a:r>
+              <a:rPr lang="pl-PL" sz="2400" dirty="0">
+                <a:latin typeface="Bahnschrift" panose="020B0502040204020203" pitchFamily="34" charset="0"/>
+              </a:rPr>
+              <a:t> (Wstrzykiwanie zależności) – wzorzec projektowy i wzorzec architektury oprogramowania zastosowany w projekcie w celu usunięcia bezpośrednich zależności pomiędzy komponentami na rzecz architektury typu plug-in. Polegać on będzie na przekazywaniu utworzonych instancji obiektów udostępniających swoje metody i właściwości obiektom, które z nich korzystają (np. jako parametry konstruktora). Wzorzec ten stanowi alternatywę do podejścia, gdzie obiekty tworzą instancję obiektów, z których korzystają np. we własnym konstruktorze. Dzięki takiemu podejściu kod tworzonej aplikacji opartej na </a:t>
+            </a:r>
+            <a:r>
+              <a:rPr lang="pl-PL" sz="2400" dirty="0" err="1">
+                <a:latin typeface="Bahnschrift" panose="020B0502040204020203" pitchFamily="34" charset="0"/>
+              </a:rPr>
+              <a:t>Entitiy</a:t>
+            </a:r>
+            <a:r>
+              <a:rPr lang="pl-PL" sz="2400" dirty="0">
+                <a:latin typeface="Bahnschrift" panose="020B0502040204020203" pitchFamily="34" charset="0"/>
+              </a:rPr>
+              <a:t> Framework będzie prostszy, bardziej zrozumiały i łatwiejszy do testowania. </a:t>
             </a:r>
           </a:p>
         </p:txBody>
@@ -6894,7 +6685,7 @@
     </p:spTree>
     <p:extLst>
       <p:ext uri="{BB962C8B-B14F-4D97-AF65-F5344CB8AC3E}">
-        <p14:creationId xmlns:p14="http://schemas.microsoft.com/office/powerpoint/2010/main" val="3914083711"/>
+        <p14:creationId xmlns:p14="http://schemas.microsoft.com/office/powerpoint/2010/main" val="343645575"/>
       </p:ext>
     </p:extLst>
   </p:cSld>
@@ -6961,35 +6752,211 @@
               <a:rPr lang="pl-PL" b="1" cap="small" dirty="0">
                 <a:latin typeface="Bahnschrift" panose="020B0502040204020203" pitchFamily="34" charset="0"/>
               </a:rPr>
-              <a:t>Wzorzec #4 (strukturalny): </a:t>
+              <a:t>Wzorzec #3 (kreacyjny): </a:t>
             </a:r>
             <a:r>
               <a:rPr lang="pl-PL" b="1" cap="small" dirty="0" err="1">
                 <a:latin typeface="Bahnschrift" panose="020B0502040204020203" pitchFamily="34" charset="0"/>
               </a:rPr>
-              <a:t>Private</a:t>
-            </a:r>
-            <a:r>
-              <a:rPr lang="pl-PL" b="1" cap="small" dirty="0">
-                <a:latin typeface="Bahnschrift" panose="020B0502040204020203" pitchFamily="34" charset="0"/>
-              </a:rPr>
-              <a:t> </a:t>
-            </a:r>
-            <a:r>
-              <a:rPr lang="pl-PL" b="1" cap="small" dirty="0" err="1">
-                <a:latin typeface="Bahnschrift" panose="020B0502040204020203" pitchFamily="34" charset="0"/>
-              </a:rPr>
-              <a:t>class</a:t>
-            </a:r>
-            <a:r>
-              <a:rPr lang="pl-PL" b="1" cap="small" dirty="0">
-                <a:latin typeface="Bahnschrift" panose="020B0502040204020203" pitchFamily="34" charset="0"/>
-              </a:rPr>
-              <a:t> data</a:t>
+              <a:t>Factory</a:t>
             </a:r>
             <a:endParaRPr lang="pl-PL" dirty="0">
               <a:latin typeface="Bahnschrift" panose="020B0502040204020203" pitchFamily="34" charset="0"/>
             </a:endParaRPr>
+          </a:p>
+        </p:txBody>
+      </p:sp>
+      <p:sp>
+        <p:nvSpPr>
+          <p:cNvPr id="5" name="Prostokąt 4">
+            <a:extLst>
+              <a:ext uri="{FF2B5EF4-FFF2-40B4-BE49-F238E27FC236}">
+                <a16:creationId xmlns:a16="http://schemas.microsoft.com/office/drawing/2014/main" id="{E3FB34D0-A8BA-4600-AC41-5D24E655E3F7}"/>
+              </a:ext>
+            </a:extLst>
+          </p:cNvPr>
+          <p:cNvSpPr/>
+          <p:nvPr/>
+        </p:nvSpPr>
+        <p:spPr>
+          <a:xfrm>
+            <a:off x="7640320" y="1100137"/>
+            <a:ext cx="4311048" cy="3170099"/>
+          </a:xfrm>
+          <a:prstGeom prst="rect">
+            <a:avLst/>
+          </a:prstGeom>
+        </p:spPr>
+        <p:txBody>
+          <a:bodyPr wrap="square">
+            <a:spAutoFit/>
+          </a:bodyPr>
+          <a:lstStyle/>
+          <a:p>
+            <a:pPr algn="just"/>
+            <a:r>
+              <a:rPr lang="pl-PL" sz="2000" dirty="0">
+                <a:latin typeface="Bahnschrift" panose="020B0502040204020203" pitchFamily="34" charset="0"/>
+              </a:rPr>
+              <a:t>Niektóre polecenia </a:t>
+            </a:r>
+            <a:r>
+              <a:rPr lang="pl-PL" sz="2000" dirty="0" err="1">
+                <a:latin typeface="Bahnschrift" panose="020B0502040204020203" pitchFamily="34" charset="0"/>
+              </a:rPr>
+              <a:t>Entitiy</a:t>
+            </a:r>
+            <a:r>
+              <a:rPr lang="pl-PL" sz="2000" dirty="0">
+                <a:latin typeface="Bahnschrift" panose="020B0502040204020203" pitchFamily="34" charset="0"/>
+              </a:rPr>
+              <a:t> Framework </a:t>
+            </a:r>
+            <a:r>
+              <a:rPr lang="pl-PL" sz="2000" dirty="0" err="1">
+                <a:latin typeface="Bahnschrift" panose="020B0502040204020203" pitchFamily="34" charset="0"/>
+              </a:rPr>
+              <a:t>Core</a:t>
+            </a:r>
+            <a:r>
+              <a:rPr lang="pl-PL" sz="2000" dirty="0">
+                <a:latin typeface="Bahnschrift" panose="020B0502040204020203" pitchFamily="34" charset="0"/>
+              </a:rPr>
+              <a:t> Tools (na przykład migracje poleceń) wymagają pochodnej </a:t>
+            </a:r>
+            <a:r>
+              <a:rPr lang="pl-PL" sz="2000" dirty="0" err="1">
+                <a:latin typeface="Bahnschrift" panose="020B0502040204020203" pitchFamily="34" charset="0"/>
+              </a:rPr>
+              <a:t>DbContext</a:t>
+            </a:r>
+            <a:r>
+              <a:rPr lang="pl-PL" sz="2000" dirty="0">
+                <a:latin typeface="Bahnschrift" panose="020B0502040204020203" pitchFamily="34" charset="0"/>
+              </a:rPr>
+              <a:t> wystąpienia, które ma zostać utworzone w czasie projektowania, aby można było zbierać szczegółowe informacje o aplikacji typy jednostek i sposobu mapowania ich na schemat bazy danych. </a:t>
+            </a:r>
+          </a:p>
+        </p:txBody>
+      </p:sp>
+      <p:sp>
+        <p:nvSpPr>
+          <p:cNvPr id="7" name="Prostokąt 6">
+            <a:extLst>
+              <a:ext uri="{FF2B5EF4-FFF2-40B4-BE49-F238E27FC236}">
+                <a16:creationId xmlns:a16="http://schemas.microsoft.com/office/drawing/2014/main" id="{F7DB99D8-9FB8-4BFA-A41F-6EF7CE6DFDEA}"/>
+              </a:ext>
+            </a:extLst>
+          </p:cNvPr>
+          <p:cNvSpPr/>
+          <p:nvPr/>
+        </p:nvSpPr>
+        <p:spPr>
+          <a:xfrm>
+            <a:off x="240632" y="4788367"/>
+            <a:ext cx="11710736" cy="1015663"/>
+          </a:xfrm>
+          <a:prstGeom prst="rect">
+            <a:avLst/>
+          </a:prstGeom>
+        </p:spPr>
+        <p:txBody>
+          <a:bodyPr wrap="square">
+            <a:spAutoFit/>
+          </a:bodyPr>
+          <a:lstStyle/>
+          <a:p>
+            <a:pPr algn="just"/>
+            <a:r>
+              <a:rPr lang="pl-PL" sz="2000" dirty="0">
+                <a:latin typeface="Bahnschrift" panose="020B0502040204020203" pitchFamily="34" charset="0"/>
+              </a:rPr>
+              <a:t>Narzędzie EF </a:t>
+            </a:r>
+            <a:r>
+              <a:rPr lang="pl-PL" sz="2000" dirty="0" err="1">
+                <a:latin typeface="Bahnschrift" panose="020B0502040204020203" pitchFamily="34" charset="0"/>
+              </a:rPr>
+              <a:t>Core</a:t>
+            </a:r>
+            <a:r>
+              <a:rPr lang="pl-PL" sz="2000" dirty="0">
+                <a:latin typeface="Bahnschrift" panose="020B0502040204020203" pitchFamily="34" charset="0"/>
+              </a:rPr>
+              <a:t> Tools można poinformować o sposobie tworzenia usługi </a:t>
+            </a:r>
+            <a:r>
+              <a:rPr lang="pl-PL" sz="2000" dirty="0" err="1">
+                <a:latin typeface="Bahnschrift" panose="020B0502040204020203" pitchFamily="34" charset="0"/>
+              </a:rPr>
+              <a:t>DbContext</a:t>
+            </a:r>
+            <a:r>
+              <a:rPr lang="pl-PL" sz="2000" dirty="0">
+                <a:latin typeface="Bahnschrift" panose="020B0502040204020203" pitchFamily="34" charset="0"/>
+              </a:rPr>
+              <a:t> implementując interfejs </a:t>
+            </a:r>
+            <a:r>
+              <a:rPr lang="pl-PL" sz="2000" dirty="0" err="1">
+                <a:latin typeface="Bahnschrift" panose="020B0502040204020203" pitchFamily="34" charset="0"/>
+              </a:rPr>
+              <a:t>IDesignTimeDbContextFactory</a:t>
+            </a:r>
+            <a:r>
+              <a:rPr lang="pl-PL" sz="2000" dirty="0">
+                <a:latin typeface="Bahnschrift" panose="020B0502040204020203" pitchFamily="34" charset="0"/>
+              </a:rPr>
+              <a:t>&lt;</a:t>
+            </a:r>
+            <a:r>
+              <a:rPr lang="pl-PL" sz="2000" dirty="0" err="1">
+                <a:latin typeface="Bahnschrift" panose="020B0502040204020203" pitchFamily="34" charset="0"/>
+              </a:rPr>
+              <a:t>TContext</a:t>
+            </a:r>
+            <a:r>
+              <a:rPr lang="pl-PL" sz="2000" dirty="0">
+                <a:latin typeface="Bahnschrift" panose="020B0502040204020203" pitchFamily="34" charset="0"/>
+              </a:rPr>
+              <a:t>&gt;. </a:t>
+            </a:r>
+            <a:r>
+              <a:rPr lang="pl-PL" sz="2000" dirty="0" err="1">
+                <a:latin typeface="Bahnschrift" panose="020B0502040204020203" pitchFamily="34" charset="0"/>
+              </a:rPr>
+              <a:t>Podsumowująć</a:t>
+            </a:r>
+            <a:r>
+              <a:rPr lang="pl-PL" sz="2000" dirty="0">
+                <a:latin typeface="Bahnschrift" panose="020B0502040204020203" pitchFamily="34" charset="0"/>
+              </a:rPr>
+              <a:t> </a:t>
+            </a:r>
+            <a:r>
+              <a:rPr lang="pl-PL" sz="2000" dirty="0" err="1">
+                <a:latin typeface="Bahnschrift" panose="020B0502040204020203" pitchFamily="34" charset="0"/>
+              </a:rPr>
+              <a:t>wzorzez</a:t>
+            </a:r>
+            <a:r>
+              <a:rPr lang="pl-PL" sz="2000" dirty="0">
+                <a:latin typeface="Bahnschrift" panose="020B0502040204020203" pitchFamily="34" charset="0"/>
+              </a:rPr>
+              <a:t> </a:t>
+            </a:r>
+            <a:r>
+              <a:rPr lang="pl-PL" sz="2000" dirty="0" err="1">
+                <a:latin typeface="Bahnschrift" panose="020B0502040204020203" pitchFamily="34" charset="0"/>
+              </a:rPr>
+              <a:t>Factory</a:t>
+            </a:r>
+            <a:r>
+              <a:rPr lang="pl-PL" sz="2000" dirty="0">
+                <a:latin typeface="Bahnschrift" panose="020B0502040204020203" pitchFamily="34" charset="0"/>
+              </a:rPr>
+              <a:t> (Fabryki) użyty zostanie w celu realizacji połączenia z bazą podczas tworzenia migracji.</a:t>
+            </a:r>
           </a:p>
         </p:txBody>
       </p:sp>
@@ -6998,7 +6965,7 @@
           <p:cNvPr id="4" name="Obraz 3">
             <a:extLst>
               <a:ext uri="{FF2B5EF4-FFF2-40B4-BE49-F238E27FC236}">
-                <a16:creationId xmlns:a16="http://schemas.microsoft.com/office/drawing/2014/main" id="{CB60F8A3-C689-49D6-ABD6-BCE582A461C0}"/>
+                <a16:creationId xmlns:a16="http://schemas.microsoft.com/office/drawing/2014/main" id="{4F87BDEF-8171-42CB-B2EF-E898FEB4D36A}"/>
               </a:ext>
             </a:extLst>
           </p:cNvPr>
@@ -7007,88 +6974,25 @@
           </p:cNvPicPr>
           <p:nvPr/>
         </p:nvPicPr>
-        <p:blipFill>
+        <p:blipFill rotWithShape="1">
           <a:blip r:embed="rId2"/>
-          <a:stretch>
-            <a:fillRect/>
-          </a:stretch>
+          <a:srcRect l="4721" t="9834" r="4687" b="9834"/>
+          <a:stretch/>
         </p:blipFill>
         <p:spPr>
           <a:xfrm>
-            <a:off x="240632" y="1035672"/>
-            <a:ext cx="6875699" cy="5812385"/>
+            <a:off x="333375" y="1190626"/>
+            <a:ext cx="7157438" cy="3079610"/>
           </a:xfrm>
           <a:prstGeom prst="rect">
             <a:avLst/>
           </a:prstGeom>
         </p:spPr>
       </p:pic>
-      <p:sp>
-        <p:nvSpPr>
-          <p:cNvPr id="5" name="pole tekstowe 4">
-            <a:extLst>
-              <a:ext uri="{FF2B5EF4-FFF2-40B4-BE49-F238E27FC236}">
-                <a16:creationId xmlns:a16="http://schemas.microsoft.com/office/drawing/2014/main" id="{69AC398E-6DE0-4251-B972-11A6AF22D280}"/>
-              </a:ext>
-            </a:extLst>
-          </p:cNvPr>
-          <p:cNvSpPr txBox="1"/>
-          <p:nvPr/>
-        </p:nvSpPr>
-        <p:spPr>
-          <a:xfrm>
-            <a:off x="7246620" y="1120140"/>
-            <a:ext cx="4704748" cy="4708981"/>
-          </a:xfrm>
-          <a:prstGeom prst="rect">
-            <a:avLst/>
-          </a:prstGeom>
-          <a:noFill/>
-        </p:spPr>
-        <p:txBody>
-          <a:bodyPr wrap="square" rtlCol="0">
-            <a:spAutoFit/>
-          </a:bodyPr>
-          <a:lstStyle/>
-          <a:p>
-            <a:pPr algn="just"/>
-            <a:r>
-              <a:rPr lang="pl-PL" sz="2000" dirty="0">
-                <a:latin typeface="Bahnschrift" panose="020B0502040204020203" pitchFamily="34" charset="0"/>
-              </a:rPr>
-              <a:t>Wzorzec </a:t>
-            </a:r>
-            <a:r>
-              <a:rPr lang="pl-PL" sz="2000" dirty="0" err="1">
-                <a:latin typeface="Bahnschrift" panose="020B0502040204020203" pitchFamily="34" charset="0"/>
-              </a:rPr>
-              <a:t>Private</a:t>
-            </a:r>
-            <a:r>
-              <a:rPr lang="pl-PL" sz="2000" dirty="0">
-                <a:latin typeface="Bahnschrift" panose="020B0502040204020203" pitchFamily="34" charset="0"/>
-              </a:rPr>
-              <a:t> </a:t>
-            </a:r>
-            <a:r>
-              <a:rPr lang="pl-PL" sz="2000" dirty="0" err="1">
-                <a:latin typeface="Bahnschrift" panose="020B0502040204020203" pitchFamily="34" charset="0"/>
-              </a:rPr>
-              <a:t>class</a:t>
-            </a:r>
-            <a:r>
-              <a:rPr lang="pl-PL" sz="2000" dirty="0">
-                <a:latin typeface="Bahnschrift" panose="020B0502040204020203" pitchFamily="34" charset="0"/>
-              </a:rPr>
-              <a:t> data rozwiązuje w projekcie problem jaki klasa może mieć, dotyczący ochrony stanu obiektu, w którym nie można zadeklarować finału. Działanie tego wzorca polega na usunięciu ekspozycji danych przez zabezpieczenie jej w klasie utrzymującej stan danych. W rezultacie oddzielamy dane od tych metod, które go używają, a tym samym tworzymy kolejną warstwę separacji od kontrolerów, którzy mają relacje danymi tworzonego obiektu. W skrócie, wzorzec umożliwi w kontrolerach inicjowanie danych należących do klas modeli.</a:t>
-            </a:r>
-          </a:p>
-        </p:txBody>
-      </p:sp>
     </p:spTree>
     <p:extLst>
       <p:ext uri="{BB962C8B-B14F-4D97-AF65-F5344CB8AC3E}">
-        <p14:creationId xmlns:p14="http://schemas.microsoft.com/office/powerpoint/2010/main" val="3889168317"/>
+        <p14:creationId xmlns:p14="http://schemas.microsoft.com/office/powerpoint/2010/main" val="326406622"/>
       </p:ext>
     </p:extLst>
   </p:cSld>

--- a/Documentation - PL/ZTP Dokumentation.pptx
+++ b/Documentation - PL/ZTP Dokumentation.pptx
@@ -27,6 +27,10 @@
     <p:sldId id="269" r:id="rId21"/>
     <p:sldId id="270" r:id="rId22"/>
     <p:sldId id="277" r:id="rId23"/>
+    <p:sldId id="279" r:id="rId24"/>
+    <p:sldId id="280" r:id="rId25"/>
+    <p:sldId id="281" r:id="rId26"/>
+    <p:sldId id="282" r:id="rId27"/>
   </p:sldIdLst>
   <p:sldSz cx="12192000" cy="6858000"/>
   <p:notesSz cx="6858000" cy="9144000"/>
@@ -5766,6 +5770,544 @@
 </p:sld>
 </file>
 
+<file path=ppt/slides/slide23.xml><?xml version="1.0" encoding="utf-8"?>
+<p:sld xmlns:a="http://schemas.openxmlformats.org/drawingml/2006/main" xmlns:r="http://schemas.openxmlformats.org/officeDocument/2006/relationships" xmlns:p="http://schemas.openxmlformats.org/presentationml/2006/main">
+  <p:cSld>
+    <p:bg>
+      <p:bgPr>
+        <a:solidFill>
+          <a:schemeClr val="bg1">
+            <a:lumMod val="85000"/>
+          </a:schemeClr>
+        </a:solidFill>
+        <a:effectLst/>
+      </p:bgPr>
+    </p:bg>
+    <p:spTree>
+      <p:nvGrpSpPr>
+        <p:cNvPr id="1" name=""/>
+        <p:cNvGrpSpPr/>
+        <p:nvPr/>
+      </p:nvGrpSpPr>
+      <p:grpSpPr>
+        <a:xfrm>
+          <a:off x="0" y="0"/>
+          <a:ext cx="0" cy="0"/>
+          <a:chOff x="0" y="0"/>
+          <a:chExt cx="0" cy="0"/>
+        </a:xfrm>
+      </p:grpSpPr>
+      <p:pic>
+        <p:nvPicPr>
+          <p:cNvPr id="6" name="Obraz 5" descr="Obraz zawierający zrzut ekranu&#10;&#10;Opis wygenerowany automatycznie">
+            <a:extLst>
+              <a:ext uri="{FF2B5EF4-FFF2-40B4-BE49-F238E27FC236}">
+                <a16:creationId xmlns:a16="http://schemas.microsoft.com/office/drawing/2014/main" id="{70449BFF-CFFC-44B4-97E8-F7101D47FB39}"/>
+              </a:ext>
+            </a:extLst>
+          </p:cNvPr>
+          <p:cNvPicPr>
+            <a:picLocks noChangeAspect="1"/>
+          </p:cNvPicPr>
+          <p:nvPr/>
+        </p:nvPicPr>
+        <p:blipFill>
+          <a:blip r:embed="rId2">
+            <a:extLst>
+              <a:ext uri="{28A0092B-C50C-407E-A947-70E740481C1C}">
+                <a14:useLocalDpi xmlns:a14="http://schemas.microsoft.com/office/drawing/2010/main" val="0"/>
+              </a:ext>
+            </a:extLst>
+          </a:blip>
+          <a:stretch>
+            <a:fillRect/>
+          </a:stretch>
+        </p:blipFill>
+        <p:spPr>
+          <a:xfrm>
+            <a:off x="0" y="0"/>
+            <a:ext cx="12192000" cy="6858000"/>
+          </a:xfrm>
+          <a:prstGeom prst="rect">
+            <a:avLst/>
+          </a:prstGeom>
+        </p:spPr>
+      </p:pic>
+      <p:sp>
+        <p:nvSpPr>
+          <p:cNvPr id="2" name="Tytuł 1">
+            <a:extLst>
+              <a:ext uri="{FF2B5EF4-FFF2-40B4-BE49-F238E27FC236}">
+                <a16:creationId xmlns:a16="http://schemas.microsoft.com/office/drawing/2014/main" id="{259D5117-EECA-4EB8-90C9-0050BF673144}"/>
+              </a:ext>
+            </a:extLst>
+          </p:cNvPr>
+          <p:cNvSpPr>
+            <a:spLocks noGrp="1"/>
+          </p:cNvSpPr>
+          <p:nvPr>
+            <p:ph type="title"/>
+          </p:nvPr>
+        </p:nvSpPr>
+        <p:spPr>
+          <a:xfrm>
+            <a:off x="0" y="6367201"/>
+            <a:ext cx="6569471" cy="582240"/>
+          </a:xfrm>
+        </p:spPr>
+        <p:txBody>
+          <a:bodyPr>
+            <a:noAutofit/>
+          </a:bodyPr>
+          <a:lstStyle/>
+          <a:p>
+            <a:r>
+              <a:rPr lang="pl-PL" sz="2400" b="1" cap="small" dirty="0">
+                <a:latin typeface="Bahnschrift" panose="020B0502040204020203" pitchFamily="34" charset="0"/>
+              </a:rPr>
+              <a:t>Diagram klas: </a:t>
+            </a:r>
+            <a:r>
+              <a:rPr lang="pl-PL" sz="2400" b="1" cap="small" dirty="0" err="1">
+                <a:latin typeface="Bahnschrift" panose="020B0502040204020203" pitchFamily="34" charset="0"/>
+              </a:rPr>
+              <a:t>MusicPlayer.Core</a:t>
+            </a:r>
+            <a:endParaRPr lang="pl-PL" sz="2400" dirty="0">
+              <a:latin typeface="Bahnschrift" panose="020B0502040204020203" pitchFamily="34" charset="0"/>
+            </a:endParaRPr>
+          </a:p>
+        </p:txBody>
+      </p:sp>
+    </p:spTree>
+    <p:extLst>
+      <p:ext uri="{BB962C8B-B14F-4D97-AF65-F5344CB8AC3E}">
+        <p14:creationId xmlns:p14="http://schemas.microsoft.com/office/powerpoint/2010/main" val="3722233892"/>
+      </p:ext>
+    </p:extLst>
+  </p:cSld>
+  <p:clrMapOvr>
+    <a:masterClrMapping/>
+  </p:clrMapOvr>
+</p:sld>
+</file>
+
+<file path=ppt/slides/slide24.xml><?xml version="1.0" encoding="utf-8"?>
+<p:sld xmlns:a="http://schemas.openxmlformats.org/drawingml/2006/main" xmlns:r="http://schemas.openxmlformats.org/officeDocument/2006/relationships" xmlns:p="http://schemas.openxmlformats.org/presentationml/2006/main">
+  <p:cSld>
+    <p:bg>
+      <p:bgPr>
+        <a:solidFill>
+          <a:schemeClr val="bg1">
+            <a:lumMod val="85000"/>
+          </a:schemeClr>
+        </a:solidFill>
+        <a:effectLst/>
+      </p:bgPr>
+    </p:bg>
+    <p:spTree>
+      <p:nvGrpSpPr>
+        <p:cNvPr id="1" name=""/>
+        <p:cNvGrpSpPr/>
+        <p:nvPr/>
+      </p:nvGrpSpPr>
+      <p:grpSpPr>
+        <a:xfrm>
+          <a:off x="0" y="0"/>
+          <a:ext cx="0" cy="0"/>
+          <a:chOff x="0" y="0"/>
+          <a:chExt cx="0" cy="0"/>
+        </a:xfrm>
+      </p:grpSpPr>
+      <p:pic>
+        <p:nvPicPr>
+          <p:cNvPr id="4" name="Obraz 3" descr="Obraz zawierający zrzut ekranu, wewnątrz&#10;&#10;Opis wygenerowany automatycznie">
+            <a:extLst>
+              <a:ext uri="{FF2B5EF4-FFF2-40B4-BE49-F238E27FC236}">
+                <a16:creationId xmlns:a16="http://schemas.microsoft.com/office/drawing/2014/main" id="{DB9DF6C9-0983-426C-B7C7-9685CF9AE640}"/>
+              </a:ext>
+            </a:extLst>
+          </p:cNvPr>
+          <p:cNvPicPr>
+            <a:picLocks noChangeAspect="1"/>
+          </p:cNvPicPr>
+          <p:nvPr/>
+        </p:nvPicPr>
+        <p:blipFill>
+          <a:blip r:embed="rId2">
+            <a:extLst>
+              <a:ext uri="{28A0092B-C50C-407E-A947-70E740481C1C}">
+                <a14:useLocalDpi xmlns:a14="http://schemas.microsoft.com/office/drawing/2010/main" val="0"/>
+              </a:ext>
+            </a:extLst>
+          </a:blip>
+          <a:stretch>
+            <a:fillRect/>
+          </a:stretch>
+        </p:blipFill>
+        <p:spPr>
+          <a:xfrm>
+            <a:off x="0" y="0"/>
+            <a:ext cx="12192000" cy="6858000"/>
+          </a:xfrm>
+          <a:prstGeom prst="rect">
+            <a:avLst/>
+          </a:prstGeom>
+        </p:spPr>
+      </p:pic>
+      <p:sp>
+        <p:nvSpPr>
+          <p:cNvPr id="2" name="Tytuł 1">
+            <a:extLst>
+              <a:ext uri="{FF2B5EF4-FFF2-40B4-BE49-F238E27FC236}">
+                <a16:creationId xmlns:a16="http://schemas.microsoft.com/office/drawing/2014/main" id="{259D5117-EECA-4EB8-90C9-0050BF673144}"/>
+              </a:ext>
+            </a:extLst>
+          </p:cNvPr>
+          <p:cNvSpPr>
+            <a:spLocks noGrp="1"/>
+          </p:cNvSpPr>
+          <p:nvPr>
+            <p:ph type="title"/>
+          </p:nvPr>
+        </p:nvSpPr>
+        <p:spPr>
+          <a:xfrm>
+            <a:off x="7515497" y="6275760"/>
+            <a:ext cx="4452363" cy="582240"/>
+          </a:xfrm>
+        </p:spPr>
+        <p:txBody>
+          <a:bodyPr>
+            <a:noAutofit/>
+          </a:bodyPr>
+          <a:lstStyle/>
+          <a:p>
+            <a:r>
+              <a:rPr lang="pl-PL" sz="2400" b="1" cap="small" dirty="0">
+                <a:latin typeface="Bahnschrift" panose="020B0502040204020203" pitchFamily="34" charset="0"/>
+              </a:rPr>
+              <a:t>Diagram klas: </a:t>
+            </a:r>
+            <a:r>
+              <a:rPr lang="pl-PL" sz="2400" b="1" cap="small" dirty="0" err="1">
+                <a:latin typeface="Bahnschrift" panose="020B0502040204020203" pitchFamily="34" charset="0"/>
+              </a:rPr>
+              <a:t>MusicPlayer.Data</a:t>
+            </a:r>
+            <a:endParaRPr lang="pl-PL" sz="2400" dirty="0">
+              <a:latin typeface="Bahnschrift" panose="020B0502040204020203" pitchFamily="34" charset="0"/>
+            </a:endParaRPr>
+          </a:p>
+        </p:txBody>
+      </p:sp>
+    </p:spTree>
+    <p:extLst>
+      <p:ext uri="{BB962C8B-B14F-4D97-AF65-F5344CB8AC3E}">
+        <p14:creationId xmlns:p14="http://schemas.microsoft.com/office/powerpoint/2010/main" val="1832664017"/>
+      </p:ext>
+    </p:extLst>
+  </p:cSld>
+  <p:clrMapOvr>
+    <a:masterClrMapping/>
+  </p:clrMapOvr>
+</p:sld>
+</file>
+
+<file path=ppt/slides/slide25.xml><?xml version="1.0" encoding="utf-8"?>
+<p:sld xmlns:a="http://schemas.openxmlformats.org/drawingml/2006/main" xmlns:r="http://schemas.openxmlformats.org/officeDocument/2006/relationships" xmlns:p="http://schemas.openxmlformats.org/presentationml/2006/main">
+  <p:cSld>
+    <p:bg>
+      <p:bgPr>
+        <a:solidFill>
+          <a:schemeClr val="bg1">
+            <a:lumMod val="85000"/>
+          </a:schemeClr>
+        </a:solidFill>
+        <a:effectLst/>
+      </p:bgPr>
+    </p:bg>
+    <p:spTree>
+      <p:nvGrpSpPr>
+        <p:cNvPr id="1" name=""/>
+        <p:cNvGrpSpPr/>
+        <p:nvPr/>
+      </p:nvGrpSpPr>
+      <p:grpSpPr>
+        <a:xfrm>
+          <a:off x="0" y="0"/>
+          <a:ext cx="0" cy="0"/>
+          <a:chOff x="0" y="0"/>
+          <a:chExt cx="0" cy="0"/>
+        </a:xfrm>
+      </p:grpSpPr>
+      <p:pic>
+        <p:nvPicPr>
+          <p:cNvPr id="4" name="Obraz 3" descr="Obraz zawierający zrzut ekranu, niebo, wewnątrz, komputer&#10;&#10;Opis wygenerowany automatycznie">
+            <a:extLst>
+              <a:ext uri="{FF2B5EF4-FFF2-40B4-BE49-F238E27FC236}">
+                <a16:creationId xmlns:a16="http://schemas.microsoft.com/office/drawing/2014/main" id="{79A8D056-786D-4712-9CB4-1D15A2FA67FF}"/>
+              </a:ext>
+            </a:extLst>
+          </p:cNvPr>
+          <p:cNvPicPr>
+            <a:picLocks noChangeAspect="1"/>
+          </p:cNvPicPr>
+          <p:nvPr/>
+        </p:nvPicPr>
+        <p:blipFill>
+          <a:blip r:embed="rId2">
+            <a:extLst>
+              <a:ext uri="{28A0092B-C50C-407E-A947-70E740481C1C}">
+                <a14:useLocalDpi xmlns:a14="http://schemas.microsoft.com/office/drawing/2010/main" val="0"/>
+              </a:ext>
+            </a:extLst>
+          </a:blip>
+          <a:stretch>
+            <a:fillRect/>
+          </a:stretch>
+        </p:blipFill>
+        <p:spPr>
+          <a:xfrm>
+            <a:off x="0" y="0"/>
+            <a:ext cx="12192000" cy="6858000"/>
+          </a:xfrm>
+          <a:prstGeom prst="rect">
+            <a:avLst/>
+          </a:prstGeom>
+        </p:spPr>
+      </p:pic>
+      <p:sp>
+        <p:nvSpPr>
+          <p:cNvPr id="2" name="Tytuł 1">
+            <a:extLst>
+              <a:ext uri="{FF2B5EF4-FFF2-40B4-BE49-F238E27FC236}">
+                <a16:creationId xmlns:a16="http://schemas.microsoft.com/office/drawing/2014/main" id="{259D5117-EECA-4EB8-90C9-0050BF673144}"/>
+              </a:ext>
+            </a:extLst>
+          </p:cNvPr>
+          <p:cNvSpPr>
+            <a:spLocks noGrp="1"/>
+          </p:cNvSpPr>
+          <p:nvPr>
+            <p:ph type="title"/>
+          </p:nvPr>
+        </p:nvSpPr>
+        <p:spPr>
+          <a:xfrm>
+            <a:off x="6740435" y="6275760"/>
+            <a:ext cx="5451566" cy="582240"/>
+          </a:xfrm>
+        </p:spPr>
+        <p:txBody>
+          <a:bodyPr>
+            <a:noAutofit/>
+          </a:bodyPr>
+          <a:lstStyle/>
+          <a:p>
+            <a:r>
+              <a:rPr lang="pl-PL" sz="2400" b="1" cap="small" dirty="0">
+                <a:latin typeface="Bahnschrift" panose="020B0502040204020203" pitchFamily="34" charset="0"/>
+              </a:rPr>
+              <a:t>Diagram klas: </a:t>
+            </a:r>
+            <a:r>
+              <a:rPr lang="pl-PL" sz="2400" b="1" cap="small" dirty="0" err="1">
+                <a:latin typeface="Bahnschrift" panose="020B0502040204020203" pitchFamily="34" charset="0"/>
+              </a:rPr>
+              <a:t>MusicPlayer.UWP</a:t>
+            </a:r>
+            <a:r>
+              <a:rPr lang="pl-PL" sz="2400" b="1" cap="small" dirty="0">
+                <a:latin typeface="Bahnschrift" panose="020B0502040204020203" pitchFamily="34" charset="0"/>
+              </a:rPr>
+              <a:t> cześć 1</a:t>
+            </a:r>
+            <a:endParaRPr lang="pl-PL" sz="2400" dirty="0">
+              <a:latin typeface="Bahnschrift" panose="020B0502040204020203" pitchFamily="34" charset="0"/>
+            </a:endParaRPr>
+          </a:p>
+        </p:txBody>
+      </p:sp>
+    </p:spTree>
+    <p:extLst>
+      <p:ext uri="{BB962C8B-B14F-4D97-AF65-F5344CB8AC3E}">
+        <p14:creationId xmlns:p14="http://schemas.microsoft.com/office/powerpoint/2010/main" val="3303045272"/>
+      </p:ext>
+    </p:extLst>
+  </p:cSld>
+  <p:clrMapOvr>
+    <a:masterClrMapping/>
+  </p:clrMapOvr>
+</p:sld>
+</file>
+
+<file path=ppt/slides/slide26.xml><?xml version="1.0" encoding="utf-8"?>
+<p:sld xmlns:a="http://schemas.openxmlformats.org/drawingml/2006/main" xmlns:r="http://schemas.openxmlformats.org/officeDocument/2006/relationships" xmlns:p="http://schemas.openxmlformats.org/presentationml/2006/main">
+  <p:cSld>
+    <p:spTree>
+      <p:nvGrpSpPr>
+        <p:cNvPr id="1" name=""/>
+        <p:cNvGrpSpPr/>
+        <p:nvPr/>
+      </p:nvGrpSpPr>
+      <p:grpSpPr>
+        <a:xfrm>
+          <a:off x="0" y="0"/>
+          <a:ext cx="0" cy="0"/>
+          <a:chOff x="0" y="0"/>
+          <a:chExt cx="0" cy="0"/>
+        </a:xfrm>
+      </p:grpSpPr>
+      <p:pic>
+        <p:nvPicPr>
+          <p:cNvPr id="5" name="Obraz 4" descr="Obraz zawierający zrzut ekranu&#10;&#10;Opis wygenerowany automatycznie">
+            <a:extLst>
+              <a:ext uri="{FF2B5EF4-FFF2-40B4-BE49-F238E27FC236}">
+                <a16:creationId xmlns:a16="http://schemas.microsoft.com/office/drawing/2014/main" id="{943EFB32-439C-4DF8-8242-98F134E8AE2A}"/>
+              </a:ext>
+            </a:extLst>
+          </p:cNvPr>
+          <p:cNvPicPr>
+            <a:picLocks noChangeAspect="1"/>
+          </p:cNvPicPr>
+          <p:nvPr/>
+        </p:nvPicPr>
+        <p:blipFill>
+          <a:blip r:embed="rId2">
+            <a:extLst>
+              <a:ext uri="{28A0092B-C50C-407E-A947-70E740481C1C}">
+                <a14:useLocalDpi xmlns:a14="http://schemas.microsoft.com/office/drawing/2010/main" val="0"/>
+              </a:ext>
+            </a:extLst>
+          </a:blip>
+          <a:stretch>
+            <a:fillRect/>
+          </a:stretch>
+        </p:blipFill>
+        <p:spPr>
+          <a:xfrm>
+            <a:off x="278674" y="0"/>
+            <a:ext cx="8146243" cy="6858000"/>
+          </a:xfrm>
+          <a:prstGeom prst="rect">
+            <a:avLst/>
+          </a:prstGeom>
+        </p:spPr>
+      </p:pic>
+      <p:sp>
+        <p:nvSpPr>
+          <p:cNvPr id="2" name="Tytuł 1">
+            <a:extLst>
+              <a:ext uri="{FF2B5EF4-FFF2-40B4-BE49-F238E27FC236}">
+                <a16:creationId xmlns:a16="http://schemas.microsoft.com/office/drawing/2014/main" id="{259D5117-EECA-4EB8-90C9-0050BF673144}"/>
+              </a:ext>
+            </a:extLst>
+          </p:cNvPr>
+          <p:cNvSpPr>
+            <a:spLocks noGrp="1"/>
+          </p:cNvSpPr>
+          <p:nvPr>
+            <p:ph type="title"/>
+          </p:nvPr>
+        </p:nvSpPr>
+        <p:spPr>
+          <a:xfrm>
+            <a:off x="7750206" y="3615432"/>
+            <a:ext cx="3679920" cy="923330"/>
+          </a:xfrm>
+        </p:spPr>
+        <p:txBody>
+          <a:bodyPr>
+            <a:noAutofit/>
+          </a:bodyPr>
+          <a:lstStyle/>
+          <a:p>
+            <a:r>
+              <a:rPr lang="pl-PL" sz="2400" b="1" cap="small" dirty="0">
+                <a:latin typeface="Bahnschrift" panose="020B0502040204020203" pitchFamily="34" charset="0"/>
+              </a:rPr>
+              <a:t>Diagram klas: </a:t>
+            </a:r>
+            <a:br>
+              <a:rPr lang="pl-PL" sz="2400" b="1" cap="small" dirty="0">
+                <a:latin typeface="Bahnschrift" panose="020B0502040204020203" pitchFamily="34" charset="0"/>
+              </a:rPr>
+            </a:br>
+            <a:r>
+              <a:rPr lang="pl-PL" sz="2400" b="1" cap="small" dirty="0" err="1">
+                <a:latin typeface="Bahnschrift" panose="020B0502040204020203" pitchFamily="34" charset="0"/>
+              </a:rPr>
+              <a:t>MusicPlayer.UWP</a:t>
+            </a:r>
+            <a:r>
+              <a:rPr lang="pl-PL" sz="2400" b="1" cap="small" dirty="0">
+                <a:latin typeface="Bahnschrift" panose="020B0502040204020203" pitchFamily="34" charset="0"/>
+              </a:rPr>
+              <a:t> cześć 2</a:t>
+            </a:r>
+            <a:br>
+              <a:rPr lang="pl-PL" sz="2400" b="1" cap="small" dirty="0">
+                <a:latin typeface="Bahnschrift" panose="020B0502040204020203" pitchFamily="34" charset="0"/>
+              </a:rPr>
+            </a:br>
+            <a:endParaRPr lang="pl-PL" sz="2400" dirty="0">
+              <a:latin typeface="Bahnschrift" panose="020B0502040204020203" pitchFamily="34" charset="0"/>
+            </a:endParaRPr>
+          </a:p>
+        </p:txBody>
+      </p:sp>
+      <p:sp>
+        <p:nvSpPr>
+          <p:cNvPr id="6" name="pole tekstowe 5">
+            <a:extLst>
+              <a:ext uri="{FF2B5EF4-FFF2-40B4-BE49-F238E27FC236}">
+                <a16:creationId xmlns:a16="http://schemas.microsoft.com/office/drawing/2014/main" id="{7F398C06-5289-4006-B715-BB543362841A}"/>
+              </a:ext>
+            </a:extLst>
+          </p:cNvPr>
+          <p:cNvSpPr txBox="1"/>
+          <p:nvPr/>
+        </p:nvSpPr>
+        <p:spPr>
+          <a:xfrm>
+            <a:off x="7750206" y="4279037"/>
+            <a:ext cx="4163120" cy="830997"/>
+          </a:xfrm>
+          <a:prstGeom prst="rect">
+            <a:avLst/>
+          </a:prstGeom>
+          <a:noFill/>
+        </p:spPr>
+        <p:txBody>
+          <a:bodyPr wrap="square" rtlCol="0">
+            <a:spAutoFit/>
+          </a:bodyPr>
+          <a:lstStyle/>
+          <a:p>
+            <a:pPr algn="just"/>
+            <a:r>
+              <a:rPr lang="pl-PL" sz="1600" dirty="0">
+                <a:latin typeface="Bahnschrift" panose="020B0502040204020203" pitchFamily="34" charset="0"/>
+              </a:rPr>
+              <a:t>Zawierający interfejsy i Klasy związane z Albumem. Pozostałym modelom bazy odpowiadają zbliżone kontrolery.</a:t>
+            </a:r>
+          </a:p>
+        </p:txBody>
+      </p:sp>
+    </p:spTree>
+    <p:extLst>
+      <p:ext uri="{BB962C8B-B14F-4D97-AF65-F5344CB8AC3E}">
+        <p14:creationId xmlns:p14="http://schemas.microsoft.com/office/powerpoint/2010/main" val="1440403882"/>
+      </p:ext>
+    </p:extLst>
+  </p:cSld>
+  <p:clrMapOvr>
+    <a:masterClrMapping/>
+  </p:clrMapOvr>
+</p:sld>
+</file>
+
 <file path=ppt/slides/slide3.xml><?xml version="1.0" encoding="utf-8"?>
 <p:sld xmlns:a="http://schemas.openxmlformats.org/drawingml/2006/main" xmlns:r="http://schemas.openxmlformats.org/officeDocument/2006/relationships" xmlns:p="http://schemas.openxmlformats.org/presentationml/2006/main">
   <p:cSld>

--- a/Documentation - PL/ZTP Dokumentation.pptx
+++ b/Documentation - PL/ZTP Dokumentation.pptx
@@ -6295,6 +6295,61 @@
           </a:p>
         </p:txBody>
       </p:sp>
+      <p:sp>
+        <p:nvSpPr>
+          <p:cNvPr id="3" name="Prostokąt 2">
+            <a:extLst>
+              <a:ext uri="{FF2B5EF4-FFF2-40B4-BE49-F238E27FC236}">
+                <a16:creationId xmlns:a16="http://schemas.microsoft.com/office/drawing/2014/main" id="{35736201-142D-4413-BF5D-3435E51829CB}"/>
+              </a:ext>
+            </a:extLst>
+          </p:cNvPr>
+          <p:cNvSpPr/>
+          <p:nvPr/>
+        </p:nvSpPr>
+        <p:spPr>
+          <a:xfrm>
+            <a:off x="8616506" y="6034779"/>
+            <a:ext cx="3575494" cy="738664"/>
+          </a:xfrm>
+          <a:prstGeom prst="rect">
+            <a:avLst/>
+          </a:prstGeom>
+        </p:spPr>
+        <p:txBody>
+          <a:bodyPr wrap="square">
+            <a:spAutoFit/>
+          </a:bodyPr>
+          <a:lstStyle/>
+          <a:p>
+            <a:pPr algn="just"/>
+            <a:r>
+              <a:rPr lang="pl-PL" sz="1400" b="1" dirty="0">
+                <a:latin typeface="Bahnschrift" panose="020B0502040204020203" pitchFamily="34" charset="0"/>
+              </a:rPr>
+              <a:t>Statystyki:</a:t>
+            </a:r>
+          </a:p>
+          <a:p>
+            <a:pPr algn="just"/>
+            <a:r>
+              <a:rPr lang="pl-PL" sz="1400" dirty="0">
+                <a:latin typeface="Bahnschrift" panose="020B0502040204020203" pitchFamily="34" charset="0"/>
+              </a:rPr>
+              <a:t>Łączna liczba klas w projekcie &gt; 168</a:t>
+            </a:r>
+          </a:p>
+          <a:p>
+            <a:pPr algn="just"/>
+            <a:r>
+              <a:rPr lang="pl-PL" sz="1400" dirty="0">
+                <a:latin typeface="Bahnschrift" panose="020B0502040204020203" pitchFamily="34" charset="0"/>
+              </a:rPr>
+              <a:t>Łączna liczba interfejsów w projekcie &gt; 24</a:t>
+            </a:r>
+          </a:p>
+        </p:txBody>
+      </p:sp>
     </p:spTree>
     <p:extLst>
       <p:ext uri="{BB962C8B-B14F-4D97-AF65-F5344CB8AC3E}">

--- a/Documentation - PL/ZTP Dokumentation.pptx
+++ b/Documentation - PL/ZTP Dokumentation.pptx
@@ -4,6 +4,9 @@
   <p:sldMasterIdLst>
     <p:sldMasterId id="2147483660" r:id="rId1"/>
   </p:sldMasterIdLst>
+  <p:notesMasterIdLst>
+    <p:notesMasterId r:id="rId28"/>
+  </p:notesMasterIdLst>
   <p:sldIdLst>
     <p:sldId id="256" r:id="rId2"/>
     <p:sldId id="257" r:id="rId3"/>
@@ -135,6 +138,2539 @@
     </p:ext>
   </p:extLst>
 </p:presentation>
+</file>
+
+<file path=ppt/notesMasters/notesMaster1.xml><?xml version="1.0" encoding="utf-8"?>
+<p:notesMaster xmlns:a="http://schemas.openxmlformats.org/drawingml/2006/main" xmlns:r="http://schemas.openxmlformats.org/officeDocument/2006/relationships" xmlns:p="http://schemas.openxmlformats.org/presentationml/2006/main">
+  <p:cSld>
+    <p:bg>
+      <p:bgRef idx="1001">
+        <a:schemeClr val="bg1"/>
+      </p:bgRef>
+    </p:bg>
+    <p:spTree>
+      <p:nvGrpSpPr>
+        <p:cNvPr id="1" name=""/>
+        <p:cNvGrpSpPr/>
+        <p:nvPr/>
+      </p:nvGrpSpPr>
+      <p:grpSpPr>
+        <a:xfrm>
+          <a:off x="0" y="0"/>
+          <a:ext cx="0" cy="0"/>
+          <a:chOff x="0" y="0"/>
+          <a:chExt cx="0" cy="0"/>
+        </a:xfrm>
+      </p:grpSpPr>
+      <p:sp>
+        <p:nvSpPr>
+          <p:cNvPr id="2" name="Symbol zastępczy nagłówka 1"/>
+          <p:cNvSpPr>
+            <a:spLocks noGrp="1"/>
+          </p:cNvSpPr>
+          <p:nvPr>
+            <p:ph type="hdr" sz="quarter"/>
+          </p:nvPr>
+        </p:nvSpPr>
+        <p:spPr>
+          <a:xfrm>
+            <a:off x="0" y="0"/>
+            <a:ext cx="2971800" cy="458788"/>
+          </a:xfrm>
+          <a:prstGeom prst="rect">
+            <a:avLst/>
+          </a:prstGeom>
+        </p:spPr>
+        <p:txBody>
+          <a:bodyPr vert="horz" lIns="91440" tIns="45720" rIns="91440" bIns="45720" rtlCol="0"/>
+          <a:lstStyle>
+            <a:lvl1pPr algn="l">
+              <a:defRPr sz="1200"/>
+            </a:lvl1pPr>
+          </a:lstStyle>
+          <a:p>
+            <a:endParaRPr lang="pl-PL"/>
+          </a:p>
+        </p:txBody>
+      </p:sp>
+      <p:sp>
+        <p:nvSpPr>
+          <p:cNvPr id="3" name="Symbol zastępczy daty 2"/>
+          <p:cNvSpPr>
+            <a:spLocks noGrp="1"/>
+          </p:cNvSpPr>
+          <p:nvPr>
+            <p:ph type="dt" idx="1"/>
+          </p:nvPr>
+        </p:nvSpPr>
+        <p:spPr>
+          <a:xfrm>
+            <a:off x="3884613" y="0"/>
+            <a:ext cx="2971800" cy="458788"/>
+          </a:xfrm>
+          <a:prstGeom prst="rect">
+            <a:avLst/>
+          </a:prstGeom>
+        </p:spPr>
+        <p:txBody>
+          <a:bodyPr vert="horz" lIns="91440" tIns="45720" rIns="91440" bIns="45720" rtlCol="0"/>
+          <a:lstStyle>
+            <a:lvl1pPr algn="r">
+              <a:defRPr sz="1200"/>
+            </a:lvl1pPr>
+          </a:lstStyle>
+          <a:p>
+            <a:fld id="{7C2430AA-EDF6-4DBF-80B2-609DE0CD757D}" type="datetimeFigureOut">
+              <a:rPr lang="pl-PL" smtClean="0"/>
+              <a:t>2018-12-14</a:t>
+            </a:fld>
+            <a:endParaRPr lang="pl-PL"/>
+          </a:p>
+        </p:txBody>
+      </p:sp>
+      <p:sp>
+        <p:nvSpPr>
+          <p:cNvPr id="4" name="Symbol zastępczy obrazu slajdu 3"/>
+          <p:cNvSpPr>
+            <a:spLocks noGrp="1" noRot="1" noChangeAspect="1"/>
+          </p:cNvSpPr>
+          <p:nvPr>
+            <p:ph type="sldImg" idx="2"/>
+          </p:nvPr>
+        </p:nvSpPr>
+        <p:spPr>
+          <a:xfrm>
+            <a:off x="685800" y="1143000"/>
+            <a:ext cx="5486400" cy="3086100"/>
+          </a:xfrm>
+          <a:prstGeom prst="rect">
+            <a:avLst/>
+          </a:prstGeom>
+          <a:noFill/>
+          <a:ln w="12700">
+            <a:solidFill>
+              <a:prstClr val="black"/>
+            </a:solidFill>
+          </a:ln>
+        </p:spPr>
+        <p:txBody>
+          <a:bodyPr vert="horz" lIns="91440" tIns="45720" rIns="91440" bIns="45720" rtlCol="0" anchor="ctr"/>
+          <a:lstStyle/>
+          <a:p>
+            <a:endParaRPr lang="pl-PL"/>
+          </a:p>
+        </p:txBody>
+      </p:sp>
+      <p:sp>
+        <p:nvSpPr>
+          <p:cNvPr id="5" name="Symbol zastępczy notatek 4"/>
+          <p:cNvSpPr>
+            <a:spLocks noGrp="1"/>
+          </p:cNvSpPr>
+          <p:nvPr>
+            <p:ph type="body" sz="quarter" idx="3"/>
+          </p:nvPr>
+        </p:nvSpPr>
+        <p:spPr>
+          <a:xfrm>
+            <a:off x="685800" y="4400550"/>
+            <a:ext cx="5486400" cy="3600450"/>
+          </a:xfrm>
+          <a:prstGeom prst="rect">
+            <a:avLst/>
+          </a:prstGeom>
+        </p:spPr>
+        <p:txBody>
+          <a:bodyPr vert="horz" lIns="91440" tIns="45720" rIns="91440" bIns="45720" rtlCol="0"/>
+          <a:lstStyle/>
+          <a:p>
+            <a:pPr lvl="0"/>
+            <a:r>
+              <a:rPr lang="pl-PL"/>
+              <a:t>Edytuj style wzorca tekstu</a:t>
+            </a:r>
+          </a:p>
+          <a:p>
+            <a:pPr lvl="1"/>
+            <a:r>
+              <a:rPr lang="pl-PL"/>
+              <a:t>Drugi poziom</a:t>
+            </a:r>
+          </a:p>
+          <a:p>
+            <a:pPr lvl="2"/>
+            <a:r>
+              <a:rPr lang="pl-PL"/>
+              <a:t>Trzeci poziom</a:t>
+            </a:r>
+          </a:p>
+          <a:p>
+            <a:pPr lvl="3"/>
+            <a:r>
+              <a:rPr lang="pl-PL"/>
+              <a:t>Czwarty poziom</a:t>
+            </a:r>
+          </a:p>
+          <a:p>
+            <a:pPr lvl="4"/>
+            <a:r>
+              <a:rPr lang="pl-PL"/>
+              <a:t>Piąty poziom</a:t>
+            </a:r>
+          </a:p>
+        </p:txBody>
+      </p:sp>
+      <p:sp>
+        <p:nvSpPr>
+          <p:cNvPr id="6" name="Symbol zastępczy stopki 5"/>
+          <p:cNvSpPr>
+            <a:spLocks noGrp="1"/>
+          </p:cNvSpPr>
+          <p:nvPr>
+            <p:ph type="ftr" sz="quarter" idx="4"/>
+          </p:nvPr>
+        </p:nvSpPr>
+        <p:spPr>
+          <a:xfrm>
+            <a:off x="0" y="8685213"/>
+            <a:ext cx="2971800" cy="458787"/>
+          </a:xfrm>
+          <a:prstGeom prst="rect">
+            <a:avLst/>
+          </a:prstGeom>
+        </p:spPr>
+        <p:txBody>
+          <a:bodyPr vert="horz" lIns="91440" tIns="45720" rIns="91440" bIns="45720" rtlCol="0" anchor="b"/>
+          <a:lstStyle>
+            <a:lvl1pPr algn="l">
+              <a:defRPr sz="1200"/>
+            </a:lvl1pPr>
+          </a:lstStyle>
+          <a:p>
+            <a:endParaRPr lang="pl-PL"/>
+          </a:p>
+        </p:txBody>
+      </p:sp>
+      <p:sp>
+        <p:nvSpPr>
+          <p:cNvPr id="7" name="Symbol zastępczy numeru slajdu 6"/>
+          <p:cNvSpPr>
+            <a:spLocks noGrp="1"/>
+          </p:cNvSpPr>
+          <p:nvPr>
+            <p:ph type="sldNum" sz="quarter" idx="5"/>
+          </p:nvPr>
+        </p:nvSpPr>
+        <p:spPr>
+          <a:xfrm>
+            <a:off x="3884613" y="8685213"/>
+            <a:ext cx="2971800" cy="458787"/>
+          </a:xfrm>
+          <a:prstGeom prst="rect">
+            <a:avLst/>
+          </a:prstGeom>
+        </p:spPr>
+        <p:txBody>
+          <a:bodyPr vert="horz" lIns="91440" tIns="45720" rIns="91440" bIns="45720" rtlCol="0" anchor="b"/>
+          <a:lstStyle>
+            <a:lvl1pPr algn="r">
+              <a:defRPr sz="1200"/>
+            </a:lvl1pPr>
+          </a:lstStyle>
+          <a:p>
+            <a:fld id="{FCA74D20-1EA3-4C23-8DFB-55EEDCA4B4AA}" type="slidenum">
+              <a:rPr lang="pl-PL" smtClean="0"/>
+              <a:t>‹#›</a:t>
+            </a:fld>
+            <a:endParaRPr lang="pl-PL"/>
+          </a:p>
+        </p:txBody>
+      </p:sp>
+    </p:spTree>
+    <p:extLst>
+      <p:ext uri="{BB962C8B-B14F-4D97-AF65-F5344CB8AC3E}">
+        <p14:creationId xmlns:p14="http://schemas.microsoft.com/office/powerpoint/2010/main" val="3068503766"/>
+      </p:ext>
+    </p:extLst>
+  </p:cSld>
+  <p:clrMap bg1="lt1" tx1="dk1" bg2="lt2" tx2="dk2" accent1="accent1" accent2="accent2" accent3="accent3" accent4="accent4" accent5="accent5" accent6="accent6" hlink="hlink" folHlink="folHlink"/>
+  <p:notesStyle>
+    <a:lvl1pPr marL="0" algn="l" defTabSz="914400" rtl="0" eaLnBrk="1" latinLnBrk="0" hangingPunct="1">
+      <a:defRPr sz="1200" kern="1200">
+        <a:solidFill>
+          <a:schemeClr val="tx1"/>
+        </a:solidFill>
+        <a:latin typeface="+mn-lt"/>
+        <a:ea typeface="+mn-ea"/>
+        <a:cs typeface="+mn-cs"/>
+      </a:defRPr>
+    </a:lvl1pPr>
+    <a:lvl2pPr marL="457200" algn="l" defTabSz="914400" rtl="0" eaLnBrk="1" latinLnBrk="0" hangingPunct="1">
+      <a:defRPr sz="1200" kern="1200">
+        <a:solidFill>
+          <a:schemeClr val="tx1"/>
+        </a:solidFill>
+        <a:latin typeface="+mn-lt"/>
+        <a:ea typeface="+mn-ea"/>
+        <a:cs typeface="+mn-cs"/>
+      </a:defRPr>
+    </a:lvl2pPr>
+    <a:lvl3pPr marL="914400" algn="l" defTabSz="914400" rtl="0" eaLnBrk="1" latinLnBrk="0" hangingPunct="1">
+      <a:defRPr sz="1200" kern="1200">
+        <a:solidFill>
+          <a:schemeClr val="tx1"/>
+        </a:solidFill>
+        <a:latin typeface="+mn-lt"/>
+        <a:ea typeface="+mn-ea"/>
+        <a:cs typeface="+mn-cs"/>
+      </a:defRPr>
+    </a:lvl3pPr>
+    <a:lvl4pPr marL="1371600" algn="l" defTabSz="914400" rtl="0" eaLnBrk="1" latinLnBrk="0" hangingPunct="1">
+      <a:defRPr sz="1200" kern="1200">
+        <a:solidFill>
+          <a:schemeClr val="tx1"/>
+        </a:solidFill>
+        <a:latin typeface="+mn-lt"/>
+        <a:ea typeface="+mn-ea"/>
+        <a:cs typeface="+mn-cs"/>
+      </a:defRPr>
+    </a:lvl4pPr>
+    <a:lvl5pPr marL="1828800" algn="l" defTabSz="914400" rtl="0" eaLnBrk="1" latinLnBrk="0" hangingPunct="1">
+      <a:defRPr sz="1200" kern="1200">
+        <a:solidFill>
+          <a:schemeClr val="tx1"/>
+        </a:solidFill>
+        <a:latin typeface="+mn-lt"/>
+        <a:ea typeface="+mn-ea"/>
+        <a:cs typeface="+mn-cs"/>
+      </a:defRPr>
+    </a:lvl5pPr>
+    <a:lvl6pPr marL="2286000" algn="l" defTabSz="914400" rtl="0" eaLnBrk="1" latinLnBrk="0" hangingPunct="1">
+      <a:defRPr sz="1200" kern="1200">
+        <a:solidFill>
+          <a:schemeClr val="tx1"/>
+        </a:solidFill>
+        <a:latin typeface="+mn-lt"/>
+        <a:ea typeface="+mn-ea"/>
+        <a:cs typeface="+mn-cs"/>
+      </a:defRPr>
+    </a:lvl6pPr>
+    <a:lvl7pPr marL="2743200" algn="l" defTabSz="914400" rtl="0" eaLnBrk="1" latinLnBrk="0" hangingPunct="1">
+      <a:defRPr sz="1200" kern="1200">
+        <a:solidFill>
+          <a:schemeClr val="tx1"/>
+        </a:solidFill>
+        <a:latin typeface="+mn-lt"/>
+        <a:ea typeface="+mn-ea"/>
+        <a:cs typeface="+mn-cs"/>
+      </a:defRPr>
+    </a:lvl7pPr>
+    <a:lvl8pPr marL="3200400" algn="l" defTabSz="914400" rtl="0" eaLnBrk="1" latinLnBrk="0" hangingPunct="1">
+      <a:defRPr sz="1200" kern="1200">
+        <a:solidFill>
+          <a:schemeClr val="tx1"/>
+        </a:solidFill>
+        <a:latin typeface="+mn-lt"/>
+        <a:ea typeface="+mn-ea"/>
+        <a:cs typeface="+mn-cs"/>
+      </a:defRPr>
+    </a:lvl8pPr>
+    <a:lvl9pPr marL="3657600" algn="l" defTabSz="914400" rtl="0" eaLnBrk="1" latinLnBrk="0" hangingPunct="1">
+      <a:defRPr sz="1200" kern="1200">
+        <a:solidFill>
+          <a:schemeClr val="tx1"/>
+        </a:solidFill>
+        <a:latin typeface="+mn-lt"/>
+        <a:ea typeface="+mn-ea"/>
+        <a:cs typeface="+mn-cs"/>
+      </a:defRPr>
+    </a:lvl9pPr>
+  </p:notesStyle>
+</p:notesMaster>
+</file>
+
+<file path=ppt/notesSlides/notesSlide1.xml><?xml version="1.0" encoding="utf-8"?>
+<p:notes xmlns:a="http://schemas.openxmlformats.org/drawingml/2006/main" xmlns:r="http://schemas.openxmlformats.org/officeDocument/2006/relationships" xmlns:p="http://schemas.openxmlformats.org/presentationml/2006/main">
+  <p:cSld>
+    <p:spTree>
+      <p:nvGrpSpPr>
+        <p:cNvPr id="1" name=""/>
+        <p:cNvGrpSpPr/>
+        <p:nvPr/>
+      </p:nvGrpSpPr>
+      <p:grpSpPr>
+        <a:xfrm>
+          <a:off x="0" y="0"/>
+          <a:ext cx="0" cy="0"/>
+          <a:chOff x="0" y="0"/>
+          <a:chExt cx="0" cy="0"/>
+        </a:xfrm>
+      </p:grpSpPr>
+      <p:sp>
+        <p:nvSpPr>
+          <p:cNvPr id="2" name="Symbol zastępczy obrazu slajdu 1"/>
+          <p:cNvSpPr>
+            <a:spLocks noGrp="1" noRot="1" noChangeAspect="1"/>
+          </p:cNvSpPr>
+          <p:nvPr>
+            <p:ph type="sldImg"/>
+          </p:nvPr>
+        </p:nvSpPr>
+        <p:spPr/>
+      </p:sp>
+      <p:sp>
+        <p:nvSpPr>
+          <p:cNvPr id="3" name="Symbol zastępczy notatek 2"/>
+          <p:cNvSpPr>
+            <a:spLocks noGrp="1"/>
+          </p:cNvSpPr>
+          <p:nvPr>
+            <p:ph type="body" idx="1"/>
+          </p:nvPr>
+        </p:nvSpPr>
+        <p:spPr/>
+        <p:txBody>
+          <a:bodyPr/>
+          <a:lstStyle/>
+          <a:p>
+            <a:endParaRPr lang="pl-PL"/>
+          </a:p>
+        </p:txBody>
+      </p:sp>
+      <p:sp>
+        <p:nvSpPr>
+          <p:cNvPr id="4" name="Symbol zastępczy numeru slajdu 3"/>
+          <p:cNvSpPr>
+            <a:spLocks noGrp="1"/>
+          </p:cNvSpPr>
+          <p:nvPr>
+            <p:ph type="sldNum" sz="quarter" idx="5"/>
+          </p:nvPr>
+        </p:nvSpPr>
+        <p:spPr/>
+        <p:txBody>
+          <a:bodyPr/>
+          <a:lstStyle/>
+          <a:p>
+            <a:fld id="{FCA74D20-1EA3-4C23-8DFB-55EEDCA4B4AA}" type="slidenum">
+              <a:rPr lang="pl-PL" smtClean="0"/>
+              <a:t>1</a:t>
+            </a:fld>
+            <a:endParaRPr lang="pl-PL"/>
+          </a:p>
+        </p:txBody>
+      </p:sp>
+    </p:spTree>
+    <p:extLst>
+      <p:ext uri="{BB962C8B-B14F-4D97-AF65-F5344CB8AC3E}">
+        <p14:creationId xmlns:p14="http://schemas.microsoft.com/office/powerpoint/2010/main" val="3150087385"/>
+      </p:ext>
+    </p:extLst>
+  </p:cSld>
+  <p:clrMapOvr>
+    <a:masterClrMapping/>
+  </p:clrMapOvr>
+</p:notes>
+</file>
+
+<file path=ppt/notesSlides/notesSlide10.xml><?xml version="1.0" encoding="utf-8"?>
+<p:notes xmlns:a="http://schemas.openxmlformats.org/drawingml/2006/main" xmlns:r="http://schemas.openxmlformats.org/officeDocument/2006/relationships" xmlns:p="http://schemas.openxmlformats.org/presentationml/2006/main">
+  <p:cSld>
+    <p:spTree>
+      <p:nvGrpSpPr>
+        <p:cNvPr id="1" name=""/>
+        <p:cNvGrpSpPr/>
+        <p:nvPr/>
+      </p:nvGrpSpPr>
+      <p:grpSpPr>
+        <a:xfrm>
+          <a:off x="0" y="0"/>
+          <a:ext cx="0" cy="0"/>
+          <a:chOff x="0" y="0"/>
+          <a:chExt cx="0" cy="0"/>
+        </a:xfrm>
+      </p:grpSpPr>
+      <p:sp>
+        <p:nvSpPr>
+          <p:cNvPr id="2" name="Symbol zastępczy obrazu slajdu 1"/>
+          <p:cNvSpPr>
+            <a:spLocks noGrp="1" noRot="1" noChangeAspect="1"/>
+          </p:cNvSpPr>
+          <p:nvPr>
+            <p:ph type="sldImg"/>
+          </p:nvPr>
+        </p:nvSpPr>
+        <p:spPr/>
+      </p:sp>
+      <p:sp>
+        <p:nvSpPr>
+          <p:cNvPr id="3" name="Symbol zastępczy notatek 2"/>
+          <p:cNvSpPr>
+            <a:spLocks noGrp="1"/>
+          </p:cNvSpPr>
+          <p:nvPr>
+            <p:ph type="body" idx="1"/>
+          </p:nvPr>
+        </p:nvSpPr>
+        <p:spPr/>
+        <p:txBody>
+          <a:bodyPr/>
+          <a:lstStyle/>
+          <a:p>
+            <a:endParaRPr lang="pl-PL"/>
+          </a:p>
+        </p:txBody>
+      </p:sp>
+      <p:sp>
+        <p:nvSpPr>
+          <p:cNvPr id="4" name="Symbol zastępczy numeru slajdu 3"/>
+          <p:cNvSpPr>
+            <a:spLocks noGrp="1"/>
+          </p:cNvSpPr>
+          <p:nvPr>
+            <p:ph type="sldNum" sz="quarter" idx="5"/>
+          </p:nvPr>
+        </p:nvSpPr>
+        <p:spPr/>
+        <p:txBody>
+          <a:bodyPr/>
+          <a:lstStyle/>
+          <a:p>
+            <a:fld id="{FCA74D20-1EA3-4C23-8DFB-55EEDCA4B4AA}" type="slidenum">
+              <a:rPr lang="pl-PL" smtClean="0"/>
+              <a:t>10</a:t>
+            </a:fld>
+            <a:endParaRPr lang="pl-PL"/>
+          </a:p>
+        </p:txBody>
+      </p:sp>
+    </p:spTree>
+    <p:extLst>
+      <p:ext uri="{BB962C8B-B14F-4D97-AF65-F5344CB8AC3E}">
+        <p14:creationId xmlns:p14="http://schemas.microsoft.com/office/powerpoint/2010/main" val="2669131934"/>
+      </p:ext>
+    </p:extLst>
+  </p:cSld>
+  <p:clrMapOvr>
+    <a:masterClrMapping/>
+  </p:clrMapOvr>
+</p:notes>
+</file>
+
+<file path=ppt/notesSlides/notesSlide11.xml><?xml version="1.0" encoding="utf-8"?>
+<p:notes xmlns:a="http://schemas.openxmlformats.org/drawingml/2006/main" xmlns:r="http://schemas.openxmlformats.org/officeDocument/2006/relationships" xmlns:p="http://schemas.openxmlformats.org/presentationml/2006/main">
+  <p:cSld>
+    <p:spTree>
+      <p:nvGrpSpPr>
+        <p:cNvPr id="1" name=""/>
+        <p:cNvGrpSpPr/>
+        <p:nvPr/>
+      </p:nvGrpSpPr>
+      <p:grpSpPr>
+        <a:xfrm>
+          <a:off x="0" y="0"/>
+          <a:ext cx="0" cy="0"/>
+          <a:chOff x="0" y="0"/>
+          <a:chExt cx="0" cy="0"/>
+        </a:xfrm>
+      </p:grpSpPr>
+      <p:sp>
+        <p:nvSpPr>
+          <p:cNvPr id="2" name="Symbol zastępczy obrazu slajdu 1"/>
+          <p:cNvSpPr>
+            <a:spLocks noGrp="1" noRot="1" noChangeAspect="1"/>
+          </p:cNvSpPr>
+          <p:nvPr>
+            <p:ph type="sldImg"/>
+          </p:nvPr>
+        </p:nvSpPr>
+        <p:spPr/>
+      </p:sp>
+      <p:sp>
+        <p:nvSpPr>
+          <p:cNvPr id="3" name="Symbol zastępczy notatek 2"/>
+          <p:cNvSpPr>
+            <a:spLocks noGrp="1"/>
+          </p:cNvSpPr>
+          <p:nvPr>
+            <p:ph type="body" idx="1"/>
+          </p:nvPr>
+        </p:nvSpPr>
+        <p:spPr/>
+        <p:txBody>
+          <a:bodyPr/>
+          <a:lstStyle/>
+          <a:p>
+            <a:endParaRPr lang="pl-PL"/>
+          </a:p>
+        </p:txBody>
+      </p:sp>
+      <p:sp>
+        <p:nvSpPr>
+          <p:cNvPr id="4" name="Symbol zastępczy numeru slajdu 3"/>
+          <p:cNvSpPr>
+            <a:spLocks noGrp="1"/>
+          </p:cNvSpPr>
+          <p:nvPr>
+            <p:ph type="sldNum" sz="quarter" idx="5"/>
+          </p:nvPr>
+        </p:nvSpPr>
+        <p:spPr/>
+        <p:txBody>
+          <a:bodyPr/>
+          <a:lstStyle/>
+          <a:p>
+            <a:fld id="{FCA74D20-1EA3-4C23-8DFB-55EEDCA4B4AA}" type="slidenum">
+              <a:rPr lang="pl-PL" smtClean="0"/>
+              <a:t>11</a:t>
+            </a:fld>
+            <a:endParaRPr lang="pl-PL"/>
+          </a:p>
+        </p:txBody>
+      </p:sp>
+    </p:spTree>
+    <p:extLst>
+      <p:ext uri="{BB962C8B-B14F-4D97-AF65-F5344CB8AC3E}">
+        <p14:creationId xmlns:p14="http://schemas.microsoft.com/office/powerpoint/2010/main" val="1223117446"/>
+      </p:ext>
+    </p:extLst>
+  </p:cSld>
+  <p:clrMapOvr>
+    <a:masterClrMapping/>
+  </p:clrMapOvr>
+</p:notes>
+</file>
+
+<file path=ppt/notesSlides/notesSlide12.xml><?xml version="1.0" encoding="utf-8"?>
+<p:notes xmlns:a="http://schemas.openxmlformats.org/drawingml/2006/main" xmlns:r="http://schemas.openxmlformats.org/officeDocument/2006/relationships" xmlns:p="http://schemas.openxmlformats.org/presentationml/2006/main">
+  <p:cSld>
+    <p:spTree>
+      <p:nvGrpSpPr>
+        <p:cNvPr id="1" name=""/>
+        <p:cNvGrpSpPr/>
+        <p:nvPr/>
+      </p:nvGrpSpPr>
+      <p:grpSpPr>
+        <a:xfrm>
+          <a:off x="0" y="0"/>
+          <a:ext cx="0" cy="0"/>
+          <a:chOff x="0" y="0"/>
+          <a:chExt cx="0" cy="0"/>
+        </a:xfrm>
+      </p:grpSpPr>
+      <p:sp>
+        <p:nvSpPr>
+          <p:cNvPr id="2" name="Symbol zastępczy obrazu slajdu 1"/>
+          <p:cNvSpPr>
+            <a:spLocks noGrp="1" noRot="1" noChangeAspect="1"/>
+          </p:cNvSpPr>
+          <p:nvPr>
+            <p:ph type="sldImg"/>
+          </p:nvPr>
+        </p:nvSpPr>
+        <p:spPr/>
+      </p:sp>
+      <p:sp>
+        <p:nvSpPr>
+          <p:cNvPr id="3" name="Symbol zastępczy notatek 2"/>
+          <p:cNvSpPr>
+            <a:spLocks noGrp="1"/>
+          </p:cNvSpPr>
+          <p:nvPr>
+            <p:ph type="body" idx="1"/>
+          </p:nvPr>
+        </p:nvSpPr>
+        <p:spPr/>
+        <p:txBody>
+          <a:bodyPr/>
+          <a:lstStyle/>
+          <a:p>
+            <a:endParaRPr lang="pl-PL"/>
+          </a:p>
+        </p:txBody>
+      </p:sp>
+      <p:sp>
+        <p:nvSpPr>
+          <p:cNvPr id="4" name="Symbol zastępczy numeru slajdu 3"/>
+          <p:cNvSpPr>
+            <a:spLocks noGrp="1"/>
+          </p:cNvSpPr>
+          <p:nvPr>
+            <p:ph type="sldNum" sz="quarter" idx="5"/>
+          </p:nvPr>
+        </p:nvSpPr>
+        <p:spPr/>
+        <p:txBody>
+          <a:bodyPr/>
+          <a:lstStyle/>
+          <a:p>
+            <a:fld id="{FCA74D20-1EA3-4C23-8DFB-55EEDCA4B4AA}" type="slidenum">
+              <a:rPr lang="pl-PL" smtClean="0"/>
+              <a:t>12</a:t>
+            </a:fld>
+            <a:endParaRPr lang="pl-PL"/>
+          </a:p>
+        </p:txBody>
+      </p:sp>
+    </p:spTree>
+    <p:extLst>
+      <p:ext uri="{BB962C8B-B14F-4D97-AF65-F5344CB8AC3E}">
+        <p14:creationId xmlns:p14="http://schemas.microsoft.com/office/powerpoint/2010/main" val="2482869735"/>
+      </p:ext>
+    </p:extLst>
+  </p:cSld>
+  <p:clrMapOvr>
+    <a:masterClrMapping/>
+  </p:clrMapOvr>
+</p:notes>
+</file>
+
+<file path=ppt/notesSlides/notesSlide13.xml><?xml version="1.0" encoding="utf-8"?>
+<p:notes xmlns:a="http://schemas.openxmlformats.org/drawingml/2006/main" xmlns:r="http://schemas.openxmlformats.org/officeDocument/2006/relationships" xmlns:p="http://schemas.openxmlformats.org/presentationml/2006/main">
+  <p:cSld>
+    <p:spTree>
+      <p:nvGrpSpPr>
+        <p:cNvPr id="1" name=""/>
+        <p:cNvGrpSpPr/>
+        <p:nvPr/>
+      </p:nvGrpSpPr>
+      <p:grpSpPr>
+        <a:xfrm>
+          <a:off x="0" y="0"/>
+          <a:ext cx="0" cy="0"/>
+          <a:chOff x="0" y="0"/>
+          <a:chExt cx="0" cy="0"/>
+        </a:xfrm>
+      </p:grpSpPr>
+      <p:sp>
+        <p:nvSpPr>
+          <p:cNvPr id="2" name="Symbol zastępczy obrazu slajdu 1"/>
+          <p:cNvSpPr>
+            <a:spLocks noGrp="1" noRot="1" noChangeAspect="1"/>
+          </p:cNvSpPr>
+          <p:nvPr>
+            <p:ph type="sldImg"/>
+          </p:nvPr>
+        </p:nvSpPr>
+        <p:spPr/>
+      </p:sp>
+      <p:sp>
+        <p:nvSpPr>
+          <p:cNvPr id="3" name="Symbol zastępczy notatek 2"/>
+          <p:cNvSpPr>
+            <a:spLocks noGrp="1"/>
+          </p:cNvSpPr>
+          <p:nvPr>
+            <p:ph type="body" idx="1"/>
+          </p:nvPr>
+        </p:nvSpPr>
+        <p:spPr/>
+        <p:txBody>
+          <a:bodyPr/>
+          <a:lstStyle/>
+          <a:p>
+            <a:endParaRPr lang="pl-PL"/>
+          </a:p>
+        </p:txBody>
+      </p:sp>
+      <p:sp>
+        <p:nvSpPr>
+          <p:cNvPr id="4" name="Symbol zastępczy numeru slajdu 3"/>
+          <p:cNvSpPr>
+            <a:spLocks noGrp="1"/>
+          </p:cNvSpPr>
+          <p:nvPr>
+            <p:ph type="sldNum" sz="quarter" idx="5"/>
+          </p:nvPr>
+        </p:nvSpPr>
+        <p:spPr/>
+        <p:txBody>
+          <a:bodyPr/>
+          <a:lstStyle/>
+          <a:p>
+            <a:fld id="{FCA74D20-1EA3-4C23-8DFB-55EEDCA4B4AA}" type="slidenum">
+              <a:rPr lang="pl-PL" smtClean="0"/>
+              <a:t>13</a:t>
+            </a:fld>
+            <a:endParaRPr lang="pl-PL"/>
+          </a:p>
+        </p:txBody>
+      </p:sp>
+    </p:spTree>
+    <p:extLst>
+      <p:ext uri="{BB962C8B-B14F-4D97-AF65-F5344CB8AC3E}">
+        <p14:creationId xmlns:p14="http://schemas.microsoft.com/office/powerpoint/2010/main" val="578751966"/>
+      </p:ext>
+    </p:extLst>
+  </p:cSld>
+  <p:clrMapOvr>
+    <a:masterClrMapping/>
+  </p:clrMapOvr>
+</p:notes>
+</file>
+
+<file path=ppt/notesSlides/notesSlide14.xml><?xml version="1.0" encoding="utf-8"?>
+<p:notes xmlns:a="http://schemas.openxmlformats.org/drawingml/2006/main" xmlns:r="http://schemas.openxmlformats.org/officeDocument/2006/relationships" xmlns:p="http://schemas.openxmlformats.org/presentationml/2006/main">
+  <p:cSld>
+    <p:spTree>
+      <p:nvGrpSpPr>
+        <p:cNvPr id="1" name=""/>
+        <p:cNvGrpSpPr/>
+        <p:nvPr/>
+      </p:nvGrpSpPr>
+      <p:grpSpPr>
+        <a:xfrm>
+          <a:off x="0" y="0"/>
+          <a:ext cx="0" cy="0"/>
+          <a:chOff x="0" y="0"/>
+          <a:chExt cx="0" cy="0"/>
+        </a:xfrm>
+      </p:grpSpPr>
+      <p:sp>
+        <p:nvSpPr>
+          <p:cNvPr id="2" name="Symbol zastępczy obrazu slajdu 1"/>
+          <p:cNvSpPr>
+            <a:spLocks noGrp="1" noRot="1" noChangeAspect="1"/>
+          </p:cNvSpPr>
+          <p:nvPr>
+            <p:ph type="sldImg"/>
+          </p:nvPr>
+        </p:nvSpPr>
+        <p:spPr/>
+      </p:sp>
+      <p:sp>
+        <p:nvSpPr>
+          <p:cNvPr id="3" name="Symbol zastępczy notatek 2"/>
+          <p:cNvSpPr>
+            <a:spLocks noGrp="1"/>
+          </p:cNvSpPr>
+          <p:nvPr>
+            <p:ph type="body" idx="1"/>
+          </p:nvPr>
+        </p:nvSpPr>
+        <p:spPr/>
+        <p:txBody>
+          <a:bodyPr/>
+          <a:lstStyle/>
+          <a:p>
+            <a:endParaRPr lang="pl-PL"/>
+          </a:p>
+        </p:txBody>
+      </p:sp>
+      <p:sp>
+        <p:nvSpPr>
+          <p:cNvPr id="4" name="Symbol zastępczy numeru slajdu 3"/>
+          <p:cNvSpPr>
+            <a:spLocks noGrp="1"/>
+          </p:cNvSpPr>
+          <p:nvPr>
+            <p:ph type="sldNum" sz="quarter" idx="5"/>
+          </p:nvPr>
+        </p:nvSpPr>
+        <p:spPr/>
+        <p:txBody>
+          <a:bodyPr/>
+          <a:lstStyle/>
+          <a:p>
+            <a:fld id="{FCA74D20-1EA3-4C23-8DFB-55EEDCA4B4AA}" type="slidenum">
+              <a:rPr lang="pl-PL" smtClean="0"/>
+              <a:t>14</a:t>
+            </a:fld>
+            <a:endParaRPr lang="pl-PL"/>
+          </a:p>
+        </p:txBody>
+      </p:sp>
+    </p:spTree>
+    <p:extLst>
+      <p:ext uri="{BB962C8B-B14F-4D97-AF65-F5344CB8AC3E}">
+        <p14:creationId xmlns:p14="http://schemas.microsoft.com/office/powerpoint/2010/main" val="2616826425"/>
+      </p:ext>
+    </p:extLst>
+  </p:cSld>
+  <p:clrMapOvr>
+    <a:masterClrMapping/>
+  </p:clrMapOvr>
+</p:notes>
+</file>
+
+<file path=ppt/notesSlides/notesSlide15.xml><?xml version="1.0" encoding="utf-8"?>
+<p:notes xmlns:a="http://schemas.openxmlformats.org/drawingml/2006/main" xmlns:r="http://schemas.openxmlformats.org/officeDocument/2006/relationships" xmlns:p="http://schemas.openxmlformats.org/presentationml/2006/main">
+  <p:cSld>
+    <p:spTree>
+      <p:nvGrpSpPr>
+        <p:cNvPr id="1" name=""/>
+        <p:cNvGrpSpPr/>
+        <p:nvPr/>
+      </p:nvGrpSpPr>
+      <p:grpSpPr>
+        <a:xfrm>
+          <a:off x="0" y="0"/>
+          <a:ext cx="0" cy="0"/>
+          <a:chOff x="0" y="0"/>
+          <a:chExt cx="0" cy="0"/>
+        </a:xfrm>
+      </p:grpSpPr>
+      <p:sp>
+        <p:nvSpPr>
+          <p:cNvPr id="2" name="Symbol zastępczy obrazu slajdu 1"/>
+          <p:cNvSpPr>
+            <a:spLocks noGrp="1" noRot="1" noChangeAspect="1"/>
+          </p:cNvSpPr>
+          <p:nvPr>
+            <p:ph type="sldImg"/>
+          </p:nvPr>
+        </p:nvSpPr>
+        <p:spPr/>
+      </p:sp>
+      <p:sp>
+        <p:nvSpPr>
+          <p:cNvPr id="3" name="Symbol zastępczy notatek 2"/>
+          <p:cNvSpPr>
+            <a:spLocks noGrp="1"/>
+          </p:cNvSpPr>
+          <p:nvPr>
+            <p:ph type="body" idx="1"/>
+          </p:nvPr>
+        </p:nvSpPr>
+        <p:spPr/>
+        <p:txBody>
+          <a:bodyPr/>
+          <a:lstStyle/>
+          <a:p>
+            <a:endParaRPr lang="pl-PL"/>
+          </a:p>
+        </p:txBody>
+      </p:sp>
+      <p:sp>
+        <p:nvSpPr>
+          <p:cNvPr id="4" name="Symbol zastępczy numeru slajdu 3"/>
+          <p:cNvSpPr>
+            <a:spLocks noGrp="1"/>
+          </p:cNvSpPr>
+          <p:nvPr>
+            <p:ph type="sldNum" sz="quarter" idx="5"/>
+          </p:nvPr>
+        </p:nvSpPr>
+        <p:spPr/>
+        <p:txBody>
+          <a:bodyPr/>
+          <a:lstStyle/>
+          <a:p>
+            <a:fld id="{FCA74D20-1EA3-4C23-8DFB-55EEDCA4B4AA}" type="slidenum">
+              <a:rPr lang="pl-PL" smtClean="0"/>
+              <a:t>15</a:t>
+            </a:fld>
+            <a:endParaRPr lang="pl-PL"/>
+          </a:p>
+        </p:txBody>
+      </p:sp>
+    </p:spTree>
+    <p:extLst>
+      <p:ext uri="{BB962C8B-B14F-4D97-AF65-F5344CB8AC3E}">
+        <p14:creationId xmlns:p14="http://schemas.microsoft.com/office/powerpoint/2010/main" val="92086112"/>
+      </p:ext>
+    </p:extLst>
+  </p:cSld>
+  <p:clrMapOvr>
+    <a:masterClrMapping/>
+  </p:clrMapOvr>
+</p:notes>
+</file>
+
+<file path=ppt/notesSlides/notesSlide16.xml><?xml version="1.0" encoding="utf-8"?>
+<p:notes xmlns:a="http://schemas.openxmlformats.org/drawingml/2006/main" xmlns:r="http://schemas.openxmlformats.org/officeDocument/2006/relationships" xmlns:p="http://schemas.openxmlformats.org/presentationml/2006/main">
+  <p:cSld>
+    <p:spTree>
+      <p:nvGrpSpPr>
+        <p:cNvPr id="1" name=""/>
+        <p:cNvGrpSpPr/>
+        <p:nvPr/>
+      </p:nvGrpSpPr>
+      <p:grpSpPr>
+        <a:xfrm>
+          <a:off x="0" y="0"/>
+          <a:ext cx="0" cy="0"/>
+          <a:chOff x="0" y="0"/>
+          <a:chExt cx="0" cy="0"/>
+        </a:xfrm>
+      </p:grpSpPr>
+      <p:sp>
+        <p:nvSpPr>
+          <p:cNvPr id="2" name="Symbol zastępczy obrazu slajdu 1"/>
+          <p:cNvSpPr>
+            <a:spLocks noGrp="1" noRot="1" noChangeAspect="1"/>
+          </p:cNvSpPr>
+          <p:nvPr>
+            <p:ph type="sldImg"/>
+          </p:nvPr>
+        </p:nvSpPr>
+        <p:spPr/>
+      </p:sp>
+      <p:sp>
+        <p:nvSpPr>
+          <p:cNvPr id="3" name="Symbol zastępczy notatek 2"/>
+          <p:cNvSpPr>
+            <a:spLocks noGrp="1"/>
+          </p:cNvSpPr>
+          <p:nvPr>
+            <p:ph type="body" idx="1"/>
+          </p:nvPr>
+        </p:nvSpPr>
+        <p:spPr/>
+        <p:txBody>
+          <a:bodyPr/>
+          <a:lstStyle/>
+          <a:p>
+            <a:endParaRPr lang="pl-PL"/>
+          </a:p>
+        </p:txBody>
+      </p:sp>
+      <p:sp>
+        <p:nvSpPr>
+          <p:cNvPr id="4" name="Symbol zastępczy numeru slajdu 3"/>
+          <p:cNvSpPr>
+            <a:spLocks noGrp="1"/>
+          </p:cNvSpPr>
+          <p:nvPr>
+            <p:ph type="sldNum" sz="quarter" idx="5"/>
+          </p:nvPr>
+        </p:nvSpPr>
+        <p:spPr/>
+        <p:txBody>
+          <a:bodyPr/>
+          <a:lstStyle/>
+          <a:p>
+            <a:fld id="{FCA74D20-1EA3-4C23-8DFB-55EEDCA4B4AA}" type="slidenum">
+              <a:rPr lang="pl-PL" smtClean="0"/>
+              <a:t>16</a:t>
+            </a:fld>
+            <a:endParaRPr lang="pl-PL"/>
+          </a:p>
+        </p:txBody>
+      </p:sp>
+    </p:spTree>
+    <p:extLst>
+      <p:ext uri="{BB962C8B-B14F-4D97-AF65-F5344CB8AC3E}">
+        <p14:creationId xmlns:p14="http://schemas.microsoft.com/office/powerpoint/2010/main" val="3821901342"/>
+      </p:ext>
+    </p:extLst>
+  </p:cSld>
+  <p:clrMapOvr>
+    <a:masterClrMapping/>
+  </p:clrMapOvr>
+</p:notes>
+</file>
+
+<file path=ppt/notesSlides/notesSlide17.xml><?xml version="1.0" encoding="utf-8"?>
+<p:notes xmlns:a="http://schemas.openxmlformats.org/drawingml/2006/main" xmlns:r="http://schemas.openxmlformats.org/officeDocument/2006/relationships" xmlns:p="http://schemas.openxmlformats.org/presentationml/2006/main">
+  <p:cSld>
+    <p:spTree>
+      <p:nvGrpSpPr>
+        <p:cNvPr id="1" name=""/>
+        <p:cNvGrpSpPr/>
+        <p:nvPr/>
+      </p:nvGrpSpPr>
+      <p:grpSpPr>
+        <a:xfrm>
+          <a:off x="0" y="0"/>
+          <a:ext cx="0" cy="0"/>
+          <a:chOff x="0" y="0"/>
+          <a:chExt cx="0" cy="0"/>
+        </a:xfrm>
+      </p:grpSpPr>
+      <p:sp>
+        <p:nvSpPr>
+          <p:cNvPr id="2" name="Symbol zastępczy obrazu slajdu 1"/>
+          <p:cNvSpPr>
+            <a:spLocks noGrp="1" noRot="1" noChangeAspect="1"/>
+          </p:cNvSpPr>
+          <p:nvPr>
+            <p:ph type="sldImg"/>
+          </p:nvPr>
+        </p:nvSpPr>
+        <p:spPr/>
+      </p:sp>
+      <p:sp>
+        <p:nvSpPr>
+          <p:cNvPr id="3" name="Symbol zastępczy notatek 2"/>
+          <p:cNvSpPr>
+            <a:spLocks noGrp="1"/>
+          </p:cNvSpPr>
+          <p:nvPr>
+            <p:ph type="body" idx="1"/>
+          </p:nvPr>
+        </p:nvSpPr>
+        <p:spPr/>
+        <p:txBody>
+          <a:bodyPr/>
+          <a:lstStyle/>
+          <a:p>
+            <a:endParaRPr lang="pl-PL"/>
+          </a:p>
+        </p:txBody>
+      </p:sp>
+      <p:sp>
+        <p:nvSpPr>
+          <p:cNvPr id="4" name="Symbol zastępczy numeru slajdu 3"/>
+          <p:cNvSpPr>
+            <a:spLocks noGrp="1"/>
+          </p:cNvSpPr>
+          <p:nvPr>
+            <p:ph type="sldNum" sz="quarter" idx="5"/>
+          </p:nvPr>
+        </p:nvSpPr>
+        <p:spPr/>
+        <p:txBody>
+          <a:bodyPr/>
+          <a:lstStyle/>
+          <a:p>
+            <a:fld id="{FCA74D20-1EA3-4C23-8DFB-55EEDCA4B4AA}" type="slidenum">
+              <a:rPr lang="pl-PL" smtClean="0"/>
+              <a:t>17</a:t>
+            </a:fld>
+            <a:endParaRPr lang="pl-PL"/>
+          </a:p>
+        </p:txBody>
+      </p:sp>
+    </p:spTree>
+    <p:extLst>
+      <p:ext uri="{BB962C8B-B14F-4D97-AF65-F5344CB8AC3E}">
+        <p14:creationId xmlns:p14="http://schemas.microsoft.com/office/powerpoint/2010/main" val="3057760836"/>
+      </p:ext>
+    </p:extLst>
+  </p:cSld>
+  <p:clrMapOvr>
+    <a:masterClrMapping/>
+  </p:clrMapOvr>
+</p:notes>
+</file>
+
+<file path=ppt/notesSlides/notesSlide18.xml><?xml version="1.0" encoding="utf-8"?>
+<p:notes xmlns:a="http://schemas.openxmlformats.org/drawingml/2006/main" xmlns:r="http://schemas.openxmlformats.org/officeDocument/2006/relationships" xmlns:p="http://schemas.openxmlformats.org/presentationml/2006/main">
+  <p:cSld>
+    <p:spTree>
+      <p:nvGrpSpPr>
+        <p:cNvPr id="1" name=""/>
+        <p:cNvGrpSpPr/>
+        <p:nvPr/>
+      </p:nvGrpSpPr>
+      <p:grpSpPr>
+        <a:xfrm>
+          <a:off x="0" y="0"/>
+          <a:ext cx="0" cy="0"/>
+          <a:chOff x="0" y="0"/>
+          <a:chExt cx="0" cy="0"/>
+        </a:xfrm>
+      </p:grpSpPr>
+      <p:sp>
+        <p:nvSpPr>
+          <p:cNvPr id="2" name="Symbol zastępczy obrazu slajdu 1"/>
+          <p:cNvSpPr>
+            <a:spLocks noGrp="1" noRot="1" noChangeAspect="1"/>
+          </p:cNvSpPr>
+          <p:nvPr>
+            <p:ph type="sldImg"/>
+          </p:nvPr>
+        </p:nvSpPr>
+        <p:spPr/>
+      </p:sp>
+      <p:sp>
+        <p:nvSpPr>
+          <p:cNvPr id="3" name="Symbol zastępczy notatek 2"/>
+          <p:cNvSpPr>
+            <a:spLocks noGrp="1"/>
+          </p:cNvSpPr>
+          <p:nvPr>
+            <p:ph type="body" idx="1"/>
+          </p:nvPr>
+        </p:nvSpPr>
+        <p:spPr/>
+        <p:txBody>
+          <a:bodyPr/>
+          <a:lstStyle/>
+          <a:p>
+            <a:endParaRPr lang="pl-PL"/>
+          </a:p>
+        </p:txBody>
+      </p:sp>
+      <p:sp>
+        <p:nvSpPr>
+          <p:cNvPr id="4" name="Symbol zastępczy numeru slajdu 3"/>
+          <p:cNvSpPr>
+            <a:spLocks noGrp="1"/>
+          </p:cNvSpPr>
+          <p:nvPr>
+            <p:ph type="sldNum" sz="quarter" idx="5"/>
+          </p:nvPr>
+        </p:nvSpPr>
+        <p:spPr/>
+        <p:txBody>
+          <a:bodyPr/>
+          <a:lstStyle/>
+          <a:p>
+            <a:fld id="{FCA74D20-1EA3-4C23-8DFB-55EEDCA4B4AA}" type="slidenum">
+              <a:rPr lang="pl-PL" smtClean="0"/>
+              <a:t>18</a:t>
+            </a:fld>
+            <a:endParaRPr lang="pl-PL"/>
+          </a:p>
+        </p:txBody>
+      </p:sp>
+    </p:spTree>
+    <p:extLst>
+      <p:ext uri="{BB962C8B-B14F-4D97-AF65-F5344CB8AC3E}">
+        <p14:creationId xmlns:p14="http://schemas.microsoft.com/office/powerpoint/2010/main" val="2144517803"/>
+      </p:ext>
+    </p:extLst>
+  </p:cSld>
+  <p:clrMapOvr>
+    <a:masterClrMapping/>
+  </p:clrMapOvr>
+</p:notes>
+</file>
+
+<file path=ppt/notesSlides/notesSlide19.xml><?xml version="1.0" encoding="utf-8"?>
+<p:notes xmlns:a="http://schemas.openxmlformats.org/drawingml/2006/main" xmlns:r="http://schemas.openxmlformats.org/officeDocument/2006/relationships" xmlns:p="http://schemas.openxmlformats.org/presentationml/2006/main">
+  <p:cSld>
+    <p:spTree>
+      <p:nvGrpSpPr>
+        <p:cNvPr id="1" name=""/>
+        <p:cNvGrpSpPr/>
+        <p:nvPr/>
+      </p:nvGrpSpPr>
+      <p:grpSpPr>
+        <a:xfrm>
+          <a:off x="0" y="0"/>
+          <a:ext cx="0" cy="0"/>
+          <a:chOff x="0" y="0"/>
+          <a:chExt cx="0" cy="0"/>
+        </a:xfrm>
+      </p:grpSpPr>
+      <p:sp>
+        <p:nvSpPr>
+          <p:cNvPr id="2" name="Symbol zastępczy obrazu slajdu 1"/>
+          <p:cNvSpPr>
+            <a:spLocks noGrp="1" noRot="1" noChangeAspect="1"/>
+          </p:cNvSpPr>
+          <p:nvPr>
+            <p:ph type="sldImg"/>
+          </p:nvPr>
+        </p:nvSpPr>
+        <p:spPr/>
+      </p:sp>
+      <p:sp>
+        <p:nvSpPr>
+          <p:cNvPr id="3" name="Symbol zastępczy notatek 2"/>
+          <p:cNvSpPr>
+            <a:spLocks noGrp="1"/>
+          </p:cNvSpPr>
+          <p:nvPr>
+            <p:ph type="body" idx="1"/>
+          </p:nvPr>
+        </p:nvSpPr>
+        <p:spPr/>
+        <p:txBody>
+          <a:bodyPr/>
+          <a:lstStyle/>
+          <a:p>
+            <a:endParaRPr lang="pl-PL"/>
+          </a:p>
+        </p:txBody>
+      </p:sp>
+      <p:sp>
+        <p:nvSpPr>
+          <p:cNvPr id="4" name="Symbol zastępczy numeru slajdu 3"/>
+          <p:cNvSpPr>
+            <a:spLocks noGrp="1"/>
+          </p:cNvSpPr>
+          <p:nvPr>
+            <p:ph type="sldNum" sz="quarter" idx="5"/>
+          </p:nvPr>
+        </p:nvSpPr>
+        <p:spPr/>
+        <p:txBody>
+          <a:bodyPr/>
+          <a:lstStyle/>
+          <a:p>
+            <a:fld id="{FCA74D20-1EA3-4C23-8DFB-55EEDCA4B4AA}" type="slidenum">
+              <a:rPr lang="pl-PL" smtClean="0"/>
+              <a:t>19</a:t>
+            </a:fld>
+            <a:endParaRPr lang="pl-PL"/>
+          </a:p>
+        </p:txBody>
+      </p:sp>
+    </p:spTree>
+    <p:extLst>
+      <p:ext uri="{BB962C8B-B14F-4D97-AF65-F5344CB8AC3E}">
+        <p14:creationId xmlns:p14="http://schemas.microsoft.com/office/powerpoint/2010/main" val="3548773249"/>
+      </p:ext>
+    </p:extLst>
+  </p:cSld>
+  <p:clrMapOvr>
+    <a:masterClrMapping/>
+  </p:clrMapOvr>
+</p:notes>
+</file>
+
+<file path=ppt/notesSlides/notesSlide2.xml><?xml version="1.0" encoding="utf-8"?>
+<p:notes xmlns:a="http://schemas.openxmlformats.org/drawingml/2006/main" xmlns:r="http://schemas.openxmlformats.org/officeDocument/2006/relationships" xmlns:p="http://schemas.openxmlformats.org/presentationml/2006/main">
+  <p:cSld>
+    <p:spTree>
+      <p:nvGrpSpPr>
+        <p:cNvPr id="1" name=""/>
+        <p:cNvGrpSpPr/>
+        <p:nvPr/>
+      </p:nvGrpSpPr>
+      <p:grpSpPr>
+        <a:xfrm>
+          <a:off x="0" y="0"/>
+          <a:ext cx="0" cy="0"/>
+          <a:chOff x="0" y="0"/>
+          <a:chExt cx="0" cy="0"/>
+        </a:xfrm>
+      </p:grpSpPr>
+      <p:sp>
+        <p:nvSpPr>
+          <p:cNvPr id="2" name="Symbol zastępczy obrazu slajdu 1"/>
+          <p:cNvSpPr>
+            <a:spLocks noGrp="1" noRot="1" noChangeAspect="1"/>
+          </p:cNvSpPr>
+          <p:nvPr>
+            <p:ph type="sldImg"/>
+          </p:nvPr>
+        </p:nvSpPr>
+        <p:spPr/>
+      </p:sp>
+      <p:sp>
+        <p:nvSpPr>
+          <p:cNvPr id="3" name="Symbol zastępczy notatek 2"/>
+          <p:cNvSpPr>
+            <a:spLocks noGrp="1"/>
+          </p:cNvSpPr>
+          <p:nvPr>
+            <p:ph type="body" idx="1"/>
+          </p:nvPr>
+        </p:nvSpPr>
+        <p:spPr/>
+        <p:txBody>
+          <a:bodyPr/>
+          <a:lstStyle/>
+          <a:p>
+            <a:endParaRPr lang="pl-PL"/>
+          </a:p>
+        </p:txBody>
+      </p:sp>
+      <p:sp>
+        <p:nvSpPr>
+          <p:cNvPr id="4" name="Symbol zastępczy numeru slajdu 3"/>
+          <p:cNvSpPr>
+            <a:spLocks noGrp="1"/>
+          </p:cNvSpPr>
+          <p:nvPr>
+            <p:ph type="sldNum" sz="quarter" idx="5"/>
+          </p:nvPr>
+        </p:nvSpPr>
+        <p:spPr/>
+        <p:txBody>
+          <a:bodyPr/>
+          <a:lstStyle/>
+          <a:p>
+            <a:fld id="{FCA74D20-1EA3-4C23-8DFB-55EEDCA4B4AA}" type="slidenum">
+              <a:rPr lang="pl-PL" smtClean="0"/>
+              <a:t>2</a:t>
+            </a:fld>
+            <a:endParaRPr lang="pl-PL"/>
+          </a:p>
+        </p:txBody>
+      </p:sp>
+    </p:spTree>
+    <p:extLst>
+      <p:ext uri="{BB962C8B-B14F-4D97-AF65-F5344CB8AC3E}">
+        <p14:creationId xmlns:p14="http://schemas.microsoft.com/office/powerpoint/2010/main" val="1762930541"/>
+      </p:ext>
+    </p:extLst>
+  </p:cSld>
+  <p:clrMapOvr>
+    <a:masterClrMapping/>
+  </p:clrMapOvr>
+</p:notes>
+</file>
+
+<file path=ppt/notesSlides/notesSlide20.xml><?xml version="1.0" encoding="utf-8"?>
+<p:notes xmlns:a="http://schemas.openxmlformats.org/drawingml/2006/main" xmlns:r="http://schemas.openxmlformats.org/officeDocument/2006/relationships" xmlns:p="http://schemas.openxmlformats.org/presentationml/2006/main">
+  <p:cSld>
+    <p:spTree>
+      <p:nvGrpSpPr>
+        <p:cNvPr id="1" name=""/>
+        <p:cNvGrpSpPr/>
+        <p:nvPr/>
+      </p:nvGrpSpPr>
+      <p:grpSpPr>
+        <a:xfrm>
+          <a:off x="0" y="0"/>
+          <a:ext cx="0" cy="0"/>
+          <a:chOff x="0" y="0"/>
+          <a:chExt cx="0" cy="0"/>
+        </a:xfrm>
+      </p:grpSpPr>
+      <p:sp>
+        <p:nvSpPr>
+          <p:cNvPr id="2" name="Symbol zastępczy obrazu slajdu 1"/>
+          <p:cNvSpPr>
+            <a:spLocks noGrp="1" noRot="1" noChangeAspect="1"/>
+          </p:cNvSpPr>
+          <p:nvPr>
+            <p:ph type="sldImg"/>
+          </p:nvPr>
+        </p:nvSpPr>
+        <p:spPr/>
+      </p:sp>
+      <p:sp>
+        <p:nvSpPr>
+          <p:cNvPr id="3" name="Symbol zastępczy notatek 2"/>
+          <p:cNvSpPr>
+            <a:spLocks noGrp="1"/>
+          </p:cNvSpPr>
+          <p:nvPr>
+            <p:ph type="body" idx="1"/>
+          </p:nvPr>
+        </p:nvSpPr>
+        <p:spPr/>
+        <p:txBody>
+          <a:bodyPr/>
+          <a:lstStyle/>
+          <a:p>
+            <a:endParaRPr lang="pl-PL"/>
+          </a:p>
+        </p:txBody>
+      </p:sp>
+      <p:sp>
+        <p:nvSpPr>
+          <p:cNvPr id="4" name="Symbol zastępczy numeru slajdu 3"/>
+          <p:cNvSpPr>
+            <a:spLocks noGrp="1"/>
+          </p:cNvSpPr>
+          <p:nvPr>
+            <p:ph type="sldNum" sz="quarter" idx="5"/>
+          </p:nvPr>
+        </p:nvSpPr>
+        <p:spPr/>
+        <p:txBody>
+          <a:bodyPr/>
+          <a:lstStyle/>
+          <a:p>
+            <a:fld id="{FCA74D20-1EA3-4C23-8DFB-55EEDCA4B4AA}" type="slidenum">
+              <a:rPr lang="pl-PL" smtClean="0"/>
+              <a:t>20</a:t>
+            </a:fld>
+            <a:endParaRPr lang="pl-PL"/>
+          </a:p>
+        </p:txBody>
+      </p:sp>
+    </p:spTree>
+    <p:extLst>
+      <p:ext uri="{BB962C8B-B14F-4D97-AF65-F5344CB8AC3E}">
+        <p14:creationId xmlns:p14="http://schemas.microsoft.com/office/powerpoint/2010/main" val="1726950058"/>
+      </p:ext>
+    </p:extLst>
+  </p:cSld>
+  <p:clrMapOvr>
+    <a:masterClrMapping/>
+  </p:clrMapOvr>
+</p:notes>
+</file>
+
+<file path=ppt/notesSlides/notesSlide21.xml><?xml version="1.0" encoding="utf-8"?>
+<p:notes xmlns:a="http://schemas.openxmlformats.org/drawingml/2006/main" xmlns:r="http://schemas.openxmlformats.org/officeDocument/2006/relationships" xmlns:p="http://schemas.openxmlformats.org/presentationml/2006/main">
+  <p:cSld>
+    <p:spTree>
+      <p:nvGrpSpPr>
+        <p:cNvPr id="1" name=""/>
+        <p:cNvGrpSpPr/>
+        <p:nvPr/>
+      </p:nvGrpSpPr>
+      <p:grpSpPr>
+        <a:xfrm>
+          <a:off x="0" y="0"/>
+          <a:ext cx="0" cy="0"/>
+          <a:chOff x="0" y="0"/>
+          <a:chExt cx="0" cy="0"/>
+        </a:xfrm>
+      </p:grpSpPr>
+      <p:sp>
+        <p:nvSpPr>
+          <p:cNvPr id="2" name="Symbol zastępczy obrazu slajdu 1"/>
+          <p:cNvSpPr>
+            <a:spLocks noGrp="1" noRot="1" noChangeAspect="1"/>
+          </p:cNvSpPr>
+          <p:nvPr>
+            <p:ph type="sldImg"/>
+          </p:nvPr>
+        </p:nvSpPr>
+        <p:spPr/>
+      </p:sp>
+      <p:sp>
+        <p:nvSpPr>
+          <p:cNvPr id="3" name="Symbol zastępczy notatek 2"/>
+          <p:cNvSpPr>
+            <a:spLocks noGrp="1"/>
+          </p:cNvSpPr>
+          <p:nvPr>
+            <p:ph type="body" idx="1"/>
+          </p:nvPr>
+        </p:nvSpPr>
+        <p:spPr/>
+        <p:txBody>
+          <a:bodyPr/>
+          <a:lstStyle/>
+          <a:p>
+            <a:endParaRPr lang="pl-PL"/>
+          </a:p>
+        </p:txBody>
+      </p:sp>
+      <p:sp>
+        <p:nvSpPr>
+          <p:cNvPr id="4" name="Symbol zastępczy numeru slajdu 3"/>
+          <p:cNvSpPr>
+            <a:spLocks noGrp="1"/>
+          </p:cNvSpPr>
+          <p:nvPr>
+            <p:ph type="sldNum" sz="quarter" idx="5"/>
+          </p:nvPr>
+        </p:nvSpPr>
+        <p:spPr/>
+        <p:txBody>
+          <a:bodyPr/>
+          <a:lstStyle/>
+          <a:p>
+            <a:fld id="{FCA74D20-1EA3-4C23-8DFB-55EEDCA4B4AA}" type="slidenum">
+              <a:rPr lang="pl-PL" smtClean="0"/>
+              <a:t>21</a:t>
+            </a:fld>
+            <a:endParaRPr lang="pl-PL"/>
+          </a:p>
+        </p:txBody>
+      </p:sp>
+    </p:spTree>
+    <p:extLst>
+      <p:ext uri="{BB962C8B-B14F-4D97-AF65-F5344CB8AC3E}">
+        <p14:creationId xmlns:p14="http://schemas.microsoft.com/office/powerpoint/2010/main" val="3929512731"/>
+      </p:ext>
+    </p:extLst>
+  </p:cSld>
+  <p:clrMapOvr>
+    <a:masterClrMapping/>
+  </p:clrMapOvr>
+</p:notes>
+</file>
+
+<file path=ppt/notesSlides/notesSlide22.xml><?xml version="1.0" encoding="utf-8"?>
+<p:notes xmlns:a="http://schemas.openxmlformats.org/drawingml/2006/main" xmlns:r="http://schemas.openxmlformats.org/officeDocument/2006/relationships" xmlns:p="http://schemas.openxmlformats.org/presentationml/2006/main">
+  <p:cSld>
+    <p:spTree>
+      <p:nvGrpSpPr>
+        <p:cNvPr id="1" name=""/>
+        <p:cNvGrpSpPr/>
+        <p:nvPr/>
+      </p:nvGrpSpPr>
+      <p:grpSpPr>
+        <a:xfrm>
+          <a:off x="0" y="0"/>
+          <a:ext cx="0" cy="0"/>
+          <a:chOff x="0" y="0"/>
+          <a:chExt cx="0" cy="0"/>
+        </a:xfrm>
+      </p:grpSpPr>
+      <p:sp>
+        <p:nvSpPr>
+          <p:cNvPr id="2" name="Symbol zastępczy obrazu slajdu 1"/>
+          <p:cNvSpPr>
+            <a:spLocks noGrp="1" noRot="1" noChangeAspect="1"/>
+          </p:cNvSpPr>
+          <p:nvPr>
+            <p:ph type="sldImg"/>
+          </p:nvPr>
+        </p:nvSpPr>
+        <p:spPr/>
+      </p:sp>
+      <p:sp>
+        <p:nvSpPr>
+          <p:cNvPr id="3" name="Symbol zastępczy notatek 2"/>
+          <p:cNvSpPr>
+            <a:spLocks noGrp="1"/>
+          </p:cNvSpPr>
+          <p:nvPr>
+            <p:ph type="body" idx="1"/>
+          </p:nvPr>
+        </p:nvSpPr>
+        <p:spPr/>
+        <p:txBody>
+          <a:bodyPr/>
+          <a:lstStyle/>
+          <a:p>
+            <a:endParaRPr lang="pl-PL"/>
+          </a:p>
+        </p:txBody>
+      </p:sp>
+      <p:sp>
+        <p:nvSpPr>
+          <p:cNvPr id="4" name="Symbol zastępczy numeru slajdu 3"/>
+          <p:cNvSpPr>
+            <a:spLocks noGrp="1"/>
+          </p:cNvSpPr>
+          <p:nvPr>
+            <p:ph type="sldNum" sz="quarter" idx="5"/>
+          </p:nvPr>
+        </p:nvSpPr>
+        <p:spPr/>
+        <p:txBody>
+          <a:bodyPr/>
+          <a:lstStyle/>
+          <a:p>
+            <a:fld id="{FCA74D20-1EA3-4C23-8DFB-55EEDCA4B4AA}" type="slidenum">
+              <a:rPr lang="pl-PL" smtClean="0"/>
+              <a:t>22</a:t>
+            </a:fld>
+            <a:endParaRPr lang="pl-PL"/>
+          </a:p>
+        </p:txBody>
+      </p:sp>
+    </p:spTree>
+    <p:extLst>
+      <p:ext uri="{BB962C8B-B14F-4D97-AF65-F5344CB8AC3E}">
+        <p14:creationId xmlns:p14="http://schemas.microsoft.com/office/powerpoint/2010/main" val="47399991"/>
+      </p:ext>
+    </p:extLst>
+  </p:cSld>
+  <p:clrMapOvr>
+    <a:masterClrMapping/>
+  </p:clrMapOvr>
+</p:notes>
+</file>
+
+<file path=ppt/notesSlides/notesSlide23.xml><?xml version="1.0" encoding="utf-8"?>
+<p:notes xmlns:a="http://schemas.openxmlformats.org/drawingml/2006/main" xmlns:r="http://schemas.openxmlformats.org/officeDocument/2006/relationships" xmlns:p="http://schemas.openxmlformats.org/presentationml/2006/main">
+  <p:cSld>
+    <p:spTree>
+      <p:nvGrpSpPr>
+        <p:cNvPr id="1" name=""/>
+        <p:cNvGrpSpPr/>
+        <p:nvPr/>
+      </p:nvGrpSpPr>
+      <p:grpSpPr>
+        <a:xfrm>
+          <a:off x="0" y="0"/>
+          <a:ext cx="0" cy="0"/>
+          <a:chOff x="0" y="0"/>
+          <a:chExt cx="0" cy="0"/>
+        </a:xfrm>
+      </p:grpSpPr>
+      <p:sp>
+        <p:nvSpPr>
+          <p:cNvPr id="2" name="Symbol zastępczy obrazu slajdu 1"/>
+          <p:cNvSpPr>
+            <a:spLocks noGrp="1" noRot="1" noChangeAspect="1"/>
+          </p:cNvSpPr>
+          <p:nvPr>
+            <p:ph type="sldImg"/>
+          </p:nvPr>
+        </p:nvSpPr>
+        <p:spPr/>
+      </p:sp>
+      <p:sp>
+        <p:nvSpPr>
+          <p:cNvPr id="3" name="Symbol zastępczy notatek 2"/>
+          <p:cNvSpPr>
+            <a:spLocks noGrp="1"/>
+          </p:cNvSpPr>
+          <p:nvPr>
+            <p:ph type="body" idx="1"/>
+          </p:nvPr>
+        </p:nvSpPr>
+        <p:spPr/>
+        <p:txBody>
+          <a:bodyPr/>
+          <a:lstStyle/>
+          <a:p>
+            <a:endParaRPr lang="pl-PL"/>
+          </a:p>
+        </p:txBody>
+      </p:sp>
+      <p:sp>
+        <p:nvSpPr>
+          <p:cNvPr id="4" name="Symbol zastępczy numeru slajdu 3"/>
+          <p:cNvSpPr>
+            <a:spLocks noGrp="1"/>
+          </p:cNvSpPr>
+          <p:nvPr>
+            <p:ph type="sldNum" sz="quarter" idx="5"/>
+          </p:nvPr>
+        </p:nvSpPr>
+        <p:spPr/>
+        <p:txBody>
+          <a:bodyPr/>
+          <a:lstStyle/>
+          <a:p>
+            <a:fld id="{FCA74D20-1EA3-4C23-8DFB-55EEDCA4B4AA}" type="slidenum">
+              <a:rPr lang="pl-PL" smtClean="0"/>
+              <a:t>23</a:t>
+            </a:fld>
+            <a:endParaRPr lang="pl-PL"/>
+          </a:p>
+        </p:txBody>
+      </p:sp>
+    </p:spTree>
+    <p:extLst>
+      <p:ext uri="{BB962C8B-B14F-4D97-AF65-F5344CB8AC3E}">
+        <p14:creationId xmlns:p14="http://schemas.microsoft.com/office/powerpoint/2010/main" val="1650373192"/>
+      </p:ext>
+    </p:extLst>
+  </p:cSld>
+  <p:clrMapOvr>
+    <a:masterClrMapping/>
+  </p:clrMapOvr>
+</p:notes>
+</file>
+
+<file path=ppt/notesSlides/notesSlide24.xml><?xml version="1.0" encoding="utf-8"?>
+<p:notes xmlns:a="http://schemas.openxmlformats.org/drawingml/2006/main" xmlns:r="http://schemas.openxmlformats.org/officeDocument/2006/relationships" xmlns:p="http://schemas.openxmlformats.org/presentationml/2006/main">
+  <p:cSld>
+    <p:spTree>
+      <p:nvGrpSpPr>
+        <p:cNvPr id="1" name=""/>
+        <p:cNvGrpSpPr/>
+        <p:nvPr/>
+      </p:nvGrpSpPr>
+      <p:grpSpPr>
+        <a:xfrm>
+          <a:off x="0" y="0"/>
+          <a:ext cx="0" cy="0"/>
+          <a:chOff x="0" y="0"/>
+          <a:chExt cx="0" cy="0"/>
+        </a:xfrm>
+      </p:grpSpPr>
+      <p:sp>
+        <p:nvSpPr>
+          <p:cNvPr id="2" name="Symbol zastępczy obrazu slajdu 1"/>
+          <p:cNvSpPr>
+            <a:spLocks noGrp="1" noRot="1" noChangeAspect="1"/>
+          </p:cNvSpPr>
+          <p:nvPr>
+            <p:ph type="sldImg"/>
+          </p:nvPr>
+        </p:nvSpPr>
+        <p:spPr/>
+      </p:sp>
+      <p:sp>
+        <p:nvSpPr>
+          <p:cNvPr id="3" name="Symbol zastępczy notatek 2"/>
+          <p:cNvSpPr>
+            <a:spLocks noGrp="1"/>
+          </p:cNvSpPr>
+          <p:nvPr>
+            <p:ph type="body" idx="1"/>
+          </p:nvPr>
+        </p:nvSpPr>
+        <p:spPr/>
+        <p:txBody>
+          <a:bodyPr/>
+          <a:lstStyle/>
+          <a:p>
+            <a:endParaRPr lang="pl-PL"/>
+          </a:p>
+        </p:txBody>
+      </p:sp>
+      <p:sp>
+        <p:nvSpPr>
+          <p:cNvPr id="4" name="Symbol zastępczy numeru slajdu 3"/>
+          <p:cNvSpPr>
+            <a:spLocks noGrp="1"/>
+          </p:cNvSpPr>
+          <p:nvPr>
+            <p:ph type="sldNum" sz="quarter" idx="5"/>
+          </p:nvPr>
+        </p:nvSpPr>
+        <p:spPr/>
+        <p:txBody>
+          <a:bodyPr/>
+          <a:lstStyle/>
+          <a:p>
+            <a:fld id="{FCA74D20-1EA3-4C23-8DFB-55EEDCA4B4AA}" type="slidenum">
+              <a:rPr lang="pl-PL" smtClean="0"/>
+              <a:t>24</a:t>
+            </a:fld>
+            <a:endParaRPr lang="pl-PL"/>
+          </a:p>
+        </p:txBody>
+      </p:sp>
+    </p:spTree>
+    <p:extLst>
+      <p:ext uri="{BB962C8B-B14F-4D97-AF65-F5344CB8AC3E}">
+        <p14:creationId xmlns:p14="http://schemas.microsoft.com/office/powerpoint/2010/main" val="1271583400"/>
+      </p:ext>
+    </p:extLst>
+  </p:cSld>
+  <p:clrMapOvr>
+    <a:masterClrMapping/>
+  </p:clrMapOvr>
+</p:notes>
+</file>
+
+<file path=ppt/notesSlides/notesSlide25.xml><?xml version="1.0" encoding="utf-8"?>
+<p:notes xmlns:a="http://schemas.openxmlformats.org/drawingml/2006/main" xmlns:r="http://schemas.openxmlformats.org/officeDocument/2006/relationships" xmlns:p="http://schemas.openxmlformats.org/presentationml/2006/main">
+  <p:cSld>
+    <p:spTree>
+      <p:nvGrpSpPr>
+        <p:cNvPr id="1" name=""/>
+        <p:cNvGrpSpPr/>
+        <p:nvPr/>
+      </p:nvGrpSpPr>
+      <p:grpSpPr>
+        <a:xfrm>
+          <a:off x="0" y="0"/>
+          <a:ext cx="0" cy="0"/>
+          <a:chOff x="0" y="0"/>
+          <a:chExt cx="0" cy="0"/>
+        </a:xfrm>
+      </p:grpSpPr>
+      <p:sp>
+        <p:nvSpPr>
+          <p:cNvPr id="2" name="Symbol zastępczy obrazu slajdu 1"/>
+          <p:cNvSpPr>
+            <a:spLocks noGrp="1" noRot="1" noChangeAspect="1"/>
+          </p:cNvSpPr>
+          <p:nvPr>
+            <p:ph type="sldImg"/>
+          </p:nvPr>
+        </p:nvSpPr>
+        <p:spPr/>
+      </p:sp>
+      <p:sp>
+        <p:nvSpPr>
+          <p:cNvPr id="3" name="Symbol zastępczy notatek 2"/>
+          <p:cNvSpPr>
+            <a:spLocks noGrp="1"/>
+          </p:cNvSpPr>
+          <p:nvPr>
+            <p:ph type="body" idx="1"/>
+          </p:nvPr>
+        </p:nvSpPr>
+        <p:spPr/>
+        <p:txBody>
+          <a:bodyPr/>
+          <a:lstStyle/>
+          <a:p>
+            <a:endParaRPr lang="pl-PL"/>
+          </a:p>
+        </p:txBody>
+      </p:sp>
+      <p:sp>
+        <p:nvSpPr>
+          <p:cNvPr id="4" name="Symbol zastępczy numeru slajdu 3"/>
+          <p:cNvSpPr>
+            <a:spLocks noGrp="1"/>
+          </p:cNvSpPr>
+          <p:nvPr>
+            <p:ph type="sldNum" sz="quarter" idx="5"/>
+          </p:nvPr>
+        </p:nvSpPr>
+        <p:spPr/>
+        <p:txBody>
+          <a:bodyPr/>
+          <a:lstStyle/>
+          <a:p>
+            <a:fld id="{FCA74D20-1EA3-4C23-8DFB-55EEDCA4B4AA}" type="slidenum">
+              <a:rPr lang="pl-PL" smtClean="0"/>
+              <a:t>25</a:t>
+            </a:fld>
+            <a:endParaRPr lang="pl-PL"/>
+          </a:p>
+        </p:txBody>
+      </p:sp>
+    </p:spTree>
+    <p:extLst>
+      <p:ext uri="{BB962C8B-B14F-4D97-AF65-F5344CB8AC3E}">
+        <p14:creationId xmlns:p14="http://schemas.microsoft.com/office/powerpoint/2010/main" val="2706767318"/>
+      </p:ext>
+    </p:extLst>
+  </p:cSld>
+  <p:clrMapOvr>
+    <a:masterClrMapping/>
+  </p:clrMapOvr>
+</p:notes>
+</file>
+
+<file path=ppt/notesSlides/notesSlide26.xml><?xml version="1.0" encoding="utf-8"?>
+<p:notes xmlns:a="http://schemas.openxmlformats.org/drawingml/2006/main" xmlns:r="http://schemas.openxmlformats.org/officeDocument/2006/relationships" xmlns:p="http://schemas.openxmlformats.org/presentationml/2006/main">
+  <p:cSld>
+    <p:spTree>
+      <p:nvGrpSpPr>
+        <p:cNvPr id="1" name=""/>
+        <p:cNvGrpSpPr/>
+        <p:nvPr/>
+      </p:nvGrpSpPr>
+      <p:grpSpPr>
+        <a:xfrm>
+          <a:off x="0" y="0"/>
+          <a:ext cx="0" cy="0"/>
+          <a:chOff x="0" y="0"/>
+          <a:chExt cx="0" cy="0"/>
+        </a:xfrm>
+      </p:grpSpPr>
+      <p:sp>
+        <p:nvSpPr>
+          <p:cNvPr id="2" name="Symbol zastępczy obrazu slajdu 1"/>
+          <p:cNvSpPr>
+            <a:spLocks noGrp="1" noRot="1" noChangeAspect="1"/>
+          </p:cNvSpPr>
+          <p:nvPr>
+            <p:ph type="sldImg"/>
+          </p:nvPr>
+        </p:nvSpPr>
+        <p:spPr/>
+      </p:sp>
+      <p:sp>
+        <p:nvSpPr>
+          <p:cNvPr id="3" name="Symbol zastępczy notatek 2"/>
+          <p:cNvSpPr>
+            <a:spLocks noGrp="1"/>
+          </p:cNvSpPr>
+          <p:nvPr>
+            <p:ph type="body" idx="1"/>
+          </p:nvPr>
+        </p:nvSpPr>
+        <p:spPr/>
+        <p:txBody>
+          <a:bodyPr/>
+          <a:lstStyle/>
+          <a:p>
+            <a:endParaRPr lang="pl-PL"/>
+          </a:p>
+        </p:txBody>
+      </p:sp>
+      <p:sp>
+        <p:nvSpPr>
+          <p:cNvPr id="4" name="Symbol zastępczy numeru slajdu 3"/>
+          <p:cNvSpPr>
+            <a:spLocks noGrp="1"/>
+          </p:cNvSpPr>
+          <p:nvPr>
+            <p:ph type="sldNum" sz="quarter" idx="5"/>
+          </p:nvPr>
+        </p:nvSpPr>
+        <p:spPr/>
+        <p:txBody>
+          <a:bodyPr/>
+          <a:lstStyle/>
+          <a:p>
+            <a:fld id="{FCA74D20-1EA3-4C23-8DFB-55EEDCA4B4AA}" type="slidenum">
+              <a:rPr lang="pl-PL" smtClean="0"/>
+              <a:t>26</a:t>
+            </a:fld>
+            <a:endParaRPr lang="pl-PL"/>
+          </a:p>
+        </p:txBody>
+      </p:sp>
+    </p:spTree>
+    <p:extLst>
+      <p:ext uri="{BB962C8B-B14F-4D97-AF65-F5344CB8AC3E}">
+        <p14:creationId xmlns:p14="http://schemas.microsoft.com/office/powerpoint/2010/main" val="3455061727"/>
+      </p:ext>
+    </p:extLst>
+  </p:cSld>
+  <p:clrMapOvr>
+    <a:masterClrMapping/>
+  </p:clrMapOvr>
+</p:notes>
+</file>
+
+<file path=ppt/notesSlides/notesSlide3.xml><?xml version="1.0" encoding="utf-8"?>
+<p:notes xmlns:a="http://schemas.openxmlformats.org/drawingml/2006/main" xmlns:r="http://schemas.openxmlformats.org/officeDocument/2006/relationships" xmlns:p="http://schemas.openxmlformats.org/presentationml/2006/main">
+  <p:cSld>
+    <p:spTree>
+      <p:nvGrpSpPr>
+        <p:cNvPr id="1" name=""/>
+        <p:cNvGrpSpPr/>
+        <p:nvPr/>
+      </p:nvGrpSpPr>
+      <p:grpSpPr>
+        <a:xfrm>
+          <a:off x="0" y="0"/>
+          <a:ext cx="0" cy="0"/>
+          <a:chOff x="0" y="0"/>
+          <a:chExt cx="0" cy="0"/>
+        </a:xfrm>
+      </p:grpSpPr>
+      <p:sp>
+        <p:nvSpPr>
+          <p:cNvPr id="2" name="Symbol zastępczy obrazu slajdu 1"/>
+          <p:cNvSpPr>
+            <a:spLocks noGrp="1" noRot="1" noChangeAspect="1"/>
+          </p:cNvSpPr>
+          <p:nvPr>
+            <p:ph type="sldImg"/>
+          </p:nvPr>
+        </p:nvSpPr>
+        <p:spPr/>
+      </p:sp>
+      <p:sp>
+        <p:nvSpPr>
+          <p:cNvPr id="3" name="Symbol zastępczy notatek 2"/>
+          <p:cNvSpPr>
+            <a:spLocks noGrp="1"/>
+          </p:cNvSpPr>
+          <p:nvPr>
+            <p:ph type="body" idx="1"/>
+          </p:nvPr>
+        </p:nvSpPr>
+        <p:spPr/>
+        <p:txBody>
+          <a:bodyPr/>
+          <a:lstStyle/>
+          <a:p>
+            <a:endParaRPr lang="pl-PL"/>
+          </a:p>
+        </p:txBody>
+      </p:sp>
+      <p:sp>
+        <p:nvSpPr>
+          <p:cNvPr id="4" name="Symbol zastępczy numeru slajdu 3"/>
+          <p:cNvSpPr>
+            <a:spLocks noGrp="1"/>
+          </p:cNvSpPr>
+          <p:nvPr>
+            <p:ph type="sldNum" sz="quarter" idx="5"/>
+          </p:nvPr>
+        </p:nvSpPr>
+        <p:spPr/>
+        <p:txBody>
+          <a:bodyPr/>
+          <a:lstStyle/>
+          <a:p>
+            <a:fld id="{FCA74D20-1EA3-4C23-8DFB-55EEDCA4B4AA}" type="slidenum">
+              <a:rPr lang="pl-PL" smtClean="0"/>
+              <a:t>3</a:t>
+            </a:fld>
+            <a:endParaRPr lang="pl-PL"/>
+          </a:p>
+        </p:txBody>
+      </p:sp>
+    </p:spTree>
+    <p:extLst>
+      <p:ext uri="{BB962C8B-B14F-4D97-AF65-F5344CB8AC3E}">
+        <p14:creationId xmlns:p14="http://schemas.microsoft.com/office/powerpoint/2010/main" val="2173994955"/>
+      </p:ext>
+    </p:extLst>
+  </p:cSld>
+  <p:clrMapOvr>
+    <a:masterClrMapping/>
+  </p:clrMapOvr>
+</p:notes>
+</file>
+
+<file path=ppt/notesSlides/notesSlide4.xml><?xml version="1.0" encoding="utf-8"?>
+<p:notes xmlns:a="http://schemas.openxmlformats.org/drawingml/2006/main" xmlns:r="http://schemas.openxmlformats.org/officeDocument/2006/relationships" xmlns:p="http://schemas.openxmlformats.org/presentationml/2006/main">
+  <p:cSld>
+    <p:spTree>
+      <p:nvGrpSpPr>
+        <p:cNvPr id="1" name=""/>
+        <p:cNvGrpSpPr/>
+        <p:nvPr/>
+      </p:nvGrpSpPr>
+      <p:grpSpPr>
+        <a:xfrm>
+          <a:off x="0" y="0"/>
+          <a:ext cx="0" cy="0"/>
+          <a:chOff x="0" y="0"/>
+          <a:chExt cx="0" cy="0"/>
+        </a:xfrm>
+      </p:grpSpPr>
+      <p:sp>
+        <p:nvSpPr>
+          <p:cNvPr id="2" name="Symbol zastępczy obrazu slajdu 1"/>
+          <p:cNvSpPr>
+            <a:spLocks noGrp="1" noRot="1" noChangeAspect="1"/>
+          </p:cNvSpPr>
+          <p:nvPr>
+            <p:ph type="sldImg"/>
+          </p:nvPr>
+        </p:nvSpPr>
+        <p:spPr/>
+      </p:sp>
+      <p:sp>
+        <p:nvSpPr>
+          <p:cNvPr id="3" name="Symbol zastępczy notatek 2"/>
+          <p:cNvSpPr>
+            <a:spLocks noGrp="1"/>
+          </p:cNvSpPr>
+          <p:nvPr>
+            <p:ph type="body" idx="1"/>
+          </p:nvPr>
+        </p:nvSpPr>
+        <p:spPr/>
+        <p:txBody>
+          <a:bodyPr/>
+          <a:lstStyle/>
+          <a:p>
+            <a:endParaRPr lang="pl-PL"/>
+          </a:p>
+        </p:txBody>
+      </p:sp>
+      <p:sp>
+        <p:nvSpPr>
+          <p:cNvPr id="4" name="Symbol zastępczy numeru slajdu 3"/>
+          <p:cNvSpPr>
+            <a:spLocks noGrp="1"/>
+          </p:cNvSpPr>
+          <p:nvPr>
+            <p:ph type="sldNum" sz="quarter" idx="5"/>
+          </p:nvPr>
+        </p:nvSpPr>
+        <p:spPr/>
+        <p:txBody>
+          <a:bodyPr/>
+          <a:lstStyle/>
+          <a:p>
+            <a:fld id="{FCA74D20-1EA3-4C23-8DFB-55EEDCA4B4AA}" type="slidenum">
+              <a:rPr lang="pl-PL" smtClean="0"/>
+              <a:t>4</a:t>
+            </a:fld>
+            <a:endParaRPr lang="pl-PL"/>
+          </a:p>
+        </p:txBody>
+      </p:sp>
+    </p:spTree>
+    <p:extLst>
+      <p:ext uri="{BB962C8B-B14F-4D97-AF65-F5344CB8AC3E}">
+        <p14:creationId xmlns:p14="http://schemas.microsoft.com/office/powerpoint/2010/main" val="467231213"/>
+      </p:ext>
+    </p:extLst>
+  </p:cSld>
+  <p:clrMapOvr>
+    <a:masterClrMapping/>
+  </p:clrMapOvr>
+</p:notes>
+</file>
+
+<file path=ppt/notesSlides/notesSlide5.xml><?xml version="1.0" encoding="utf-8"?>
+<p:notes xmlns:a="http://schemas.openxmlformats.org/drawingml/2006/main" xmlns:r="http://schemas.openxmlformats.org/officeDocument/2006/relationships" xmlns:p="http://schemas.openxmlformats.org/presentationml/2006/main">
+  <p:cSld>
+    <p:spTree>
+      <p:nvGrpSpPr>
+        <p:cNvPr id="1" name=""/>
+        <p:cNvGrpSpPr/>
+        <p:nvPr/>
+      </p:nvGrpSpPr>
+      <p:grpSpPr>
+        <a:xfrm>
+          <a:off x="0" y="0"/>
+          <a:ext cx="0" cy="0"/>
+          <a:chOff x="0" y="0"/>
+          <a:chExt cx="0" cy="0"/>
+        </a:xfrm>
+      </p:grpSpPr>
+      <p:sp>
+        <p:nvSpPr>
+          <p:cNvPr id="2" name="Symbol zastępczy obrazu slajdu 1"/>
+          <p:cNvSpPr>
+            <a:spLocks noGrp="1" noRot="1" noChangeAspect="1"/>
+          </p:cNvSpPr>
+          <p:nvPr>
+            <p:ph type="sldImg"/>
+          </p:nvPr>
+        </p:nvSpPr>
+        <p:spPr/>
+      </p:sp>
+      <p:sp>
+        <p:nvSpPr>
+          <p:cNvPr id="3" name="Symbol zastępczy notatek 2"/>
+          <p:cNvSpPr>
+            <a:spLocks noGrp="1"/>
+          </p:cNvSpPr>
+          <p:nvPr>
+            <p:ph type="body" idx="1"/>
+          </p:nvPr>
+        </p:nvSpPr>
+        <p:spPr/>
+        <p:txBody>
+          <a:bodyPr/>
+          <a:lstStyle/>
+          <a:p>
+            <a:endParaRPr lang="pl-PL"/>
+          </a:p>
+        </p:txBody>
+      </p:sp>
+      <p:sp>
+        <p:nvSpPr>
+          <p:cNvPr id="4" name="Symbol zastępczy numeru slajdu 3"/>
+          <p:cNvSpPr>
+            <a:spLocks noGrp="1"/>
+          </p:cNvSpPr>
+          <p:nvPr>
+            <p:ph type="sldNum" sz="quarter" idx="5"/>
+          </p:nvPr>
+        </p:nvSpPr>
+        <p:spPr/>
+        <p:txBody>
+          <a:bodyPr/>
+          <a:lstStyle/>
+          <a:p>
+            <a:fld id="{FCA74D20-1EA3-4C23-8DFB-55EEDCA4B4AA}" type="slidenum">
+              <a:rPr lang="pl-PL" smtClean="0"/>
+              <a:t>5</a:t>
+            </a:fld>
+            <a:endParaRPr lang="pl-PL"/>
+          </a:p>
+        </p:txBody>
+      </p:sp>
+    </p:spTree>
+    <p:extLst>
+      <p:ext uri="{BB962C8B-B14F-4D97-AF65-F5344CB8AC3E}">
+        <p14:creationId xmlns:p14="http://schemas.microsoft.com/office/powerpoint/2010/main" val="2697025526"/>
+      </p:ext>
+    </p:extLst>
+  </p:cSld>
+  <p:clrMapOvr>
+    <a:masterClrMapping/>
+  </p:clrMapOvr>
+</p:notes>
+</file>
+
+<file path=ppt/notesSlides/notesSlide6.xml><?xml version="1.0" encoding="utf-8"?>
+<p:notes xmlns:a="http://schemas.openxmlformats.org/drawingml/2006/main" xmlns:r="http://schemas.openxmlformats.org/officeDocument/2006/relationships" xmlns:p="http://schemas.openxmlformats.org/presentationml/2006/main">
+  <p:cSld>
+    <p:spTree>
+      <p:nvGrpSpPr>
+        <p:cNvPr id="1" name=""/>
+        <p:cNvGrpSpPr/>
+        <p:nvPr/>
+      </p:nvGrpSpPr>
+      <p:grpSpPr>
+        <a:xfrm>
+          <a:off x="0" y="0"/>
+          <a:ext cx="0" cy="0"/>
+          <a:chOff x="0" y="0"/>
+          <a:chExt cx="0" cy="0"/>
+        </a:xfrm>
+      </p:grpSpPr>
+      <p:sp>
+        <p:nvSpPr>
+          <p:cNvPr id="2" name="Symbol zastępczy obrazu slajdu 1"/>
+          <p:cNvSpPr>
+            <a:spLocks noGrp="1" noRot="1" noChangeAspect="1"/>
+          </p:cNvSpPr>
+          <p:nvPr>
+            <p:ph type="sldImg"/>
+          </p:nvPr>
+        </p:nvSpPr>
+        <p:spPr/>
+      </p:sp>
+      <p:sp>
+        <p:nvSpPr>
+          <p:cNvPr id="3" name="Symbol zastępczy notatek 2"/>
+          <p:cNvSpPr>
+            <a:spLocks noGrp="1"/>
+          </p:cNvSpPr>
+          <p:nvPr>
+            <p:ph type="body" idx="1"/>
+          </p:nvPr>
+        </p:nvSpPr>
+        <p:spPr/>
+        <p:txBody>
+          <a:bodyPr/>
+          <a:lstStyle/>
+          <a:p>
+            <a:endParaRPr lang="pl-PL"/>
+          </a:p>
+        </p:txBody>
+      </p:sp>
+      <p:sp>
+        <p:nvSpPr>
+          <p:cNvPr id="4" name="Symbol zastępczy numeru slajdu 3"/>
+          <p:cNvSpPr>
+            <a:spLocks noGrp="1"/>
+          </p:cNvSpPr>
+          <p:nvPr>
+            <p:ph type="sldNum" sz="quarter" idx="5"/>
+          </p:nvPr>
+        </p:nvSpPr>
+        <p:spPr/>
+        <p:txBody>
+          <a:bodyPr/>
+          <a:lstStyle/>
+          <a:p>
+            <a:fld id="{FCA74D20-1EA3-4C23-8DFB-55EEDCA4B4AA}" type="slidenum">
+              <a:rPr lang="pl-PL" smtClean="0"/>
+              <a:t>6</a:t>
+            </a:fld>
+            <a:endParaRPr lang="pl-PL"/>
+          </a:p>
+        </p:txBody>
+      </p:sp>
+    </p:spTree>
+    <p:extLst>
+      <p:ext uri="{BB962C8B-B14F-4D97-AF65-F5344CB8AC3E}">
+        <p14:creationId xmlns:p14="http://schemas.microsoft.com/office/powerpoint/2010/main" val="2618624079"/>
+      </p:ext>
+    </p:extLst>
+  </p:cSld>
+  <p:clrMapOvr>
+    <a:masterClrMapping/>
+  </p:clrMapOvr>
+</p:notes>
+</file>
+
+<file path=ppt/notesSlides/notesSlide7.xml><?xml version="1.0" encoding="utf-8"?>
+<p:notes xmlns:a="http://schemas.openxmlformats.org/drawingml/2006/main" xmlns:r="http://schemas.openxmlformats.org/officeDocument/2006/relationships" xmlns:p="http://schemas.openxmlformats.org/presentationml/2006/main">
+  <p:cSld>
+    <p:spTree>
+      <p:nvGrpSpPr>
+        <p:cNvPr id="1" name=""/>
+        <p:cNvGrpSpPr/>
+        <p:nvPr/>
+      </p:nvGrpSpPr>
+      <p:grpSpPr>
+        <a:xfrm>
+          <a:off x="0" y="0"/>
+          <a:ext cx="0" cy="0"/>
+          <a:chOff x="0" y="0"/>
+          <a:chExt cx="0" cy="0"/>
+        </a:xfrm>
+      </p:grpSpPr>
+      <p:sp>
+        <p:nvSpPr>
+          <p:cNvPr id="2" name="Symbol zastępczy obrazu slajdu 1"/>
+          <p:cNvSpPr>
+            <a:spLocks noGrp="1" noRot="1" noChangeAspect="1"/>
+          </p:cNvSpPr>
+          <p:nvPr>
+            <p:ph type="sldImg"/>
+          </p:nvPr>
+        </p:nvSpPr>
+        <p:spPr/>
+      </p:sp>
+      <p:sp>
+        <p:nvSpPr>
+          <p:cNvPr id="3" name="Symbol zastępczy notatek 2"/>
+          <p:cNvSpPr>
+            <a:spLocks noGrp="1"/>
+          </p:cNvSpPr>
+          <p:nvPr>
+            <p:ph type="body" idx="1"/>
+          </p:nvPr>
+        </p:nvSpPr>
+        <p:spPr/>
+        <p:txBody>
+          <a:bodyPr/>
+          <a:lstStyle/>
+          <a:p>
+            <a:endParaRPr lang="pl-PL"/>
+          </a:p>
+        </p:txBody>
+      </p:sp>
+      <p:sp>
+        <p:nvSpPr>
+          <p:cNvPr id="4" name="Symbol zastępczy numeru slajdu 3"/>
+          <p:cNvSpPr>
+            <a:spLocks noGrp="1"/>
+          </p:cNvSpPr>
+          <p:nvPr>
+            <p:ph type="sldNum" sz="quarter" idx="5"/>
+          </p:nvPr>
+        </p:nvSpPr>
+        <p:spPr/>
+        <p:txBody>
+          <a:bodyPr/>
+          <a:lstStyle/>
+          <a:p>
+            <a:fld id="{FCA74D20-1EA3-4C23-8DFB-55EEDCA4B4AA}" type="slidenum">
+              <a:rPr lang="pl-PL" smtClean="0"/>
+              <a:t>7</a:t>
+            </a:fld>
+            <a:endParaRPr lang="pl-PL"/>
+          </a:p>
+        </p:txBody>
+      </p:sp>
+    </p:spTree>
+    <p:extLst>
+      <p:ext uri="{BB962C8B-B14F-4D97-AF65-F5344CB8AC3E}">
+        <p14:creationId xmlns:p14="http://schemas.microsoft.com/office/powerpoint/2010/main" val="4133876724"/>
+      </p:ext>
+    </p:extLst>
+  </p:cSld>
+  <p:clrMapOvr>
+    <a:masterClrMapping/>
+  </p:clrMapOvr>
+</p:notes>
+</file>
+
+<file path=ppt/notesSlides/notesSlide8.xml><?xml version="1.0" encoding="utf-8"?>
+<p:notes xmlns:a="http://schemas.openxmlformats.org/drawingml/2006/main" xmlns:r="http://schemas.openxmlformats.org/officeDocument/2006/relationships" xmlns:p="http://schemas.openxmlformats.org/presentationml/2006/main">
+  <p:cSld>
+    <p:spTree>
+      <p:nvGrpSpPr>
+        <p:cNvPr id="1" name=""/>
+        <p:cNvGrpSpPr/>
+        <p:nvPr/>
+      </p:nvGrpSpPr>
+      <p:grpSpPr>
+        <a:xfrm>
+          <a:off x="0" y="0"/>
+          <a:ext cx="0" cy="0"/>
+          <a:chOff x="0" y="0"/>
+          <a:chExt cx="0" cy="0"/>
+        </a:xfrm>
+      </p:grpSpPr>
+      <p:sp>
+        <p:nvSpPr>
+          <p:cNvPr id="2" name="Symbol zastępczy obrazu slajdu 1"/>
+          <p:cNvSpPr>
+            <a:spLocks noGrp="1" noRot="1" noChangeAspect="1"/>
+          </p:cNvSpPr>
+          <p:nvPr>
+            <p:ph type="sldImg"/>
+          </p:nvPr>
+        </p:nvSpPr>
+        <p:spPr/>
+      </p:sp>
+      <p:sp>
+        <p:nvSpPr>
+          <p:cNvPr id="3" name="Symbol zastępczy notatek 2"/>
+          <p:cNvSpPr>
+            <a:spLocks noGrp="1"/>
+          </p:cNvSpPr>
+          <p:nvPr>
+            <p:ph type="body" idx="1"/>
+          </p:nvPr>
+        </p:nvSpPr>
+        <p:spPr/>
+        <p:txBody>
+          <a:bodyPr/>
+          <a:lstStyle/>
+          <a:p>
+            <a:endParaRPr lang="pl-PL"/>
+          </a:p>
+        </p:txBody>
+      </p:sp>
+      <p:sp>
+        <p:nvSpPr>
+          <p:cNvPr id="4" name="Symbol zastępczy numeru slajdu 3"/>
+          <p:cNvSpPr>
+            <a:spLocks noGrp="1"/>
+          </p:cNvSpPr>
+          <p:nvPr>
+            <p:ph type="sldNum" sz="quarter" idx="5"/>
+          </p:nvPr>
+        </p:nvSpPr>
+        <p:spPr/>
+        <p:txBody>
+          <a:bodyPr/>
+          <a:lstStyle/>
+          <a:p>
+            <a:fld id="{FCA74D20-1EA3-4C23-8DFB-55EEDCA4B4AA}" type="slidenum">
+              <a:rPr lang="pl-PL" smtClean="0"/>
+              <a:t>8</a:t>
+            </a:fld>
+            <a:endParaRPr lang="pl-PL"/>
+          </a:p>
+        </p:txBody>
+      </p:sp>
+    </p:spTree>
+    <p:extLst>
+      <p:ext uri="{BB962C8B-B14F-4D97-AF65-F5344CB8AC3E}">
+        <p14:creationId xmlns:p14="http://schemas.microsoft.com/office/powerpoint/2010/main" val="1275034334"/>
+      </p:ext>
+    </p:extLst>
+  </p:cSld>
+  <p:clrMapOvr>
+    <a:masterClrMapping/>
+  </p:clrMapOvr>
+</p:notes>
+</file>
+
+<file path=ppt/notesSlides/notesSlide9.xml><?xml version="1.0" encoding="utf-8"?>
+<p:notes xmlns:a="http://schemas.openxmlformats.org/drawingml/2006/main" xmlns:r="http://schemas.openxmlformats.org/officeDocument/2006/relationships" xmlns:p="http://schemas.openxmlformats.org/presentationml/2006/main">
+  <p:cSld>
+    <p:spTree>
+      <p:nvGrpSpPr>
+        <p:cNvPr id="1" name=""/>
+        <p:cNvGrpSpPr/>
+        <p:nvPr/>
+      </p:nvGrpSpPr>
+      <p:grpSpPr>
+        <a:xfrm>
+          <a:off x="0" y="0"/>
+          <a:ext cx="0" cy="0"/>
+          <a:chOff x="0" y="0"/>
+          <a:chExt cx="0" cy="0"/>
+        </a:xfrm>
+      </p:grpSpPr>
+      <p:sp>
+        <p:nvSpPr>
+          <p:cNvPr id="2" name="Symbol zastępczy obrazu slajdu 1"/>
+          <p:cNvSpPr>
+            <a:spLocks noGrp="1" noRot="1" noChangeAspect="1"/>
+          </p:cNvSpPr>
+          <p:nvPr>
+            <p:ph type="sldImg"/>
+          </p:nvPr>
+        </p:nvSpPr>
+        <p:spPr/>
+      </p:sp>
+      <p:sp>
+        <p:nvSpPr>
+          <p:cNvPr id="3" name="Symbol zastępczy notatek 2"/>
+          <p:cNvSpPr>
+            <a:spLocks noGrp="1"/>
+          </p:cNvSpPr>
+          <p:nvPr>
+            <p:ph type="body" idx="1"/>
+          </p:nvPr>
+        </p:nvSpPr>
+        <p:spPr/>
+        <p:txBody>
+          <a:bodyPr/>
+          <a:lstStyle/>
+          <a:p>
+            <a:endParaRPr lang="pl-PL"/>
+          </a:p>
+        </p:txBody>
+      </p:sp>
+      <p:sp>
+        <p:nvSpPr>
+          <p:cNvPr id="4" name="Symbol zastępczy numeru slajdu 3"/>
+          <p:cNvSpPr>
+            <a:spLocks noGrp="1"/>
+          </p:cNvSpPr>
+          <p:nvPr>
+            <p:ph type="sldNum" sz="quarter" idx="5"/>
+          </p:nvPr>
+        </p:nvSpPr>
+        <p:spPr/>
+        <p:txBody>
+          <a:bodyPr/>
+          <a:lstStyle/>
+          <a:p>
+            <a:fld id="{FCA74D20-1EA3-4C23-8DFB-55EEDCA4B4AA}" type="slidenum">
+              <a:rPr lang="pl-PL" smtClean="0"/>
+              <a:t>9</a:t>
+            </a:fld>
+            <a:endParaRPr lang="pl-PL"/>
+          </a:p>
+        </p:txBody>
+      </p:sp>
+    </p:spTree>
+    <p:extLst>
+      <p:ext uri="{BB962C8B-B14F-4D97-AF65-F5344CB8AC3E}">
+        <p14:creationId xmlns:p14="http://schemas.microsoft.com/office/powerpoint/2010/main" val="3803389539"/>
+      </p:ext>
+    </p:extLst>
+  </p:cSld>
+  <p:clrMapOvr>
+    <a:masterClrMapping/>
+  </p:clrMapOvr>
+</p:notes>
 </file>
 
 <file path=ppt/slideLayouts/slideLayout1.xml><?xml version="1.0" encoding="utf-8"?>
@@ -3112,8 +5648,8 @@
         </p:nvSpPr>
         <p:spPr>
           <a:xfrm>
-            <a:off x="838200" y="1284790"/>
-            <a:ext cx="3621191" cy="4191450"/>
+            <a:off x="838200" y="2812868"/>
+            <a:ext cx="3621191" cy="2621281"/>
           </a:xfrm>
         </p:spPr>
         <p:txBody>
@@ -3124,9 +5660,9 @@
           <a:p>
             <a:pPr algn="r"/>
             <a:r>
-              <a:rPr lang="en-US" sz="4800" b="1" kern="1200" dirty="0" err="1">
+              <a:rPr lang="en-US" sz="4800" b="1" kern="1200">
                 <a:solidFill>
-                  <a:schemeClr val="accent1"/>
+                  <a:srgbClr val="D43F35"/>
                 </a:solidFill>
                 <a:latin typeface="Bahnschrift" panose="020B0502040204020203" pitchFamily="34" charset="0"/>
               </a:rPr>
@@ -3134,7 +5670,7 @@
             </a:r>
             <a:endParaRPr lang="en-US" sz="4800" b="1" kern="1200" dirty="0">
               <a:solidFill>
-                <a:schemeClr val="accent1"/>
+                <a:srgbClr val="D43F35"/>
               </a:solidFill>
               <a:latin typeface="Bahnschrift" panose="020B0502040204020203" pitchFamily="34" charset="0"/>
             </a:endParaRPr>
@@ -3214,7 +5750,7 @@
         </p:nvSpPr>
         <p:spPr>
           <a:xfrm>
-            <a:off x="4976031" y="2442258"/>
+            <a:off x="4796951" y="1904842"/>
             <a:ext cx="6377769" cy="3451864"/>
           </a:xfrm>
         </p:spPr>
@@ -3226,40 +5762,13 @@
           <a:p>
             <a:pPr algn="l"/>
             <a:r>
-              <a:rPr lang="en-US" b="1" dirty="0" err="1">
+              <a:rPr lang="en-US" b="1">
                 <a:solidFill>
                   <a:schemeClr val="tx1"/>
                 </a:solidFill>
                 <a:latin typeface="Bahnschrift" panose="020B0502040204020203" pitchFamily="34" charset="0"/>
               </a:rPr>
-              <a:t>Skład</a:t>
-            </a:r>
-            <a:r>
-              <a:rPr lang="en-US" b="1" dirty="0">
-                <a:solidFill>
-                  <a:schemeClr val="tx1"/>
-                </a:solidFill>
-                <a:latin typeface="Bahnschrift" panose="020B0502040204020203" pitchFamily="34" charset="0"/>
-              </a:rPr>
-              <a:t> </a:t>
-            </a:r>
-            <a:r>
-              <a:rPr lang="en-US" b="1" dirty="0" err="1">
-                <a:solidFill>
-                  <a:schemeClr val="tx1"/>
-                </a:solidFill>
-                <a:latin typeface="Bahnschrift" panose="020B0502040204020203" pitchFamily="34" charset="0"/>
-              </a:rPr>
-              <a:t>zespołu</a:t>
-            </a:r>
-            <a:r>
-              <a:rPr lang="en-US" b="1" dirty="0">
-                <a:solidFill>
-                  <a:schemeClr val="tx1"/>
-                </a:solidFill>
-                <a:latin typeface="Bahnschrift" panose="020B0502040204020203" pitchFamily="34" charset="0"/>
-              </a:rPr>
-              <a:t>:</a:t>
+              <a:t>Skład zespołu:</a:t>
             </a:r>
           </a:p>
           <a:p>
@@ -3268,7 +5777,7 @@
               <a:buChar char="§"/>
             </a:pPr>
             <a:r>
-              <a:rPr lang="en-US" dirty="0">
+              <a:rPr lang="en-US">
                 <a:solidFill>
                   <a:schemeClr val="tx1"/>
                 </a:solidFill>
@@ -3283,7 +5792,7 @@
               <a:buChar char="§"/>
             </a:pPr>
             <a:r>
-              <a:rPr lang="en-US" dirty="0">
+              <a:rPr lang="en-US">
                 <a:solidFill>
                   <a:schemeClr val="tx1"/>
                 </a:solidFill>
@@ -3298,38 +5807,14 @@
               <a:buChar char="§"/>
             </a:pPr>
             <a:r>
-              <a:rPr lang="en-US" dirty="0" err="1">
+              <a:rPr lang="en-US">
                 <a:solidFill>
                   <a:schemeClr val="tx1"/>
                 </a:solidFill>
                 <a:latin typeface="Bahnschrift" panose="020B0502040204020203" pitchFamily="34" charset="0"/>
               </a:rPr>
-              <a:t>Michał</a:t>
-            </a:r>
-            <a:r>
-              <a:rPr lang="en-US" dirty="0">
-                <a:solidFill>
-                  <a:schemeClr val="tx1"/>
-                </a:solidFill>
-                <a:latin typeface="Bahnschrift" panose="020B0502040204020203" pitchFamily="34" charset="0"/>
-              </a:rPr>
-              <a:t> </a:t>
-            </a:r>
-            <a:r>
-              <a:rPr lang="en-US" dirty="0" err="1">
-                <a:solidFill>
-                  <a:schemeClr val="tx1"/>
-                </a:solidFill>
-                <a:latin typeface="Bahnschrift" panose="020B0502040204020203" pitchFamily="34" charset="0"/>
-              </a:rPr>
-              <a:t>Kierzkowski</a:t>
-            </a:r>
-            <a:endParaRPr lang="en-US" dirty="0">
-              <a:solidFill>
-                <a:schemeClr val="tx1"/>
-              </a:solidFill>
-              <a:latin typeface="Bahnschrift" panose="020B0502040204020203" pitchFamily="34" charset="0"/>
-            </a:endParaRPr>
+              <a:t>Michał Kierzkowski</a:t>
+            </a:r>
           </a:p>
           <a:p>
             <a:pPr indent="-228600" algn="l">
@@ -3345,6 +5830,42 @@
           </a:p>
         </p:txBody>
       </p:sp>
+      <p:pic>
+        <p:nvPicPr>
+          <p:cNvPr id="5" name="Obraz 4">
+            <a:extLst>
+              <a:ext uri="{FF2B5EF4-FFF2-40B4-BE49-F238E27FC236}">
+                <a16:creationId xmlns:a16="http://schemas.microsoft.com/office/drawing/2014/main" id="{47DED8FE-977E-4F30-958B-82B64B94B3FD}"/>
+              </a:ext>
+            </a:extLst>
+          </p:cNvPr>
+          <p:cNvPicPr>
+            <a:picLocks noChangeAspect="1"/>
+          </p:cNvPicPr>
+          <p:nvPr/>
+        </p:nvPicPr>
+        <p:blipFill>
+          <a:blip r:embed="rId3">
+            <a:extLst>
+              <a:ext uri="{28A0092B-C50C-407E-A947-70E740481C1C}">
+                <a14:useLocalDpi xmlns:a14="http://schemas.microsoft.com/office/drawing/2010/main" val="0"/>
+              </a:ext>
+            </a:extLst>
+          </a:blip>
+          <a:stretch>
+            <a:fillRect/>
+          </a:stretch>
+        </p:blipFill>
+        <p:spPr>
+          <a:xfrm>
+            <a:off x="1838897" y="1994962"/>
+            <a:ext cx="1635812" cy="1635812"/>
+          </a:xfrm>
+          <a:prstGeom prst="rect">
+            <a:avLst/>
+          </a:prstGeom>
+        </p:spPr>
+      </p:pic>
     </p:spTree>
     <p:extLst>
       <p:ext uri="{BB962C8B-B14F-4D97-AF65-F5344CB8AC3E}">
@@ -3475,7 +5996,7 @@
           <p:nvPr/>
         </p:nvPicPr>
         <p:blipFill rotWithShape="1">
-          <a:blip r:embed="rId2"/>
+          <a:blip r:embed="rId3"/>
           <a:srcRect l="6915" t="6165" r="7312" b="6652"/>
           <a:stretch/>
         </p:blipFill>
@@ -3588,7 +6109,7 @@
           <p:nvPr/>
         </p:nvPicPr>
         <p:blipFill rotWithShape="1">
-          <a:blip r:embed="rId2"/>
+          <a:blip r:embed="rId3"/>
           <a:srcRect l="2234" t="4077" r="2071" b="3804"/>
           <a:stretch/>
         </p:blipFill>
@@ -4033,7 +6554,7 @@
           <p:nvPr/>
         </p:nvPicPr>
         <p:blipFill rotWithShape="1">
-          <a:blip r:embed="rId2"/>
+          <a:blip r:embed="rId3"/>
           <a:srcRect l="2738" t="3113" r="3000" b="3423"/>
           <a:stretch/>
         </p:blipFill>
@@ -4235,7 +6756,7 @@
           <p:nvPr/>
         </p:nvPicPr>
         <p:blipFill rotWithShape="1">
-          <a:blip r:embed="rId2"/>
+          <a:blip r:embed="rId3"/>
           <a:srcRect l="6503" t="9040" r="5831" b="9892"/>
           <a:stretch/>
         </p:blipFill>
@@ -4342,7 +6863,7 @@
           <p:nvPr/>
         </p:nvPicPr>
         <p:blipFill rotWithShape="1">
-          <a:blip r:embed="rId2"/>
+          <a:blip r:embed="rId3"/>
           <a:srcRect l="2456" t="5090" r="2808" b="5061"/>
           <a:stretch/>
         </p:blipFill>
@@ -4449,13 +6970,13 @@
           <p:nvPr/>
         </p:nvPicPr>
         <p:blipFill>
-          <a:blip r:embed="rId2">
+          <a:blip r:embed="rId3">
             <a:extLst>
               <a:ext uri="{28A0092B-C50C-407E-A947-70E740481C1C}">
                 <a14:useLocalDpi xmlns:a14="http://schemas.microsoft.com/office/drawing/2010/main" val="0"/>
               </a:ext>
               <a:ext uri="{96DAC541-7B7A-43D3-8B79-37D633B846F1}">
-                <asvg:svgBlip xmlns:asvg="http://schemas.microsoft.com/office/drawing/2016/SVG/main" r:embed="rId3"/>
+                <asvg:svgBlip xmlns:asvg="http://schemas.microsoft.com/office/drawing/2016/SVG/main" r:embed="rId4"/>
               </a:ext>
             </a:extLst>
           </a:blip>
@@ -4706,7 +7227,7 @@
           <p:nvPr/>
         </p:nvPicPr>
         <p:blipFill rotWithShape="1">
-          <a:blip r:embed="rId2"/>
+          <a:blip r:embed="rId3"/>
           <a:srcRect l="2198" t="3646" r="2108" b="3829"/>
           <a:stretch/>
         </p:blipFill>
@@ -4973,7 +7494,7 @@
           <p:nvPr/>
         </p:nvPicPr>
         <p:blipFill rotWithShape="1">
-          <a:blip r:embed="rId2"/>
+          <a:blip r:embed="rId3"/>
           <a:srcRect l="2398" t="4720" r="2398" b="4753"/>
           <a:stretch/>
         </p:blipFill>
@@ -5372,7 +7893,7 @@
           <p:nvPr/>
         </p:nvPicPr>
         <p:blipFill rotWithShape="1">
-          <a:blip r:embed="rId2"/>
+          <a:blip r:embed="rId3"/>
           <a:srcRect l="2442" t="4022" r="2484" b="3312"/>
           <a:stretch/>
         </p:blipFill>
@@ -5479,7 +8000,7 @@
           <p:nvPr/>
         </p:nvPicPr>
         <p:blipFill rotWithShape="1">
-          <a:blip r:embed="rId2"/>
+          <a:blip r:embed="rId3"/>
           <a:srcRect l="1898" t="4283" r="1979" b="3967"/>
           <a:stretch/>
         </p:blipFill>
@@ -5586,7 +8107,7 @@
           <p:nvPr/>
         </p:nvPicPr>
         <p:blipFill>
-          <a:blip r:embed="rId2">
+          <a:blip r:embed="rId3">
             <a:clrChange>
               <a:clrFrom>
                 <a:srgbClr val="FFFFFF"/>
@@ -5812,7 +8333,7 @@
           <p:nvPr/>
         </p:nvPicPr>
         <p:blipFill>
-          <a:blip r:embed="rId2">
+          <a:blip r:embed="rId3">
             <a:extLst>
               <a:ext uri="{28A0092B-C50C-407E-A947-70E740481C1C}">
                 <a14:useLocalDpi xmlns:a14="http://schemas.microsoft.com/office/drawing/2010/main" val="0"/>
@@ -5934,7 +8455,7 @@
           <p:nvPr/>
         </p:nvPicPr>
         <p:blipFill>
-          <a:blip r:embed="rId2">
+          <a:blip r:embed="rId3">
             <a:extLst>
               <a:ext uri="{28A0092B-C50C-407E-A947-70E740481C1C}">
                 <a14:useLocalDpi xmlns:a14="http://schemas.microsoft.com/office/drawing/2010/main" val="0"/>
@@ -6043,10 +8564,10 @@
       </p:grpSpPr>
       <p:pic>
         <p:nvPicPr>
-          <p:cNvPr id="4" name="Obraz 3" descr="Obraz zawierający zrzut ekranu, niebo, wewnątrz, komputer&#10;&#10;Opis wygenerowany automatycznie">
+          <p:cNvPr id="5" name="Obraz 4" descr="Obraz zawierający zrzut ekranu, niebo, wewnątrz, komputer&#10;&#10;Opis wygenerowany automatycznie">
             <a:extLst>
               <a:ext uri="{FF2B5EF4-FFF2-40B4-BE49-F238E27FC236}">
-                <a16:creationId xmlns:a16="http://schemas.microsoft.com/office/drawing/2014/main" id="{79A8D056-786D-4712-9CB4-1D15A2FA67FF}"/>
+                <a16:creationId xmlns:a16="http://schemas.microsoft.com/office/drawing/2014/main" id="{C4F13207-7E2F-4A27-A884-63889A90A233}"/>
               </a:ext>
             </a:extLst>
           </p:cNvPr>
@@ -6056,7 +8577,7 @@
           <p:nvPr/>
         </p:nvPicPr>
         <p:blipFill>
-          <a:blip r:embed="rId2">
+          <a:blip r:embed="rId3">
             <a:extLst>
               <a:ext uri="{28A0092B-C50C-407E-A947-70E740481C1C}">
                 <a14:useLocalDpi xmlns:a14="http://schemas.microsoft.com/office/drawing/2010/main" val="0"/>
@@ -6174,7 +8695,7 @@
           <p:nvPr/>
         </p:nvPicPr>
         <p:blipFill>
-          <a:blip r:embed="rId2">
+          <a:blip r:embed="rId3">
             <a:extLst>
               <a:ext uri="{28A0092B-C50C-407E-A947-70E740481C1C}">
                 <a14:useLocalDpi xmlns:a14="http://schemas.microsoft.com/office/drawing/2010/main" val="0"/>
@@ -6443,7 +8964,7 @@
           <p:nvPr/>
         </p:nvPicPr>
         <p:blipFill rotWithShape="1">
-          <a:blip r:embed="rId2">
+          <a:blip r:embed="rId3">
             <a:extLst>
               <a:ext uri="{28A0092B-C50C-407E-A947-70E740481C1C}">
                 <a14:useLocalDpi xmlns:a14="http://schemas.microsoft.com/office/drawing/2010/main" val="0"/>
@@ -6478,7 +8999,7 @@
           <p:nvPr/>
         </p:nvPicPr>
         <p:blipFill>
-          <a:blip r:embed="rId3">
+          <a:blip r:embed="rId4">
             <a:extLst>
               <a:ext uri="{28A0092B-C50C-407E-A947-70E740481C1C}">
                 <a14:useLocalDpi xmlns:a14="http://schemas.microsoft.com/office/drawing/2010/main" val="0"/>
@@ -6514,7 +9035,7 @@
           <p:nvPr/>
         </p:nvPicPr>
         <p:blipFill>
-          <a:blip r:embed="rId4">
+          <a:blip r:embed="rId5">
             <a:extLst>
               <a:ext uri="{28A0092B-C50C-407E-A947-70E740481C1C}">
                 <a14:useLocalDpi xmlns:a14="http://schemas.microsoft.com/office/drawing/2010/main" val="0"/>
@@ -6550,7 +9071,7 @@
           <p:nvPr/>
         </p:nvPicPr>
         <p:blipFill>
-          <a:blip r:embed="rId5">
+          <a:blip r:embed="rId6">
             <a:extLst>
               <a:ext uri="{28A0092B-C50C-407E-A947-70E740481C1C}">
                 <a14:useLocalDpi xmlns:a14="http://schemas.microsoft.com/office/drawing/2010/main" val="0"/>
@@ -6670,7 +9191,7 @@
           <p:nvPr/>
         </p:nvPicPr>
         <p:blipFill>
-          <a:blip r:embed="rId2">
+          <a:blip r:embed="rId3">
             <a:extLst>
               <a:ext uri="{28A0092B-C50C-407E-A947-70E740481C1C}">
                 <a14:useLocalDpi xmlns:a14="http://schemas.microsoft.com/office/drawing/2010/main" val="0"/>
@@ -6784,7 +9305,7 @@
           <p:nvPr/>
         </p:nvPicPr>
         <p:blipFill>
-          <a:blip r:embed="rId2">
+          <a:blip r:embed="rId3">
             <a:extLst>
               <a:ext uri="{28A0092B-C50C-407E-A947-70E740481C1C}">
                 <a14:useLocalDpi xmlns:a14="http://schemas.microsoft.com/office/drawing/2010/main" val="0"/>
@@ -6977,7 +9498,7 @@
           <p:nvPr/>
         </p:nvPicPr>
         <p:blipFill rotWithShape="1">
-          <a:blip r:embed="rId2"/>
+          <a:blip r:embed="rId3"/>
           <a:srcRect l="3311" t="5333" r="3302" b="5190"/>
           <a:stretch/>
         </p:blipFill>
@@ -7102,7 +9623,7 @@
           <p:nvPr/>
         </p:nvPicPr>
         <p:blipFill rotWithShape="1">
-          <a:blip r:embed="rId2"/>
+          <a:blip r:embed="rId3"/>
           <a:srcRect l="2550" t="4675" r="2485" b="4166"/>
           <a:stretch/>
         </p:blipFill>
@@ -7572,7 +10093,7 @@
           <p:nvPr/>
         </p:nvPicPr>
         <p:blipFill rotWithShape="1">
-          <a:blip r:embed="rId2"/>
+          <a:blip r:embed="rId3"/>
           <a:srcRect l="4721" t="9834" r="4687" b="9834"/>
           <a:stretch/>
         </p:blipFill>
@@ -7850,4 +10371,299 @@
   <a:objectDefaults/>
   <a:extraClrSchemeLst/>
 </a:theme>
+</file>
+
+<file path=ppt/theme/theme2.xml><?xml version="1.0" encoding="utf-8"?>
+<a:theme xmlns:a="http://schemas.openxmlformats.org/drawingml/2006/main" name="Motyw pakietu Office">
+  <a:themeElements>
+    <a:clrScheme name="Pakiet Office">
+      <a:dk1>
+        <a:sysClr val="windowText" lastClr="000000"/>
+      </a:dk1>
+      <a:lt1>
+        <a:sysClr val="window" lastClr="FFFFFF"/>
+      </a:lt1>
+      <a:dk2>
+        <a:srgbClr val="44546A"/>
+      </a:dk2>
+      <a:lt2>
+        <a:srgbClr val="E7E6E6"/>
+      </a:lt2>
+      <a:accent1>
+        <a:srgbClr val="4472C4"/>
+      </a:accent1>
+      <a:accent2>
+        <a:srgbClr val="ED7D31"/>
+      </a:accent2>
+      <a:accent3>
+        <a:srgbClr val="A5A5A5"/>
+      </a:accent3>
+      <a:accent4>
+        <a:srgbClr val="FFC000"/>
+      </a:accent4>
+      <a:accent5>
+        <a:srgbClr val="5B9BD5"/>
+      </a:accent5>
+      <a:accent6>
+        <a:srgbClr val="70AD47"/>
+      </a:accent6>
+      <a:hlink>
+        <a:srgbClr val="0563C1"/>
+      </a:hlink>
+      <a:folHlink>
+        <a:srgbClr val="954F72"/>
+      </a:folHlink>
+    </a:clrScheme>
+    <a:fontScheme name="Pakiet Office">
+      <a:majorFont>
+        <a:latin typeface="Calibri Light" panose="020F0302020204030204"/>
+        <a:ea typeface=""/>
+        <a:cs typeface=""/>
+        <a:font script="Jpan" typeface="游ゴシック Light"/>
+        <a:font script="Hang" typeface="맑은 고딕"/>
+        <a:font script="Hans" typeface="等线 Light"/>
+        <a:font script="Hant" typeface="新細明體"/>
+        <a:font script="Arab" typeface="Times New Roman"/>
+        <a:font script="Hebr" typeface="Times New Roman"/>
+        <a:font script="Thai" typeface="Angsana New"/>
+        <a:font script="Ethi" typeface="Nyala"/>
+        <a:font script="Beng" typeface="Vrinda"/>
+        <a:font script="Gujr" typeface="Shruti"/>
+        <a:font script="Khmr" typeface="MoolBoran"/>
+        <a:font script="Knda" typeface="Tunga"/>
+        <a:font script="Guru" typeface="Raavi"/>
+        <a:font script="Cans" typeface="Euphemia"/>
+        <a:font script="Cher" typeface="Plantagenet Cherokee"/>
+        <a:font script="Yiii" typeface="Microsoft Yi Baiti"/>
+        <a:font script="Tibt" typeface="Microsoft Himalaya"/>
+        <a:font script="Thaa" typeface="MV Boli"/>
+        <a:font script="Deva" typeface="Mangal"/>
+        <a:font script="Telu" typeface="Gautami"/>
+        <a:font script="Taml" typeface="Latha"/>
+        <a:font script="Syrc" typeface="Estrangelo Edessa"/>
+        <a:font script="Orya" typeface="Kalinga"/>
+        <a:font script="Mlym" typeface="Kartika"/>
+        <a:font script="Laoo" typeface="DokChampa"/>
+        <a:font script="Sinh" typeface="Iskoola Pota"/>
+        <a:font script="Mong" typeface="Mongolian Baiti"/>
+        <a:font script="Viet" typeface="Times New Roman"/>
+        <a:font script="Uigh" typeface="Microsoft Uighur"/>
+        <a:font script="Geor" typeface="Sylfaen"/>
+        <a:font script="Armn" typeface="Arial"/>
+        <a:font script="Bugi" typeface="Leelawadee UI"/>
+        <a:font script="Bopo" typeface="Microsoft JhengHei"/>
+        <a:font script="Java" typeface="Javanese Text"/>
+        <a:font script="Lisu" typeface="Segoe UI"/>
+        <a:font script="Mymr" typeface="Myanmar Text"/>
+        <a:font script="Nkoo" typeface="Ebrima"/>
+        <a:font script="Olck" typeface="Nirmala UI"/>
+        <a:font script="Osma" typeface="Ebrima"/>
+        <a:font script="Phag" typeface="Phagspa"/>
+        <a:font script="Syrn" typeface="Estrangelo Edessa"/>
+        <a:font script="Syrj" typeface="Estrangelo Edessa"/>
+        <a:font script="Syre" typeface="Estrangelo Edessa"/>
+        <a:font script="Sora" typeface="Nirmala UI"/>
+        <a:font script="Tale" typeface="Microsoft Tai Le"/>
+        <a:font script="Talu" typeface="Microsoft New Tai Lue"/>
+        <a:font script="Tfng" typeface="Ebrima"/>
+      </a:majorFont>
+      <a:minorFont>
+        <a:latin typeface="Calibri" panose="020F0502020204030204"/>
+        <a:ea typeface=""/>
+        <a:cs typeface=""/>
+        <a:font script="Jpan" typeface="游ゴシック"/>
+        <a:font script="Hang" typeface="맑은 고딕"/>
+        <a:font script="Hans" typeface="等线"/>
+        <a:font script="Hant" typeface="新細明體"/>
+        <a:font script="Arab" typeface="Arial"/>
+        <a:font script="Hebr" typeface="Arial"/>
+        <a:font script="Thai" typeface="Cordia New"/>
+        <a:font script="Ethi" typeface="Nyala"/>
+        <a:font script="Beng" typeface="Vrinda"/>
+        <a:font script="Gujr" typeface="Shruti"/>
+        <a:font script="Khmr" typeface="DaunPenh"/>
+        <a:font script="Knda" typeface="Tunga"/>
+        <a:font script="Guru" typeface="Raavi"/>
+        <a:font script="Cans" typeface="Euphemia"/>
+        <a:font script="Cher" typeface="Plantagenet Cherokee"/>
+        <a:font script="Yiii" typeface="Microsoft Yi Baiti"/>
+        <a:font script="Tibt" typeface="Microsoft Himalaya"/>
+        <a:font script="Thaa" typeface="MV Boli"/>
+        <a:font script="Deva" typeface="Mangal"/>
+        <a:font script="Telu" typeface="Gautami"/>
+        <a:font script="Taml" typeface="Latha"/>
+        <a:font script="Syrc" typeface="Estrangelo Edessa"/>
+        <a:font script="Orya" typeface="Kalinga"/>
+        <a:font script="Mlym" typeface="Kartika"/>
+        <a:font script="Laoo" typeface="DokChampa"/>
+        <a:font script="Sinh" typeface="Iskoola Pota"/>
+        <a:font script="Mong" typeface="Mongolian Baiti"/>
+        <a:font script="Viet" typeface="Arial"/>
+        <a:font script="Uigh" typeface="Microsoft Uighur"/>
+        <a:font script="Geor" typeface="Sylfaen"/>
+        <a:font script="Armn" typeface="Arial"/>
+        <a:font script="Bugi" typeface="Leelawadee UI"/>
+        <a:font script="Bopo" typeface="Microsoft JhengHei"/>
+        <a:font script="Java" typeface="Javanese Text"/>
+        <a:font script="Lisu" typeface="Segoe UI"/>
+        <a:font script="Mymr" typeface="Myanmar Text"/>
+        <a:font script="Nkoo" typeface="Ebrima"/>
+        <a:font script="Olck" typeface="Nirmala UI"/>
+        <a:font script="Osma" typeface="Ebrima"/>
+        <a:font script="Phag" typeface="Phagspa"/>
+        <a:font script="Syrn" typeface="Estrangelo Edessa"/>
+        <a:font script="Syrj" typeface="Estrangelo Edessa"/>
+        <a:font script="Syre" typeface="Estrangelo Edessa"/>
+        <a:font script="Sora" typeface="Nirmala UI"/>
+        <a:font script="Tale" typeface="Microsoft Tai Le"/>
+        <a:font script="Talu" typeface="Microsoft New Tai Lue"/>
+        <a:font script="Tfng" typeface="Ebrima"/>
+      </a:minorFont>
+    </a:fontScheme>
+    <a:fmtScheme name="Pakiet Office">
+      <a:fillStyleLst>
+        <a:solidFill>
+          <a:schemeClr val="phClr"/>
+        </a:solidFill>
+        <a:gradFill rotWithShape="1">
+          <a:gsLst>
+            <a:gs pos="0">
+              <a:schemeClr val="phClr">
+                <a:lumMod val="110000"/>
+                <a:satMod val="105000"/>
+                <a:tint val="67000"/>
+              </a:schemeClr>
+            </a:gs>
+            <a:gs pos="50000">
+              <a:schemeClr val="phClr">
+                <a:lumMod val="105000"/>
+                <a:satMod val="103000"/>
+                <a:tint val="73000"/>
+              </a:schemeClr>
+            </a:gs>
+            <a:gs pos="100000">
+              <a:schemeClr val="phClr">
+                <a:lumMod val="105000"/>
+                <a:satMod val="109000"/>
+                <a:tint val="81000"/>
+              </a:schemeClr>
+            </a:gs>
+          </a:gsLst>
+          <a:lin ang="5400000" scaled="0"/>
+        </a:gradFill>
+        <a:gradFill rotWithShape="1">
+          <a:gsLst>
+            <a:gs pos="0">
+              <a:schemeClr val="phClr">
+                <a:satMod val="103000"/>
+                <a:lumMod val="102000"/>
+                <a:tint val="94000"/>
+              </a:schemeClr>
+            </a:gs>
+            <a:gs pos="50000">
+              <a:schemeClr val="phClr">
+                <a:satMod val="110000"/>
+                <a:lumMod val="100000"/>
+                <a:shade val="100000"/>
+              </a:schemeClr>
+            </a:gs>
+            <a:gs pos="100000">
+              <a:schemeClr val="phClr">
+                <a:lumMod val="99000"/>
+                <a:satMod val="120000"/>
+                <a:shade val="78000"/>
+              </a:schemeClr>
+            </a:gs>
+          </a:gsLst>
+          <a:lin ang="5400000" scaled="0"/>
+        </a:gradFill>
+      </a:fillStyleLst>
+      <a:lnStyleLst>
+        <a:ln w="6350" cap="flat" cmpd="sng" algn="ctr">
+          <a:solidFill>
+            <a:schemeClr val="phClr"/>
+          </a:solidFill>
+          <a:prstDash val="solid"/>
+          <a:miter lim="800000"/>
+        </a:ln>
+        <a:ln w="12700" cap="flat" cmpd="sng" algn="ctr">
+          <a:solidFill>
+            <a:schemeClr val="phClr"/>
+          </a:solidFill>
+          <a:prstDash val="solid"/>
+          <a:miter lim="800000"/>
+        </a:ln>
+        <a:ln w="19050" cap="flat" cmpd="sng" algn="ctr">
+          <a:solidFill>
+            <a:schemeClr val="phClr"/>
+          </a:solidFill>
+          <a:prstDash val="solid"/>
+          <a:miter lim="800000"/>
+        </a:ln>
+      </a:lnStyleLst>
+      <a:effectStyleLst>
+        <a:effectStyle>
+          <a:effectLst/>
+        </a:effectStyle>
+        <a:effectStyle>
+          <a:effectLst/>
+        </a:effectStyle>
+        <a:effectStyle>
+          <a:effectLst>
+            <a:outerShdw blurRad="57150" dist="19050" dir="5400000" algn="ctr" rotWithShape="0">
+              <a:srgbClr val="000000">
+                <a:alpha val="63000"/>
+              </a:srgbClr>
+            </a:outerShdw>
+          </a:effectLst>
+        </a:effectStyle>
+      </a:effectStyleLst>
+      <a:bgFillStyleLst>
+        <a:solidFill>
+          <a:schemeClr val="phClr"/>
+        </a:solidFill>
+        <a:solidFill>
+          <a:schemeClr val="phClr">
+            <a:tint val="95000"/>
+            <a:satMod val="170000"/>
+          </a:schemeClr>
+        </a:solidFill>
+        <a:gradFill rotWithShape="1">
+          <a:gsLst>
+            <a:gs pos="0">
+              <a:schemeClr val="phClr">
+                <a:tint val="93000"/>
+                <a:satMod val="150000"/>
+                <a:shade val="98000"/>
+                <a:lumMod val="102000"/>
+              </a:schemeClr>
+            </a:gs>
+            <a:gs pos="50000">
+              <a:schemeClr val="phClr">
+                <a:tint val="98000"/>
+                <a:satMod val="130000"/>
+                <a:shade val="90000"/>
+                <a:lumMod val="103000"/>
+              </a:schemeClr>
+            </a:gs>
+            <a:gs pos="100000">
+              <a:schemeClr val="phClr">
+                <a:shade val="63000"/>
+                <a:satMod val="120000"/>
+              </a:schemeClr>
+            </a:gs>
+          </a:gsLst>
+          <a:lin ang="5400000" scaled="0"/>
+        </a:gradFill>
+      </a:bgFillStyleLst>
+    </a:fmtScheme>
+  </a:themeElements>
+  <a:objectDefaults/>
+  <a:extraClrSchemeLst/>
+  <a:extLst>
+    <a:ext uri="{05A4C25C-085E-4340-85A3-A5531E510DB2}">
+      <thm15:themeFamily xmlns:thm15="http://schemas.microsoft.com/office/thememl/2012/main" name="Office Theme" id="{62F939B6-93AF-4DB8-9C6B-D6C7DFDC589F}" vid="{4A3C46E8-61CC-4603-A589-7422A47A8E4A}"/>
+    </a:ext>
+  </a:extLst>
+</a:theme>
 </file>
--- a/Documentation - PL/ZTP Dokumentation.pptx
+++ b/Documentation - PL/ZTP Dokumentation.pptx
@@ -222,7 +222,7 @@
           <a:p>
             <a:fld id="{7C2430AA-EDF6-4DBF-80B2-609DE0CD757D}" type="datetimeFigureOut">
               <a:rPr lang="pl-PL" smtClean="0"/>
-              <a:t>2018-12-14</a:t>
+              <a:t>2018-12-17</a:t>
             </a:fld>
             <a:endParaRPr lang="pl-PL"/>
           </a:p>
@@ -2815,7 +2815,7 @@
           <a:p>
             <a:fld id="{4DA347E4-0187-41BC-AEA1-5113E9805BC9}" type="datetimeFigureOut">
               <a:rPr lang="pl-PL" smtClean="0"/>
-              <a:t>2018-12-14</a:t>
+              <a:t>2018-12-17</a:t>
             </a:fld>
             <a:endParaRPr lang="pl-PL"/>
           </a:p>
@@ -2985,7 +2985,7 @@
           <a:p>
             <a:fld id="{4DA347E4-0187-41BC-AEA1-5113E9805BC9}" type="datetimeFigureOut">
               <a:rPr lang="pl-PL" smtClean="0"/>
-              <a:t>2018-12-14</a:t>
+              <a:t>2018-12-17</a:t>
             </a:fld>
             <a:endParaRPr lang="pl-PL"/>
           </a:p>
@@ -3165,7 +3165,7 @@
           <a:p>
             <a:fld id="{4DA347E4-0187-41BC-AEA1-5113E9805BC9}" type="datetimeFigureOut">
               <a:rPr lang="pl-PL" smtClean="0"/>
-              <a:t>2018-12-14</a:t>
+              <a:t>2018-12-17</a:t>
             </a:fld>
             <a:endParaRPr lang="pl-PL"/>
           </a:p>
@@ -3335,7 +3335,7 @@
           <a:p>
             <a:fld id="{4DA347E4-0187-41BC-AEA1-5113E9805BC9}" type="datetimeFigureOut">
               <a:rPr lang="pl-PL" smtClean="0"/>
-              <a:t>2018-12-14</a:t>
+              <a:t>2018-12-17</a:t>
             </a:fld>
             <a:endParaRPr lang="pl-PL"/>
           </a:p>
@@ -3586,7 +3586,7 @@
           <a:p>
             <a:fld id="{4DA347E4-0187-41BC-AEA1-5113E9805BC9}" type="datetimeFigureOut">
               <a:rPr lang="pl-PL" smtClean="0"/>
-              <a:t>2018-12-14</a:t>
+              <a:t>2018-12-17</a:t>
             </a:fld>
             <a:endParaRPr lang="pl-PL"/>
           </a:p>
@@ -3818,7 +3818,7 @@
           <a:p>
             <a:fld id="{4DA347E4-0187-41BC-AEA1-5113E9805BC9}" type="datetimeFigureOut">
               <a:rPr lang="pl-PL" smtClean="0"/>
-              <a:t>2018-12-14</a:t>
+              <a:t>2018-12-17</a:t>
             </a:fld>
             <a:endParaRPr lang="pl-PL"/>
           </a:p>
@@ -4165,7 +4165,7 @@
           <a:p>
             <a:fld id="{4DA347E4-0187-41BC-AEA1-5113E9805BC9}" type="datetimeFigureOut">
               <a:rPr lang="pl-PL" smtClean="0"/>
-              <a:t>2018-12-14</a:t>
+              <a:t>2018-12-17</a:t>
             </a:fld>
             <a:endParaRPr lang="pl-PL"/>
           </a:p>
@@ -4283,7 +4283,7 @@
           <a:p>
             <a:fld id="{4DA347E4-0187-41BC-AEA1-5113E9805BC9}" type="datetimeFigureOut">
               <a:rPr lang="pl-PL" smtClean="0"/>
-              <a:t>2018-12-14</a:t>
+              <a:t>2018-12-17</a:t>
             </a:fld>
             <a:endParaRPr lang="pl-PL"/>
           </a:p>
@@ -4401,7 +4401,7 @@
           <a:p>
             <a:fld id="{4DA347E4-0187-41BC-AEA1-5113E9805BC9}" type="datetimeFigureOut">
               <a:rPr lang="pl-PL" smtClean="0"/>
-              <a:t>2018-12-14</a:t>
+              <a:t>2018-12-17</a:t>
             </a:fld>
             <a:endParaRPr lang="pl-PL"/>
           </a:p>
@@ -4685,7 +4685,7 @@
           <a:p>
             <a:fld id="{4DA347E4-0187-41BC-AEA1-5113E9805BC9}" type="datetimeFigureOut">
               <a:rPr lang="pl-PL" smtClean="0"/>
-              <a:t>2018-12-14</a:t>
+              <a:t>2018-12-17</a:t>
             </a:fld>
             <a:endParaRPr lang="pl-PL"/>
           </a:p>
@@ -4949,7 +4949,7 @@
           <a:p>
             <a:fld id="{4DA347E4-0187-41BC-AEA1-5113E9805BC9}" type="datetimeFigureOut">
               <a:rPr lang="pl-PL" smtClean="0"/>
-              <a:t>2018-12-14</a:t>
+              <a:t>2018-12-17</a:t>
             </a:fld>
             <a:endParaRPr lang="pl-PL"/>
           </a:p>
@@ -5163,7 +5163,7 @@
           <a:p>
             <a:fld id="{4DA347E4-0187-41BC-AEA1-5113E9805BC9}" type="datetimeFigureOut">
               <a:rPr lang="pl-PL" smtClean="0"/>
-              <a:t>2018-12-14</a:t>
+              <a:t>2018-12-17</a:t>
             </a:fld>
             <a:endParaRPr lang="pl-PL"/>
           </a:p>
@@ -6068,12 +6068,14 @@
         </p:nvSpPr>
         <p:spPr>
           <a:xfrm>
-            <a:off x="240632" y="9943"/>
-            <a:ext cx="11951368" cy="1325562"/>
+            <a:off x="240632" y="9944"/>
+            <a:ext cx="11951368" cy="669326"/>
           </a:xfrm>
         </p:spPr>
         <p:txBody>
-          <a:bodyPr/>
+          <a:bodyPr>
+            <a:normAutofit fontScale="90000"/>
+          </a:bodyPr>
           <a:lstStyle/>
           <a:p>
             <a:r>
@@ -6096,10 +6098,10 @@
       </p:sp>
       <p:pic>
         <p:nvPicPr>
-          <p:cNvPr id="3" name="Obraz 2">
+          <p:cNvPr id="4" name="Obraz 3">
             <a:extLst>
               <a:ext uri="{FF2B5EF4-FFF2-40B4-BE49-F238E27FC236}">
-                <a16:creationId xmlns:a16="http://schemas.microsoft.com/office/drawing/2014/main" id="{30A5610A-9FCC-4609-BECD-E70A99CBBE21}"/>
+                <a16:creationId xmlns:a16="http://schemas.microsoft.com/office/drawing/2014/main" id="{79B2557F-E98F-4E75-A652-747A3ADFBDB1}"/>
               </a:ext>
             </a:extLst>
           </p:cNvPr>
@@ -6110,13 +6112,13 @@
         </p:nvPicPr>
         <p:blipFill rotWithShape="1">
           <a:blip r:embed="rId3"/>
-          <a:srcRect l="2234" t="4077" r="2071" b="3804"/>
+          <a:srcRect l="2431" t="4191" r="2509" b="4889"/>
           <a:stretch/>
         </p:blipFill>
         <p:spPr>
           <a:xfrm>
-            <a:off x="940312" y="1152525"/>
-            <a:ext cx="10311376" cy="5591175"/>
+            <a:off x="796834" y="622662"/>
+            <a:ext cx="10598332" cy="6235338"/>
           </a:xfrm>
           <a:prstGeom prst="rect">
             <a:avLst/>
@@ -6541,10 +6543,10 @@
       </p:sp>
       <p:pic>
         <p:nvPicPr>
-          <p:cNvPr id="6" name="Obraz 5">
+          <p:cNvPr id="3" name="Obraz 2">
             <a:extLst>
               <a:ext uri="{FF2B5EF4-FFF2-40B4-BE49-F238E27FC236}">
-                <a16:creationId xmlns:a16="http://schemas.microsoft.com/office/drawing/2014/main" id="{DF6A8E88-02E6-4D21-B253-D5D79447550D}"/>
+                <a16:creationId xmlns:a16="http://schemas.microsoft.com/office/drawing/2014/main" id="{3FC46A4C-A072-4958-8F56-5E10E2BB3ED4}"/>
               </a:ext>
             </a:extLst>
           </p:cNvPr>
@@ -6555,13 +6557,13 @@
         </p:nvPicPr>
         <p:blipFill rotWithShape="1">
           <a:blip r:embed="rId3"/>
-          <a:srcRect l="2738" t="3113" r="3000" b="3423"/>
+          <a:srcRect l="2440" t="3225" r="2770" b="3442"/>
           <a:stretch/>
         </p:blipFill>
         <p:spPr>
           <a:xfrm>
-            <a:off x="240632" y="1120140"/>
-            <a:ext cx="6702996" cy="5598160"/>
+            <a:off x="236979" y="1120140"/>
+            <a:ext cx="6712461" cy="5716870"/>
           </a:xfrm>
           <a:prstGeom prst="rect">
             <a:avLst/>
@@ -6672,8 +6674,8 @@
         </p:nvSpPr>
         <p:spPr>
           <a:xfrm>
-            <a:off x="6683692" y="1242060"/>
-            <a:ext cx="5210176" cy="3477875"/>
+            <a:off x="5590903" y="1242060"/>
+            <a:ext cx="6302965" cy="3170099"/>
           </a:xfrm>
           <a:prstGeom prst="rect">
             <a:avLst/>
@@ -6743,10 +6745,10 @@
       </p:sp>
       <p:pic>
         <p:nvPicPr>
-          <p:cNvPr id="6" name="Obraz 5">
+          <p:cNvPr id="4" name="Obraz 3">
             <a:extLst>
               <a:ext uri="{FF2B5EF4-FFF2-40B4-BE49-F238E27FC236}">
-                <a16:creationId xmlns:a16="http://schemas.microsoft.com/office/drawing/2014/main" id="{6ADCF9B0-36FC-45A3-8DCF-C5E1E3AF9900}"/>
+                <a16:creationId xmlns:a16="http://schemas.microsoft.com/office/drawing/2014/main" id="{8D67D9A7-BC6E-4919-A298-5928A08380B5}"/>
               </a:ext>
             </a:extLst>
           </p:cNvPr>
@@ -6757,13 +6759,13 @@
         </p:nvPicPr>
         <p:blipFill rotWithShape="1">
           <a:blip r:embed="rId3"/>
-          <a:srcRect l="6503" t="9040" r="5831" b="9892"/>
+          <a:srcRect l="6413" t="8176" r="6838" b="7503"/>
           <a:stretch/>
         </p:blipFill>
         <p:spPr>
           <a:xfrm>
-            <a:off x="298131" y="1335504"/>
-            <a:ext cx="6079515" cy="3604795"/>
+            <a:off x="298131" y="1242060"/>
+            <a:ext cx="5151637" cy="4357551"/>
           </a:xfrm>
           <a:prstGeom prst="rect">
             <a:avLst/>
@@ -7187,7 +7189,7 @@
         <p:spPr>
           <a:xfrm>
             <a:off x="240632" y="9943"/>
-            <a:ext cx="11951368" cy="1325562"/>
+            <a:ext cx="11951368" cy="765120"/>
           </a:xfrm>
         </p:spPr>
         <p:txBody>
@@ -7214,10 +7216,10 @@
       </p:sp>
       <p:pic>
         <p:nvPicPr>
-          <p:cNvPr id="3" name="Obraz 2">
+          <p:cNvPr id="4" name="Obraz 3">
             <a:extLst>
               <a:ext uri="{FF2B5EF4-FFF2-40B4-BE49-F238E27FC236}">
-                <a16:creationId xmlns:a16="http://schemas.microsoft.com/office/drawing/2014/main" id="{971FF24A-69A6-4741-A4B2-B441789C1CBB}"/>
+                <a16:creationId xmlns:a16="http://schemas.microsoft.com/office/drawing/2014/main" id="{FF5E1713-88E4-4927-BFC1-F911B5133A91}"/>
               </a:ext>
             </a:extLst>
           </p:cNvPr>
@@ -7228,13 +7230,13 @@
         </p:nvPicPr>
         <p:blipFill rotWithShape="1">
           <a:blip r:embed="rId3"/>
-          <a:srcRect l="2198" t="3646" r="2108" b="3829"/>
+          <a:srcRect l="3227" t="4825" r="3141" b="4508"/>
           <a:stretch/>
         </p:blipFill>
         <p:spPr>
           <a:xfrm>
-            <a:off x="614060" y="1125537"/>
-            <a:ext cx="10963880" cy="5608220"/>
+            <a:off x="1345475" y="672724"/>
+            <a:ext cx="9501051" cy="6217920"/>
           </a:xfrm>
           <a:prstGeom prst="rect">
             <a:avLst/>
@@ -7460,11 +7462,13 @@
         <p:spPr>
           <a:xfrm>
             <a:off x="240632" y="9943"/>
-            <a:ext cx="11951368" cy="1325562"/>
+            <a:ext cx="11951368" cy="594068"/>
           </a:xfrm>
         </p:spPr>
         <p:txBody>
-          <a:bodyPr/>
+          <a:bodyPr>
+            <a:normAutofit fontScale="90000"/>
+          </a:bodyPr>
           <a:lstStyle/>
           <a:p>
             <a:r>
@@ -7481,10 +7485,10 @@
       </p:sp>
       <p:pic>
         <p:nvPicPr>
-          <p:cNvPr id="4" name="Obraz 3">
+          <p:cNvPr id="7" name="Obraz 6">
             <a:extLst>
               <a:ext uri="{FF2B5EF4-FFF2-40B4-BE49-F238E27FC236}">
-                <a16:creationId xmlns:a16="http://schemas.microsoft.com/office/drawing/2014/main" id="{7E71650A-758B-49DA-B3E2-A6AFFD7D7F69}"/>
+                <a16:creationId xmlns:a16="http://schemas.microsoft.com/office/drawing/2014/main" id="{9DF9491C-D4C3-4BC8-B5DC-7E6ADBB48861}"/>
               </a:ext>
             </a:extLst>
           </p:cNvPr>
@@ -7495,13 +7499,13 @@
         </p:nvPicPr>
         <p:blipFill rotWithShape="1">
           <a:blip r:embed="rId3"/>
-          <a:srcRect l="2398" t="4720" r="2398" b="4753"/>
+          <a:srcRect l="1974" t="3667" r="1974" b="3730"/>
           <a:stretch/>
         </p:blipFill>
         <p:spPr>
           <a:xfrm>
-            <a:off x="637864" y="1152526"/>
-            <a:ext cx="10916272" cy="5524500"/>
+            <a:off x="240630" y="604011"/>
+            <a:ext cx="11710738" cy="6244046"/>
           </a:xfrm>
           <a:prstGeom prst="rect">
             <a:avLst/>
@@ -7859,11 +7863,13 @@
         <p:spPr>
           <a:xfrm>
             <a:off x="240632" y="9943"/>
-            <a:ext cx="11951368" cy="1325562"/>
+            <a:ext cx="11951368" cy="660617"/>
           </a:xfrm>
         </p:spPr>
         <p:txBody>
-          <a:bodyPr/>
+          <a:bodyPr>
+            <a:normAutofit fontScale="90000"/>
+          </a:bodyPr>
           <a:lstStyle/>
           <a:p>
             <a:r>
@@ -7880,10 +7886,10 @@
       </p:sp>
       <p:pic>
         <p:nvPicPr>
-          <p:cNvPr id="3" name="Obraz 2">
+          <p:cNvPr id="4" name="Obraz 3">
             <a:extLst>
               <a:ext uri="{FF2B5EF4-FFF2-40B4-BE49-F238E27FC236}">
-                <a16:creationId xmlns:a16="http://schemas.microsoft.com/office/drawing/2014/main" id="{D681C4E1-D51A-4900-BBE9-7752BAEE1F53}"/>
+                <a16:creationId xmlns:a16="http://schemas.microsoft.com/office/drawing/2014/main" id="{F6D11293-9F41-4718-BE32-50A644C6FF96}"/>
               </a:ext>
             </a:extLst>
           </p:cNvPr>
@@ -7894,13 +7900,13 @@
         </p:nvPicPr>
         <p:blipFill rotWithShape="1">
           <a:blip r:embed="rId3"/>
-          <a:srcRect l="2442" t="4022" r="2484" b="3312"/>
+          <a:srcRect l="2360" t="4549" r="2746" b="4420"/>
           <a:stretch/>
         </p:blipFill>
         <p:spPr>
           <a:xfrm>
-            <a:off x="1619250" y="1107752"/>
-            <a:ext cx="8953500" cy="5695539"/>
+            <a:off x="570290" y="690593"/>
+            <a:ext cx="11051420" cy="6157464"/>
           </a:xfrm>
           <a:prstGeom prst="rect">
             <a:avLst/>
@@ -7977,7 +7983,7 @@
               <a:rPr lang="pl-PL" b="1" cap="small" dirty="0">
                 <a:latin typeface="Bahnschrift" panose="020B0502040204020203" pitchFamily="34" charset="0"/>
               </a:rPr>
-              <a:t>Wzorzec # 10 (architekturalny): MVP – Przykładowy kontroler / prezenter Albumu</a:t>
+              <a:t>Wzorzec # 10 (architekturalny): MVP – Przykładowy prezenter Albumu</a:t>
             </a:r>
             <a:endParaRPr lang="pl-PL" dirty="0">
               <a:latin typeface="Bahnschrift" panose="020B0502040204020203" pitchFamily="34" charset="0"/>
@@ -7987,10 +7993,10 @@
       </p:sp>
       <p:pic>
         <p:nvPicPr>
-          <p:cNvPr id="3" name="Obraz 2">
+          <p:cNvPr id="4" name="Obraz 3">
             <a:extLst>
               <a:ext uri="{FF2B5EF4-FFF2-40B4-BE49-F238E27FC236}">
-                <a16:creationId xmlns:a16="http://schemas.microsoft.com/office/drawing/2014/main" id="{4C643980-6100-4363-AA52-96C5911ED2AE}"/>
+                <a16:creationId xmlns:a16="http://schemas.microsoft.com/office/drawing/2014/main" id="{CC755873-CE92-47E7-BC67-0FB7C853FECA}"/>
               </a:ext>
             </a:extLst>
           </p:cNvPr>
@@ -8001,13 +8007,13 @@
         </p:nvPicPr>
         <p:blipFill rotWithShape="1">
           <a:blip r:embed="rId3"/>
-          <a:srcRect l="1898" t="4283" r="1979" b="3967"/>
+          <a:srcRect l="1974" t="5109" r="1974" b="5975"/>
           <a:stretch/>
         </p:blipFill>
         <p:spPr>
           <a:xfrm>
-            <a:off x="221738" y="1476375"/>
-            <a:ext cx="11748524" cy="5229225"/>
+            <a:off x="240632" y="1823185"/>
+            <a:ext cx="11710736" cy="4146560"/>
           </a:xfrm>
           <a:prstGeom prst="rect">
             <a:avLst/>
@@ -8320,10 +8326,10 @@
       </p:grpSpPr>
       <p:pic>
         <p:nvPicPr>
-          <p:cNvPr id="6" name="Obraz 5" descr="Obraz zawierający zrzut ekranu&#10;&#10;Opis wygenerowany automatycznie">
+          <p:cNvPr id="4" name="Obraz 3" descr="Obraz zawierający zrzut ekranu&#10;&#10;Opis wygenerowany automatycznie">
             <a:extLst>
               <a:ext uri="{FF2B5EF4-FFF2-40B4-BE49-F238E27FC236}">
-                <a16:creationId xmlns:a16="http://schemas.microsoft.com/office/drawing/2014/main" id="{70449BFF-CFFC-44B4-97E8-F7101D47FB39}"/>
+                <a16:creationId xmlns:a16="http://schemas.microsoft.com/office/drawing/2014/main" id="{4B563481-39A0-433D-A5B5-775A80C8B201}"/>
               </a:ext>
             </a:extLst>
           </p:cNvPr>
@@ -8442,10 +8448,10 @@
       </p:grpSpPr>
       <p:pic>
         <p:nvPicPr>
-          <p:cNvPr id="4" name="Obraz 3" descr="Obraz zawierający zrzut ekranu, wewnątrz&#10;&#10;Opis wygenerowany automatycznie">
+          <p:cNvPr id="5" name="Obraz 4" descr="Obraz zawierający zrzut ekranu, wewnątrz, komputer&#10;&#10;Opis wygenerowany automatycznie">
             <a:extLst>
               <a:ext uri="{FF2B5EF4-FFF2-40B4-BE49-F238E27FC236}">
-                <a16:creationId xmlns:a16="http://schemas.microsoft.com/office/drawing/2014/main" id="{DB9DF6C9-0983-426C-B7C7-9685CF9AE640}"/>
+                <a16:creationId xmlns:a16="http://schemas.microsoft.com/office/drawing/2014/main" id="{5C45ADAA-C2E1-4332-8B7B-DEC44124D430}"/>
               </a:ext>
             </a:extLst>
           </p:cNvPr>
@@ -8538,16 +8544,6 @@
 <file path=ppt/slides/slide25.xml><?xml version="1.0" encoding="utf-8"?>
 <p:sld xmlns:a="http://schemas.openxmlformats.org/drawingml/2006/main" xmlns:r="http://schemas.openxmlformats.org/officeDocument/2006/relationships" xmlns:p="http://schemas.openxmlformats.org/presentationml/2006/main">
   <p:cSld>
-    <p:bg>
-      <p:bgPr>
-        <a:solidFill>
-          <a:schemeClr val="bg1">
-            <a:lumMod val="85000"/>
-          </a:schemeClr>
-        </a:solidFill>
-        <a:effectLst/>
-      </p:bgPr>
-    </p:bg>
     <p:spTree>
       <p:nvGrpSpPr>
         <p:cNvPr id="1" name=""/>
@@ -8564,10 +8560,10 @@
       </p:grpSpPr>
       <p:pic>
         <p:nvPicPr>
-          <p:cNvPr id="5" name="Obraz 4" descr="Obraz zawierający zrzut ekranu, niebo, wewnątrz, komputer&#10;&#10;Opis wygenerowany automatycznie">
+          <p:cNvPr id="4" name="Obraz 3" descr="Obraz zawierający zrzut ekranu, wewnątrz, komputer, laptop&#10;&#10;Opis wygenerowany automatycznie">
             <a:extLst>
               <a:ext uri="{FF2B5EF4-FFF2-40B4-BE49-F238E27FC236}">
-                <a16:creationId xmlns:a16="http://schemas.microsoft.com/office/drawing/2014/main" id="{C4F13207-7E2F-4A27-A884-63889A90A233}"/>
+                <a16:creationId xmlns:a16="http://schemas.microsoft.com/office/drawing/2014/main" id="{E0778BD2-031F-40C8-9D47-47F9B8961174}"/>
               </a:ext>
             </a:extLst>
           </p:cNvPr>
@@ -8590,8 +8586,8 @@
         </p:blipFill>
         <p:spPr>
           <a:xfrm>
-            <a:off x="0" y="0"/>
-            <a:ext cx="12192000" cy="6858000"/>
+            <a:off x="101347" y="0"/>
+            <a:ext cx="9761113" cy="6858000"/>
           </a:xfrm>
           <a:prstGeom prst="rect">
             <a:avLst/>
@@ -8616,8 +8612,8 @@
         </p:nvSpPr>
         <p:spPr>
           <a:xfrm>
-            <a:off x="6740435" y="6275760"/>
-            <a:ext cx="5451566" cy="582240"/>
+            <a:off x="9239795" y="5648743"/>
+            <a:ext cx="3021874" cy="1065565"/>
           </a:xfrm>
         </p:spPr>
         <p:txBody>
@@ -8682,10 +8678,10 @@
       </p:grpSpPr>
       <p:pic>
         <p:nvPicPr>
-          <p:cNvPr id="5" name="Obraz 4" descr="Obraz zawierający zrzut ekranu&#10;&#10;Opis wygenerowany automatycznie">
+          <p:cNvPr id="7" name="Obraz 6" descr="Obraz zawierający zrzut ekranu&#10;&#10;Opis wygenerowany automatycznie">
             <a:extLst>
               <a:ext uri="{FF2B5EF4-FFF2-40B4-BE49-F238E27FC236}">
-                <a16:creationId xmlns:a16="http://schemas.microsoft.com/office/drawing/2014/main" id="{943EFB32-439C-4DF8-8242-98F134E8AE2A}"/>
+                <a16:creationId xmlns:a16="http://schemas.microsoft.com/office/drawing/2014/main" id="{B4291891-2B71-4650-A6BA-2246E9C8ED04}"/>
               </a:ext>
             </a:extLst>
           </p:cNvPr>
@@ -8708,7 +8704,7 @@
         </p:blipFill>
         <p:spPr>
           <a:xfrm>
-            <a:off x="278674" y="0"/>
+            <a:off x="73436" y="0"/>
             <a:ext cx="8146243" cy="6858000"/>
           </a:xfrm>
           <a:prstGeom prst="rect">
@@ -8716,68 +8712,6 @@
           </a:prstGeom>
         </p:spPr>
       </p:pic>
-      <p:sp>
-        <p:nvSpPr>
-          <p:cNvPr id="2" name="Tytuł 1">
-            <a:extLst>
-              <a:ext uri="{FF2B5EF4-FFF2-40B4-BE49-F238E27FC236}">
-                <a16:creationId xmlns:a16="http://schemas.microsoft.com/office/drawing/2014/main" id="{259D5117-EECA-4EB8-90C9-0050BF673144}"/>
-              </a:ext>
-            </a:extLst>
-          </p:cNvPr>
-          <p:cNvSpPr>
-            <a:spLocks noGrp="1"/>
-          </p:cNvSpPr>
-          <p:nvPr>
-            <p:ph type="title"/>
-          </p:nvPr>
-        </p:nvSpPr>
-        <p:spPr>
-          <a:xfrm>
-            <a:off x="7750206" y="3615432"/>
-            <a:ext cx="3679920" cy="923330"/>
-          </a:xfrm>
-        </p:spPr>
-        <p:txBody>
-          <a:bodyPr>
-            <a:noAutofit/>
-          </a:bodyPr>
-          <a:lstStyle/>
-          <a:p>
-            <a:r>
-              <a:rPr lang="pl-PL" sz="2400" b="1" cap="small" dirty="0">
-                <a:latin typeface="Bahnschrift" panose="020B0502040204020203" pitchFamily="34" charset="0"/>
-              </a:rPr>
-              <a:t>Diagram klas: </a:t>
-            </a:r>
-            <a:br>
-              <a:rPr lang="pl-PL" sz="2400" b="1" cap="small" dirty="0">
-                <a:latin typeface="Bahnschrift" panose="020B0502040204020203" pitchFamily="34" charset="0"/>
-              </a:rPr>
-            </a:br>
-            <a:r>
-              <a:rPr lang="pl-PL" sz="2400" b="1" cap="small" dirty="0" err="1">
-                <a:latin typeface="Bahnschrift" panose="020B0502040204020203" pitchFamily="34" charset="0"/>
-              </a:rPr>
-              <a:t>MusicPlayer.UWP</a:t>
-            </a:r>
-            <a:r>
-              <a:rPr lang="pl-PL" sz="2400" b="1" cap="small" dirty="0">
-                <a:latin typeface="Bahnschrift" panose="020B0502040204020203" pitchFamily="34" charset="0"/>
-              </a:rPr>
-              <a:t> cześć 2</a:t>
-            </a:r>
-            <a:br>
-              <a:rPr lang="pl-PL" sz="2400" b="1" cap="small" dirty="0">
-                <a:latin typeface="Bahnschrift" panose="020B0502040204020203" pitchFamily="34" charset="0"/>
-              </a:rPr>
-            </a:br>
-            <a:endParaRPr lang="pl-PL" sz="2400" dirty="0">
-              <a:latin typeface="Bahnschrift" panose="020B0502040204020203" pitchFamily="34" charset="0"/>
-            </a:endParaRPr>
-          </a:p>
-        </p:txBody>
-      </p:sp>
       <p:sp>
         <p:nvSpPr>
           <p:cNvPr id="6" name="pole tekstowe 5">
@@ -8792,8 +8726,8 @@
         </p:nvSpPr>
         <p:spPr>
           <a:xfrm>
-            <a:off x="7750206" y="4279037"/>
-            <a:ext cx="4163120" cy="830997"/>
+            <a:off x="8395062" y="3164339"/>
+            <a:ext cx="3723502" cy="830997"/>
           </a:xfrm>
           <a:prstGeom prst="rect">
             <a:avLst/>
@@ -8818,56 +8752,63 @@
       </p:sp>
       <p:sp>
         <p:nvSpPr>
-          <p:cNvPr id="3" name="Prostokąt 2">
+          <p:cNvPr id="2" name="Tytuł 1">
             <a:extLst>
               <a:ext uri="{FF2B5EF4-FFF2-40B4-BE49-F238E27FC236}">
-                <a16:creationId xmlns:a16="http://schemas.microsoft.com/office/drawing/2014/main" id="{35736201-142D-4413-BF5D-3435E51829CB}"/>
+                <a16:creationId xmlns:a16="http://schemas.microsoft.com/office/drawing/2014/main" id="{259D5117-EECA-4EB8-90C9-0050BF673144}"/>
               </a:ext>
             </a:extLst>
           </p:cNvPr>
-          <p:cNvSpPr/>
-          <p:nvPr/>
+          <p:cNvSpPr>
+            <a:spLocks noGrp="1"/>
+          </p:cNvSpPr>
+          <p:nvPr>
+            <p:ph type="title"/>
+          </p:nvPr>
         </p:nvSpPr>
         <p:spPr>
           <a:xfrm>
-            <a:off x="8616506" y="6034779"/>
-            <a:ext cx="3575494" cy="738664"/>
+            <a:off x="8365207" y="2430962"/>
+            <a:ext cx="3679920" cy="923330"/>
           </a:xfrm>
-          <a:prstGeom prst="rect">
-            <a:avLst/>
-          </a:prstGeom>
         </p:spPr>
         <p:txBody>
-          <a:bodyPr wrap="square">
-            <a:spAutoFit/>
+          <a:bodyPr>
+            <a:noAutofit/>
           </a:bodyPr>
           <a:lstStyle/>
           <a:p>
-            <a:pPr algn="just"/>
-            <a:r>
-              <a:rPr lang="pl-PL" sz="1400" b="1" dirty="0">
-                <a:latin typeface="Bahnschrift" panose="020B0502040204020203" pitchFamily="34" charset="0"/>
-              </a:rPr>
-              <a:t>Statystyki:</a:t>
-            </a:r>
-          </a:p>
-          <a:p>
-            <a:pPr algn="just"/>
-            <a:r>
-              <a:rPr lang="pl-PL" sz="1400" dirty="0">
-                <a:latin typeface="Bahnschrift" panose="020B0502040204020203" pitchFamily="34" charset="0"/>
-              </a:rPr>
-              <a:t>Łączna liczba klas w projekcie &gt; 168</a:t>
-            </a:r>
-          </a:p>
-          <a:p>
-            <a:pPr algn="just"/>
-            <a:r>
-              <a:rPr lang="pl-PL" sz="1400" dirty="0">
-                <a:latin typeface="Bahnschrift" panose="020B0502040204020203" pitchFamily="34" charset="0"/>
-              </a:rPr>
-              <a:t>Łączna liczba interfejsów w projekcie &gt; 24</a:t>
-            </a:r>
+            <a:r>
+              <a:rPr lang="pl-PL" sz="2400" b="1" cap="small" dirty="0">
+                <a:latin typeface="Bahnschrift" panose="020B0502040204020203" pitchFamily="34" charset="0"/>
+              </a:rPr>
+              <a:t>Diagram klas: </a:t>
+            </a:r>
+            <a:br>
+              <a:rPr lang="pl-PL" sz="2400" b="1" cap="small" dirty="0">
+                <a:latin typeface="Bahnschrift" panose="020B0502040204020203" pitchFamily="34" charset="0"/>
+              </a:rPr>
+            </a:br>
+            <a:r>
+              <a:rPr lang="pl-PL" sz="2400" b="1" cap="small" dirty="0" err="1">
+                <a:latin typeface="Bahnschrift" panose="020B0502040204020203" pitchFamily="34" charset="0"/>
+              </a:rPr>
+              <a:t>MusicPlayer.UWP</a:t>
+            </a:r>
+            <a:r>
+              <a:rPr lang="pl-PL" sz="2400" b="1" cap="small" dirty="0">
+                <a:latin typeface="Bahnschrift" panose="020B0502040204020203" pitchFamily="34" charset="0"/>
+              </a:rPr>
+              <a:t> cześć 2</a:t>
+            </a:r>
+            <a:br>
+              <a:rPr lang="pl-PL" sz="2400" b="1" cap="small" dirty="0">
+                <a:latin typeface="Bahnschrift" panose="020B0502040204020203" pitchFamily="34" charset="0"/>
+              </a:rPr>
+            </a:br>
+            <a:endParaRPr lang="pl-PL" sz="2400" dirty="0">
+              <a:latin typeface="Bahnschrift" panose="020B0502040204020203" pitchFamily="34" charset="0"/>
+            </a:endParaRPr>
           </a:p>
         </p:txBody>
       </p:sp>
@@ -9012,8 +8953,8 @@
         </p:blipFill>
         <p:spPr>
           <a:xfrm>
-            <a:off x="3597274" y="4257799"/>
-            <a:ext cx="2437200" cy="2437200"/>
+            <a:off x="3777062" y="4256599"/>
+            <a:ext cx="2257412" cy="2257412"/>
           </a:xfrm>
           <a:prstGeom prst="rect">
             <a:avLst/>
@@ -9086,7 +9027,7 @@
         <p:spPr bwMode="auto">
           <a:xfrm>
             <a:off x="6216845" y="4256599"/>
-            <a:ext cx="2438400" cy="2438400"/>
+            <a:ext cx="2257412" cy="2257412"/>
           </a:xfrm>
           <a:prstGeom prst="rect">
             <a:avLst/>
@@ -9102,6 +9043,96 @@
           </a:extLst>
         </p:spPr>
       </p:pic>
+      <p:sp>
+        <p:nvSpPr>
+          <p:cNvPr id="8" name="Prostokąt 7">
+            <a:extLst>
+              <a:ext uri="{FF2B5EF4-FFF2-40B4-BE49-F238E27FC236}">
+                <a16:creationId xmlns:a16="http://schemas.microsoft.com/office/drawing/2014/main" id="{0447823A-1E1F-4213-A32D-D4D0D41502DF}"/>
+              </a:ext>
+            </a:extLst>
+          </p:cNvPr>
+          <p:cNvSpPr/>
+          <p:nvPr/>
+        </p:nvSpPr>
+        <p:spPr>
+          <a:xfrm>
+            <a:off x="8656628" y="5959187"/>
+            <a:ext cx="3535372" cy="738664"/>
+          </a:xfrm>
+          <a:prstGeom prst="rect">
+            <a:avLst/>
+          </a:prstGeom>
+        </p:spPr>
+        <p:txBody>
+          <a:bodyPr wrap="square">
+            <a:spAutoFit/>
+          </a:bodyPr>
+          <a:lstStyle/>
+          <a:p>
+            <a:pPr algn="just"/>
+            <a:r>
+              <a:rPr lang="pl-PL" sz="1400" b="1" dirty="0">
+                <a:latin typeface="Bahnschrift" panose="020B0502040204020203" pitchFamily="34" charset="0"/>
+              </a:rPr>
+              <a:t>Statystyki:</a:t>
+            </a:r>
+          </a:p>
+          <a:p>
+            <a:pPr marL="269875" indent="-182563" algn="just">
+              <a:buFont typeface="Wingdings" panose="05000000000000000000" pitchFamily="2" charset="2"/>
+              <a:buChar char="§"/>
+            </a:pPr>
+            <a:r>
+              <a:rPr lang="pl-PL" sz="1400" dirty="0">
+                <a:latin typeface="Bahnschrift" panose="020B0502040204020203" pitchFamily="34" charset="0"/>
+              </a:rPr>
+              <a:t>Liczba klas w projekcie </a:t>
+            </a:r>
+            <a:r>
+              <a:rPr lang="pl-PL" sz="1400">
+                <a:latin typeface="Calibri" panose="020F0502020204030204" pitchFamily="34" charset="0"/>
+                <a:cs typeface="Calibri" panose="020F0502020204030204" pitchFamily="34" charset="0"/>
+              </a:rPr>
+              <a:t>≥</a:t>
+            </a:r>
+            <a:r>
+              <a:rPr lang="pl-PL" sz="1400">
+                <a:latin typeface="Bahnschrift" panose="020B0502040204020203" pitchFamily="34" charset="0"/>
+              </a:rPr>
+              <a:t> 311</a:t>
+            </a:r>
+            <a:endParaRPr lang="pl-PL" sz="1400" dirty="0">
+              <a:latin typeface="Bahnschrift" panose="020B0502040204020203" pitchFamily="34" charset="0"/>
+            </a:endParaRPr>
+          </a:p>
+          <a:p>
+            <a:pPr marL="269875" indent="-182563" algn="just">
+              <a:buFont typeface="Wingdings" panose="05000000000000000000" pitchFamily="2" charset="2"/>
+              <a:buChar char="§"/>
+            </a:pPr>
+            <a:r>
+              <a:rPr lang="pl-PL" sz="1400" dirty="0">
+                <a:latin typeface="Bahnschrift" panose="020B0502040204020203" pitchFamily="34" charset="0"/>
+              </a:rPr>
+              <a:t>Liczba interfejsów w projekcie </a:t>
+            </a:r>
+            <a:r>
+              <a:rPr lang="pl-PL" sz="1400" dirty="0">
+                <a:latin typeface="Calibri" panose="020F0502020204030204" pitchFamily="34" charset="0"/>
+                <a:cs typeface="Calibri" panose="020F0502020204030204" pitchFamily="34" charset="0"/>
+              </a:rPr>
+              <a:t>≥</a:t>
+            </a:r>
+            <a:r>
+              <a:rPr lang="pl-PL" sz="1400" dirty="0">
+                <a:latin typeface="Bahnschrift" panose="020B0502040204020203" pitchFamily="34" charset="0"/>
+              </a:rPr>
+              <a:t> 24</a:t>
+            </a:r>
+          </a:p>
+        </p:txBody>
+      </p:sp>
     </p:spTree>
     <p:extLst>
       <p:ext uri="{BB962C8B-B14F-4D97-AF65-F5344CB8AC3E}">
@@ -9610,10 +9641,10 @@
       </p:sp>
       <p:pic>
         <p:nvPicPr>
-          <p:cNvPr id="4" name="Obraz 3">
+          <p:cNvPr id="5" name="Obraz 4">
             <a:extLst>
               <a:ext uri="{FF2B5EF4-FFF2-40B4-BE49-F238E27FC236}">
-                <a16:creationId xmlns:a16="http://schemas.microsoft.com/office/drawing/2014/main" id="{E0EC74C7-69D4-43AD-BAAB-42181BE75338}"/>
+                <a16:creationId xmlns:a16="http://schemas.microsoft.com/office/drawing/2014/main" id="{7E26E002-A01B-4C0C-BA1E-17FD47C4894D}"/>
               </a:ext>
             </a:extLst>
           </p:cNvPr>
@@ -9624,13 +9655,13 @@
         </p:nvPicPr>
         <p:blipFill rotWithShape="1">
           <a:blip r:embed="rId3"/>
-          <a:srcRect l="2550" t="4675" r="2485" b="4166"/>
+          <a:srcRect l="2184" t="6770" r="2567" b="6437"/>
           <a:stretch/>
         </p:blipFill>
         <p:spPr>
           <a:xfrm>
-            <a:off x="676955" y="1162050"/>
-            <a:ext cx="10838091" cy="5572126"/>
+            <a:off x="240632" y="1335505"/>
+            <a:ext cx="11637859" cy="4203146"/>
           </a:xfrm>
           <a:prstGeom prst="rect">
             <a:avLst/>
@@ -9898,8 +9929,8 @@
         </p:nvSpPr>
         <p:spPr>
           <a:xfrm>
-            <a:off x="7640320" y="1100137"/>
-            <a:ext cx="4311048" cy="3170099"/>
+            <a:off x="6966856" y="1100137"/>
+            <a:ext cx="4984511" cy="2554545"/>
           </a:xfrm>
           <a:prstGeom prst="rect">
             <a:avLst/>
@@ -9971,8 +10002,8 @@
         </p:nvSpPr>
         <p:spPr>
           <a:xfrm>
-            <a:off x="240632" y="4788367"/>
-            <a:ext cx="11710736" cy="1015663"/>
+            <a:off x="6966856" y="4004211"/>
+            <a:ext cx="4984512" cy="2246769"/>
           </a:xfrm>
           <a:prstGeom prst="rect">
             <a:avLst/>
@@ -10080,10 +10111,10 @@
       </p:sp>
       <p:pic>
         <p:nvPicPr>
-          <p:cNvPr id="4" name="Obraz 3">
+          <p:cNvPr id="11" name="Obraz 10">
             <a:extLst>
               <a:ext uri="{FF2B5EF4-FFF2-40B4-BE49-F238E27FC236}">
-                <a16:creationId xmlns:a16="http://schemas.microsoft.com/office/drawing/2014/main" id="{4F87BDEF-8171-42CB-B2EF-E898FEB4D36A}"/>
+                <a16:creationId xmlns:a16="http://schemas.microsoft.com/office/drawing/2014/main" id="{A09327BD-7695-4DCA-AEBC-F3E04B95C254}"/>
               </a:ext>
             </a:extLst>
           </p:cNvPr>
@@ -10094,13 +10125,13 @@
         </p:nvPicPr>
         <p:blipFill rotWithShape="1">
           <a:blip r:embed="rId3"/>
-          <a:srcRect l="4721" t="9834" r="4687" b="9834"/>
+          <a:srcRect l="3398" t="4084" r="3928" b="4046"/>
           <a:stretch/>
         </p:blipFill>
         <p:spPr>
           <a:xfrm>
-            <a:off x="333375" y="1190626"/>
-            <a:ext cx="7157438" cy="3079610"/>
+            <a:off x="240632" y="1100137"/>
+            <a:ext cx="6551499" cy="5719328"/>
           </a:xfrm>
           <a:prstGeom prst="rect">
             <a:avLst/>

--- a/Documentation - PL/ZTP Dokumentation.pptx
+++ b/Documentation - PL/ZTP Dokumentation.pptx
@@ -6002,7 +6002,7 @@
         </p:blipFill>
         <p:spPr>
           <a:xfrm>
-            <a:off x="240632" y="1209675"/>
+            <a:off x="362552" y="1209675"/>
             <a:ext cx="4883818" cy="5481837"/>
           </a:xfrm>
           <a:prstGeom prst="rect">
@@ -6871,8 +6871,8 @@
         </p:blipFill>
         <p:spPr>
           <a:xfrm>
-            <a:off x="485271" y="1181100"/>
-            <a:ext cx="11221459" cy="5511800"/>
+            <a:off x="158603" y="1025293"/>
+            <a:ext cx="11874794" cy="5832707"/>
           </a:xfrm>
           <a:prstGeom prst="rect">
             <a:avLst/>
@@ -8612,8 +8612,8 @@
         </p:nvSpPr>
         <p:spPr>
           <a:xfrm>
-            <a:off x="9239795" y="5648743"/>
-            <a:ext cx="3021874" cy="1065565"/>
+            <a:off x="9373579" y="5648743"/>
+            <a:ext cx="2717074" cy="1065565"/>
           </a:xfrm>
         </p:spPr>
         <p:txBody>
@@ -8678,10 +8678,10 @@
       </p:grpSpPr>
       <p:pic>
         <p:nvPicPr>
-          <p:cNvPr id="7" name="Obraz 6" descr="Obraz zawierający zrzut ekranu&#10;&#10;Opis wygenerowany automatycznie">
+          <p:cNvPr id="9" name="Obraz 8" descr="Obraz zawierający wewnątrz, ściana&#10;&#10;Opis wygenerowany automatycznie">
             <a:extLst>
               <a:ext uri="{FF2B5EF4-FFF2-40B4-BE49-F238E27FC236}">
-                <a16:creationId xmlns:a16="http://schemas.microsoft.com/office/drawing/2014/main" id="{B4291891-2B71-4650-A6BA-2246E9C8ED04}"/>
+                <a16:creationId xmlns:a16="http://schemas.microsoft.com/office/drawing/2014/main" id="{7A16970A-F0D6-4C2C-891F-FF08355BEA4E}"/>
               </a:ext>
             </a:extLst>
           </p:cNvPr>
@@ -8704,8 +8704,8 @@
         </p:blipFill>
         <p:spPr>
           <a:xfrm>
-            <a:off x="73436" y="0"/>
-            <a:ext cx="8146243" cy="6858000"/>
+            <a:off x="0" y="0"/>
+            <a:ext cx="12192000" cy="5662520"/>
           </a:xfrm>
           <a:prstGeom prst="rect">
             <a:avLst/>
@@ -8726,8 +8726,8 @@
         </p:nvSpPr>
         <p:spPr>
           <a:xfrm>
-            <a:off x="8395062" y="3164339"/>
-            <a:ext cx="3723502" cy="830997"/>
+            <a:off x="4702627" y="5662520"/>
+            <a:ext cx="4815841" cy="1077218"/>
           </a:xfrm>
           <a:prstGeom prst="rect">
             <a:avLst/>
@@ -8745,7 +8745,31 @@
               <a:rPr lang="pl-PL" sz="1600" dirty="0">
                 <a:latin typeface="Bahnschrift" panose="020B0502040204020203" pitchFamily="34" charset="0"/>
               </a:rPr>
-              <a:t>Zawierający interfejsy i Klasy związane z Albumem. Pozostałym modelom bazy odpowiadają zbliżone kontrolery.</a:t>
+              <a:t>Diagram przestawia interfejsy i Klasy związane z prezenterem Albumu zawarte w </a:t>
+            </a:r>
+            <a:r>
+              <a:rPr lang="pl-PL" sz="1600" dirty="0" err="1">
+                <a:latin typeface="Bahnschrift" panose="020B0502040204020203" pitchFamily="34" charset="0"/>
+              </a:rPr>
+              <a:t>MusicPlayer.UWP</a:t>
+            </a:r>
+            <a:r>
+              <a:rPr lang="pl-PL" sz="1600" dirty="0">
+                <a:latin typeface="Bahnschrift" panose="020B0502040204020203" pitchFamily="34" charset="0"/>
+              </a:rPr>
+              <a:t>. Pozostałym modelom bazy odpowiadają zbliżone (mniej lub bardziej rozbudowane) </a:t>
+            </a:r>
+            <a:r>
+              <a:rPr lang="pl-PL" sz="1600" dirty="0" err="1">
+                <a:latin typeface="Bahnschrift" panose="020B0502040204020203" pitchFamily="34" charset="0"/>
+              </a:rPr>
+              <a:t>prezentery</a:t>
+            </a:r>
+            <a:r>
+              <a:rPr lang="pl-PL" sz="1600" dirty="0">
+                <a:latin typeface="Bahnschrift" panose="020B0502040204020203" pitchFamily="34" charset="0"/>
+              </a:rPr>
+              <a:t>.</a:t>
             </a:r>
           </a:p>
         </p:txBody>
@@ -8768,8 +8792,8 @@
         </p:nvSpPr>
         <p:spPr>
           <a:xfrm>
-            <a:off x="8365207" y="2430962"/>
-            <a:ext cx="3679920" cy="923330"/>
+            <a:off x="269966" y="5862140"/>
+            <a:ext cx="3857897" cy="923330"/>
           </a:xfrm>
         </p:spPr>
         <p:txBody>
@@ -9057,8 +9081,8 @@
         </p:nvSpPr>
         <p:spPr>
           <a:xfrm>
-            <a:off x="8656628" y="5959187"/>
-            <a:ext cx="3535372" cy="738664"/>
+            <a:off x="8535217" y="5933061"/>
+            <a:ext cx="3717743" cy="830997"/>
           </a:xfrm>
           <a:prstGeom prst="rect">
             <a:avLst/>
@@ -9072,7 +9096,10 @@
           <a:p>
             <a:pPr algn="just"/>
             <a:r>
-              <a:rPr lang="pl-PL" sz="1400" b="1" dirty="0">
+              <a:rPr lang="pl-PL" sz="1600" b="1" dirty="0">
+                <a:solidFill>
+                  <a:srgbClr val="002060"/>
+                </a:solidFill>
                 <a:latin typeface="Bahnschrift" panose="020B0502040204020203" pitchFamily="34" charset="0"/>
               </a:rPr>
               <a:t>Statystyki:</a:t>
@@ -9084,27 +9111,33 @@
               <a:buChar char="§"/>
             </a:pPr>
             <a:r>
-              <a:rPr lang="pl-PL" sz="1400" dirty="0">
+              <a:rPr lang="pl-PL" sz="1600" dirty="0">
+                <a:solidFill>
+                  <a:srgbClr val="002060"/>
+                </a:solidFill>
                 <a:latin typeface="Bahnschrift" panose="020B0502040204020203" pitchFamily="34" charset="0"/>
               </a:rPr>
               <a:t>Liczba klas w projekcie </a:t>
             </a:r>
             <a:r>
-              <a:rPr lang="pl-PL" sz="1400">
+              <a:rPr lang="pl-PL" sz="1600" dirty="0">
+                <a:solidFill>
+                  <a:srgbClr val="002060"/>
+                </a:solidFill>
                 <a:latin typeface="Calibri" panose="020F0502020204030204" pitchFamily="34" charset="0"/>
                 <a:cs typeface="Calibri" panose="020F0502020204030204" pitchFamily="34" charset="0"/>
               </a:rPr>
               <a:t>≥</a:t>
             </a:r>
             <a:r>
-              <a:rPr lang="pl-PL" sz="1400">
+              <a:rPr lang="pl-PL" sz="1600" dirty="0">
+                <a:solidFill>
+                  <a:srgbClr val="002060"/>
+                </a:solidFill>
                 <a:latin typeface="Bahnschrift" panose="020B0502040204020203" pitchFamily="34" charset="0"/>
               </a:rPr>
               <a:t> 311</a:t>
             </a:r>
-            <a:endParaRPr lang="pl-PL" sz="1400" dirty="0">
-              <a:latin typeface="Bahnschrift" panose="020B0502040204020203" pitchFamily="34" charset="0"/>
-            </a:endParaRPr>
           </a:p>
           <a:p>
             <a:pPr marL="269875" indent="-182563" algn="just">
@@ -9112,20 +9145,29 @@
               <a:buChar char="§"/>
             </a:pPr>
             <a:r>
-              <a:rPr lang="pl-PL" sz="1400" dirty="0">
+              <a:rPr lang="pl-PL" sz="1600" dirty="0">
+                <a:solidFill>
+                  <a:srgbClr val="002060"/>
+                </a:solidFill>
                 <a:latin typeface="Bahnschrift" panose="020B0502040204020203" pitchFamily="34" charset="0"/>
               </a:rPr>
               <a:t>Liczba interfejsów w projekcie </a:t>
             </a:r>
             <a:r>
-              <a:rPr lang="pl-PL" sz="1400" dirty="0">
+              <a:rPr lang="pl-PL" sz="1600" dirty="0">
+                <a:solidFill>
+                  <a:srgbClr val="002060"/>
+                </a:solidFill>
                 <a:latin typeface="Calibri" panose="020F0502020204030204" pitchFamily="34" charset="0"/>
                 <a:cs typeface="Calibri" panose="020F0502020204030204" pitchFamily="34" charset="0"/>
               </a:rPr>
               <a:t>≥</a:t>
             </a:r>
             <a:r>
-              <a:rPr lang="pl-PL" sz="1400" dirty="0">
+              <a:rPr lang="pl-PL" sz="1600" dirty="0">
+                <a:solidFill>
+                  <a:srgbClr val="002060"/>
+                </a:solidFill>
                 <a:latin typeface="Bahnschrift" panose="020B0502040204020203" pitchFamily="34" charset="0"/>
               </a:rPr>
               <a:t> 24</a:t>
@@ -9235,8 +9277,8 @@
         </p:blipFill>
         <p:spPr>
           <a:xfrm>
-            <a:off x="3321558" y="1090040"/>
-            <a:ext cx="5548885" cy="5548885"/>
+            <a:off x="3255509" y="1045030"/>
+            <a:ext cx="5680982" cy="5680982"/>
           </a:xfrm>
           <a:prstGeom prst="rect">
             <a:avLst/>
@@ -9450,7 +9492,7 @@
         <p:spPr>
           <a:xfrm>
             <a:off x="8705850" y="1249680"/>
-            <a:ext cx="3554385" cy="3170099"/>
+            <a:ext cx="3554385" cy="3477875"/>
           </a:xfrm>
           <a:prstGeom prst="rect">
             <a:avLst/>
@@ -9464,16 +9506,10 @@
           <a:lstStyle/>
           <a:p>
             <a:r>
-              <a:rPr lang="pl-PL" sz="2000" b="1" dirty="0">
-                <a:latin typeface="Bahnschrift" panose="020B0502040204020203" pitchFamily="34" charset="0"/>
-              </a:rPr>
-              <a:t>Singleton</a:t>
-            </a:r>
-            <a:r>
               <a:rPr lang="pl-PL" sz="2000" dirty="0">
                 <a:latin typeface="Bahnschrift" panose="020B0502040204020203" pitchFamily="34" charset="0"/>
               </a:rPr>
-              <a:t> – kreacyjny wzorzec projektowy, użyty w celu jest ograniczenia możliwości tworzenia obiektów klasy </a:t>
+              <a:t>Singleton – kreacyjny wzorzec projektowy, użyty w celu ograniczenia możliwości tworzenia obiektów klasy </a:t>
             </a:r>
             <a:r>
               <a:rPr lang="pl-PL" sz="2000" dirty="0" err="1">
@@ -9487,6 +9523,13 @@
               </a:rPr>
               <a:t> do jednej instancji. </a:t>
             </a:r>
+          </a:p>
+          <a:p>
+            <a:endParaRPr lang="pl-PL" sz="2000" dirty="0">
+              <a:latin typeface="Bahnschrift" panose="020B0502040204020203" pitchFamily="34" charset="0"/>
+            </a:endParaRPr>
+          </a:p>
+          <a:p>
             <a:r>
               <a:rPr lang="pl-PL" sz="2000" dirty="0" err="1">
                 <a:latin typeface="Bahnschrift" panose="020B0502040204020203" pitchFamily="34" charset="0"/>
@@ -9497,7 +9540,7 @@
               <a:rPr lang="pl-PL" sz="2000" dirty="0">
                 <a:latin typeface="Bahnschrift" panose="020B0502040204020203" pitchFamily="34" charset="0"/>
               </a:rPr>
-              <a:t> jest klasą służąco do rejestrowania w bazie </a:t>
+              <a:t> jest klasą służącą do rejestrowania w bazie </a:t>
             </a:r>
             <a:r>
               <a:rPr lang="pl-PL" sz="2000" dirty="0" err="1">
@@ -9660,8 +9703,8 @@
         </p:blipFill>
         <p:spPr>
           <a:xfrm>
-            <a:off x="240632" y="1335505"/>
-            <a:ext cx="11637859" cy="4203146"/>
+            <a:off x="108282" y="1335505"/>
+            <a:ext cx="11975437" cy="4325066"/>
           </a:xfrm>
           <a:prstGeom prst="rect">
             <a:avLst/>

--- a/Documentation - PL/ZTP Dokumentation.pptx
+++ b/Documentation - PL/ZTP Dokumentation.pptx
@@ -6301,7 +6301,7 @@
                 <a:effectLst/>
                 <a:latin typeface="Bahnschrift" panose="020B0502040204020203" pitchFamily="34" charset="0"/>
               </a:rPr>
-              <a:t>Repozytoria to klasy lub komponenty, które zawierając </a:t>
+              <a:t>Repozytoria to klasy lub komponenty, które zawierać </a:t>
             </a:r>
             <a:r>
               <a:rPr lang="pl-PL" altLang="pl-PL" sz="2400" dirty="0">
@@ -6320,33 +6320,7 @@
                 <a:effectLst/>
                 <a:latin typeface="Bahnschrift" panose="020B0502040204020203" pitchFamily="34" charset="0"/>
               </a:rPr>
-              <a:t>logikę wymaganą do uzyskania dostępu do źródeł danych. Scentralizują wspólną funkcjonalność dostępu do danych, zapewniając lepszą </a:t>
-            </a:r>
-            <a:r>
-              <a:rPr kumimoji="0" lang="pl-PL" altLang="pl-PL" sz="2400" b="0" i="0" u="none" strike="noStrike" cap="none" normalizeH="0" baseline="0" dirty="0" err="1">
-                <a:ln>
-                  <a:noFill/>
-                </a:ln>
-                <a:solidFill>
-                  <a:schemeClr val="tx1"/>
-                </a:solidFill>
-                <a:effectLst/>
-                <a:latin typeface="Bahnschrift" panose="020B0502040204020203" pitchFamily="34" charset="0"/>
-              </a:rPr>
-              <a:t>konserwowalność</a:t>
-            </a:r>
-            <a:r>
-              <a:rPr kumimoji="0" lang="pl-PL" altLang="pl-PL" sz="2400" b="0" i="0" u="none" strike="noStrike" cap="none" normalizeH="0" baseline="0" dirty="0">
-                <a:ln>
-                  <a:noFill/>
-                </a:ln>
-                <a:solidFill>
-                  <a:schemeClr val="tx1"/>
-                </a:solidFill>
-                <a:effectLst/>
-                <a:latin typeface="Bahnschrift" panose="020B0502040204020203" pitchFamily="34" charset="0"/>
-              </a:rPr>
-              <a:t> i oddzielenie infrastruktury lub technologii wykorzystywanej do uzyskiwania dostępu do baz danych z warstwy modelu domeny. Z uwagi na zastosowanie Mapowania Obiektowego Relacji (ORM), jakim jest </a:t>
+              <a:t>logikę wymaganą do uzyskania dostępu do źródeł danych. Scentralizują wspólną funkcjonalność dostępu do danych, zapewniając lepszą edytowalność i oddzielenie infrastruktury lub technologii wykorzystywanej do uzyskiwania dostępu do baz danych z warstwy modelu domeny. Z uwagi na zastosowanie Mapowania Obiektowego Relacji (ORM), jakim jest </a:t>
             </a:r>
             <a:r>
               <a:rPr kumimoji="0" lang="pl-PL" altLang="pl-PL" sz="2400" b="0" i="0" u="none" strike="noStrike" cap="none" normalizeH="0" baseline="0" dirty="0" err="1">
@@ -9933,7 +9907,7 @@
         <p:spPr>
           <a:xfrm>
             <a:off x="240632" y="9943"/>
-            <a:ext cx="11951368" cy="1325562"/>
+            <a:ext cx="11951368" cy="939291"/>
           </a:xfrm>
         </p:spPr>
         <p:txBody>
@@ -9972,8 +9946,8 @@
         </p:nvSpPr>
         <p:spPr>
           <a:xfrm>
-            <a:off x="6966856" y="1100137"/>
-            <a:ext cx="4984511" cy="2554545"/>
+            <a:off x="6966857" y="949234"/>
+            <a:ext cx="4984511" cy="3477875"/>
           </a:xfrm>
           <a:prstGeom prst="rect">
             <a:avLst/>
@@ -9990,31 +9964,31 @@
               <a:rPr lang="pl-PL" sz="2000" dirty="0">
                 <a:latin typeface="Bahnschrift" panose="020B0502040204020203" pitchFamily="34" charset="0"/>
               </a:rPr>
-              <a:t>Niektóre polecenia </a:t>
+              <a:t>Niektóre z poleceń narzędzia EF </a:t>
             </a:r>
             <a:r>
               <a:rPr lang="pl-PL" sz="2000" dirty="0" err="1">
                 <a:latin typeface="Bahnschrift" panose="020B0502040204020203" pitchFamily="34" charset="0"/>
               </a:rPr>
-              <a:t>Entitiy</a:t>
+              <a:t>Core</a:t>
             </a:r>
             <a:r>
               <a:rPr lang="pl-PL" sz="2000" dirty="0">
                 <a:latin typeface="Bahnschrift" panose="020B0502040204020203" pitchFamily="34" charset="0"/>
               </a:rPr>
-              <a:t> Framework </a:t>
+              <a:t> Tools (na przykład polecenia migracji) wymagają utworzenia pochodnej instancji </a:t>
             </a:r>
             <a:r>
               <a:rPr lang="pl-PL" sz="2000" dirty="0" err="1">
                 <a:latin typeface="Bahnschrift" panose="020B0502040204020203" pitchFamily="34" charset="0"/>
               </a:rPr>
-              <a:t>Core</a:t>
+              <a:t>DbContext</a:t>
             </a:r>
             <a:r>
               <a:rPr lang="pl-PL" sz="2000" dirty="0">
                 <a:latin typeface="Bahnschrift" panose="020B0502040204020203" pitchFamily="34" charset="0"/>
               </a:rPr>
-              <a:t> Tools (na przykład migracje poleceń) wymagają pochodnej </a:t>
+              <a:t> w czasie projektowania w celu zebrania szczegółowych informacji o typach encji aplikacji i sposobie ich mapowania do schematu bazy danych. Pożądane jest, aby utworzony w ten sposób </a:t>
             </a:r>
             <a:r>
               <a:rPr lang="pl-PL" sz="2000" dirty="0" err="1">
@@ -10026,7 +10000,19 @@
               <a:rPr lang="pl-PL" sz="2000" dirty="0">
                 <a:latin typeface="Bahnschrift" panose="020B0502040204020203" pitchFamily="34" charset="0"/>
               </a:rPr>
-              <a:t> wystąpienia, które ma zostać utworzone w czasie projektowania, aby można było zbierać szczegółowe informacje o aplikacji typy jednostek i sposobu mapowania ich na schemat bazy danych. </a:t>
+              <a:t> był skonfigurowany w podobny sposób, w jaki byłby skonfigurowany w czasie wykonywania (klasa </a:t>
+            </a:r>
+            <a:r>
+              <a:rPr lang="pl-PL" sz="2000" dirty="0" err="1">
+                <a:latin typeface="Bahnschrift" panose="020B0502040204020203" pitchFamily="34" charset="0"/>
+              </a:rPr>
+              <a:t>DataContext</a:t>
+            </a:r>
+            <a:r>
+              <a:rPr lang="pl-PL" sz="2000" dirty="0">
+                <a:latin typeface="Bahnschrift" panose="020B0502040204020203" pitchFamily="34" charset="0"/>
+              </a:rPr>
+              <a:t>).</a:t>
             </a:r>
           </a:p>
         </p:txBody>
@@ -10045,7 +10031,7 @@
         </p:nvSpPr>
         <p:spPr>
           <a:xfrm>
-            <a:off x="6966856" y="4004211"/>
+            <a:off x="6992427" y="4500599"/>
             <a:ext cx="4984512" cy="2246769"/>
           </a:xfrm>
           <a:prstGeom prst="rect">
@@ -10111,31 +10097,7 @@
               <a:rPr lang="pl-PL" sz="2000" dirty="0">
                 <a:latin typeface="Bahnschrift" panose="020B0502040204020203" pitchFamily="34" charset="0"/>
               </a:rPr>
-              <a:t>&gt;. </a:t>
-            </a:r>
-            <a:r>
-              <a:rPr lang="pl-PL" sz="2000" dirty="0" err="1">
-                <a:latin typeface="Bahnschrift" panose="020B0502040204020203" pitchFamily="34" charset="0"/>
-              </a:rPr>
-              <a:t>Podsumowująć</a:t>
-            </a:r>
-            <a:r>
-              <a:rPr lang="pl-PL" sz="2000" dirty="0">
-                <a:latin typeface="Bahnschrift" panose="020B0502040204020203" pitchFamily="34" charset="0"/>
-              </a:rPr>
-              <a:t> </a:t>
-            </a:r>
-            <a:r>
-              <a:rPr lang="pl-PL" sz="2000" dirty="0" err="1">
-                <a:latin typeface="Bahnschrift" panose="020B0502040204020203" pitchFamily="34" charset="0"/>
-              </a:rPr>
-              <a:t>wzorzez</a:t>
-            </a:r>
-            <a:r>
-              <a:rPr lang="pl-PL" sz="2000" dirty="0">
-                <a:latin typeface="Bahnschrift" panose="020B0502040204020203" pitchFamily="34" charset="0"/>
-              </a:rPr>
-              <a:t> </a:t>
+              <a:t>&gt;. Wzorze </a:t>
             </a:r>
             <a:r>
               <a:rPr lang="pl-PL" sz="2000" dirty="0" err="1">
@@ -10173,7 +10135,7 @@
         </p:blipFill>
         <p:spPr>
           <a:xfrm>
-            <a:off x="240632" y="1100137"/>
+            <a:off x="240632" y="1028040"/>
             <a:ext cx="6551499" cy="5719328"/>
           </a:xfrm>
           <a:prstGeom prst="rect">

--- a/Documentation - PL/ZTP Dokumentation.pptx
+++ b/Documentation - PL/ZTP Dokumentation.pptx
@@ -6468,7 +6468,7 @@
         <p:spPr>
           <a:xfrm>
             <a:off x="7086600" y="1120140"/>
-            <a:ext cx="4864768" cy="4708981"/>
+            <a:ext cx="4983480" cy="4401205"/>
           </a:xfrm>
           <a:prstGeom prst="rect">
             <a:avLst/>
@@ -6510,7 +6510,7 @@
               <a:rPr lang="pl-PL" sz="2000" dirty="0">
                 <a:latin typeface="Bahnschrift" panose="020B0502040204020203" pitchFamily="34" charset="0"/>
               </a:rPr>
-              <a:t> data rozwiązuje w projekcie problem jaki klasa może mieć, dotyczący ochrony stanu obiektu, w którym nie można zadeklarować finału. Działanie tego wzorca polega na usunięciu ekspozycji danych przez zabezpieczenie jej w klasie utrzymującej stan danych. W rezultacie oddzielamy dane od tych metod, które go używają, a tym samym tworzymy kolejną warstwę separacji od kontrolerów, którzy mają relacje danymi tworzonego obiektu. W skrócie, wzorzec umożliwi w kontrolerach inicjowanie danych należących do klas modeli.</a:t>
+              <a:t> data rozwiązuje w projekcie problem jaki klasa może mieć, dotyczący ochrony stanu obiektu, w którym nie można zadeklarować finału. Działanie tego wzorca polega na usunięciu ekspozycji danych przez zabezpieczenie jej w klasie utrzymującej stan danych. W rezultacie oddzielamy dane od tych metod, które go używają, a tym samym tworzymy kolejną warstwę separacji od prezenterów, które mają relacje danymi tworzonego obiektu. W skrócie, wzorzec umożliwi w kontrolerach inicjowanie danych należących do klas modeli.</a:t>
             </a:r>
           </a:p>
         </p:txBody>
@@ -6536,7 +6536,7 @@
         </p:blipFill>
         <p:spPr>
           <a:xfrm>
-            <a:off x="236979" y="1120140"/>
+            <a:off x="240632" y="1141130"/>
             <a:ext cx="6712461" cy="5716870"/>
           </a:xfrm>
           <a:prstGeom prst="rect">
@@ -8218,6 +8218,7 @@
           </a:bodyPr>
           <a:lstStyle/>
           <a:p>
+            <a:pPr algn="just"/>
             <a:r>
               <a:rPr lang="pl-PL" sz="2000" dirty="0">
                 <a:latin typeface="Bahnschrift" panose="020B0502040204020203" pitchFamily="34" charset="0"/>
@@ -8234,7 +8235,30 @@
               <a:rPr lang="pl-PL" sz="2000" dirty="0">
                 <a:latin typeface="Bahnschrift" panose="020B0502040204020203" pitchFamily="34" charset="0"/>
               </a:rPr>
-              <a:t> wysyła zapytanie do modelu, model zwraca dane do prezentera, prezenter przetwarza otrzymane dane i przekazuje do widoku. </a:t>
+              <a:t> wysyła zapytanie do modelu, model zwraca dane do prezentera, prezenter przetwarza otrzymane </a:t>
+            </a:r>
+            <a:r>
+              <a:rPr lang="pl-PL" sz="2000">
+                <a:latin typeface="Bahnschrift" panose="020B0502040204020203" pitchFamily="34" charset="0"/>
+              </a:rPr>
+              <a:t>dane </a:t>
+            </a:r>
+            <a:br>
+              <a:rPr lang="pl-PL" sz="2000">
+                <a:latin typeface="Bahnschrift" panose="020B0502040204020203" pitchFamily="34" charset="0"/>
+              </a:rPr>
+            </a:br>
+            <a:r>
+              <a:rPr lang="pl-PL" sz="2000">
+                <a:latin typeface="Bahnschrift" panose="020B0502040204020203" pitchFamily="34" charset="0"/>
+              </a:rPr>
+              <a:t>i </a:t>
+            </a:r>
+            <a:r>
+              <a:rPr lang="pl-PL" sz="2000" dirty="0">
+                <a:latin typeface="Bahnschrift" panose="020B0502040204020203" pitchFamily="34" charset="0"/>
+              </a:rPr>
+              <a:t>przekazuje do widoku. </a:t>
             </a:r>
           </a:p>
           <a:p>
